--- a/docs/juliacon/NeuroTrees-JuliaCon2024.pptx
+++ b/docs/juliacon/NeuroTrees-JuliaCon2024.pptx
@@ -5,22 +5,24 @@
     <p:sldMasterId id="2147483660" r:id="rId1"/>
   </p:sldMasterIdLst>
   <p:notesMasterIdLst>
-    <p:notesMasterId r:id="rId15"/>
+    <p:notesMasterId r:id="rId17"/>
   </p:notesMasterIdLst>
   <p:sldIdLst>
     <p:sldId id="534" r:id="rId2"/>
     <p:sldId id="512" r:id="rId3"/>
     <p:sldId id="536" r:id="rId4"/>
-    <p:sldId id="547" r:id="rId5"/>
-    <p:sldId id="538" r:id="rId6"/>
+    <p:sldId id="538" r:id="rId5"/>
+    <p:sldId id="547" r:id="rId6"/>
     <p:sldId id="546" r:id="rId7"/>
     <p:sldId id="545" r:id="rId8"/>
-    <p:sldId id="539" r:id="rId9"/>
-    <p:sldId id="544" r:id="rId10"/>
+    <p:sldId id="544" r:id="rId9"/>
+    <p:sldId id="550" r:id="rId10"/>
     <p:sldId id="540" r:id="rId11"/>
     <p:sldId id="541" r:id="rId12"/>
     <p:sldId id="542" r:id="rId13"/>
-    <p:sldId id="543" r:id="rId14"/>
+    <p:sldId id="548" r:id="rId14"/>
+    <p:sldId id="549" r:id="rId15"/>
+    <p:sldId id="543" r:id="rId16"/>
   </p:sldIdLst>
   <p:sldSz cx="9144000" cy="6858000" type="screen4x3"/>
   <p:notesSz cx="9296400" cy="7010400"/>
@@ -853,7 +855,7 @@
           <a:p>
             <a:fld id="{1C044A73-7DF2-4BE1-B866-7A3D71333E5E}" type="datetimeFigureOut">
               <a:rPr lang="en-CA" smtClean="0"/>
-              <a:t>2024-06-07</a:t>
+              <a:t>2024-06-21</a:t>
             </a:fld>
             <a:endParaRPr lang="en-CA"/>
           </a:p>
@@ -1531,6 +1533,174 @@
     </p:spTree>
     <p:extLst>
       <p:ext uri="{BB962C8B-B14F-4D97-AF65-F5344CB8AC3E}">
+        <p14:creationId xmlns:p14="http://schemas.microsoft.com/office/powerpoint/2010/main" val="1425492701"/>
+      </p:ext>
+    </p:extLst>
+  </p:cSld>
+  <p:clrMapOvr>
+    <a:masterClrMapping/>
+  </p:clrMapOvr>
+</p:notes>
+</file>
+
+<file path=ppt/notesSlides/notesSlide14.xml><?xml version="1.0" encoding="utf-8"?>
+<p:notes xmlns:a="http://schemas.openxmlformats.org/drawingml/2006/main" xmlns:r="http://schemas.openxmlformats.org/officeDocument/2006/relationships" xmlns:p="http://schemas.openxmlformats.org/presentationml/2006/main">
+  <p:cSld>
+    <p:spTree>
+      <p:nvGrpSpPr>
+        <p:cNvPr id="1" name=""/>
+        <p:cNvGrpSpPr/>
+        <p:nvPr/>
+      </p:nvGrpSpPr>
+      <p:grpSpPr>
+        <a:xfrm>
+          <a:off x="0" y="0"/>
+          <a:ext cx="0" cy="0"/>
+          <a:chOff x="0" y="0"/>
+          <a:chExt cx="0" cy="0"/>
+        </a:xfrm>
+      </p:grpSpPr>
+      <p:sp>
+        <p:nvSpPr>
+          <p:cNvPr id="2" name="Slide Image Placeholder 1"/>
+          <p:cNvSpPr>
+            <a:spLocks noGrp="1" noRot="1" noChangeAspect="1"/>
+          </p:cNvSpPr>
+          <p:nvPr>
+            <p:ph type="sldImg"/>
+          </p:nvPr>
+        </p:nvSpPr>
+        <p:spPr/>
+      </p:sp>
+      <p:sp>
+        <p:nvSpPr>
+          <p:cNvPr id="3" name="Notes Placeholder 2"/>
+          <p:cNvSpPr>
+            <a:spLocks noGrp="1"/>
+          </p:cNvSpPr>
+          <p:nvPr>
+            <p:ph type="body" idx="1"/>
+          </p:nvPr>
+        </p:nvSpPr>
+        <p:spPr/>
+        <p:txBody>
+          <a:bodyPr/>
+          <a:lstStyle/>
+          <a:p>
+            <a:endParaRPr lang="en-CA" dirty="0"/>
+          </a:p>
+        </p:txBody>
+      </p:sp>
+      <p:sp>
+        <p:nvSpPr>
+          <p:cNvPr id="4" name="Slide Number Placeholder 3"/>
+          <p:cNvSpPr>
+            <a:spLocks noGrp="1"/>
+          </p:cNvSpPr>
+          <p:nvPr>
+            <p:ph type="sldNum" sz="quarter" idx="5"/>
+          </p:nvPr>
+        </p:nvSpPr>
+        <p:spPr/>
+        <p:txBody>
+          <a:bodyPr/>
+          <a:lstStyle/>
+          <a:p>
+            <a:fld id="{639688F5-EE26-4FC2-A712-24CB14AE8397}" type="slidenum">
+              <a:rPr lang="en-CA" smtClean="0"/>
+              <a:t>14</a:t>
+            </a:fld>
+            <a:endParaRPr lang="en-CA"/>
+          </a:p>
+        </p:txBody>
+      </p:sp>
+    </p:spTree>
+    <p:extLst>
+      <p:ext uri="{BB962C8B-B14F-4D97-AF65-F5344CB8AC3E}">
+        <p14:creationId xmlns:p14="http://schemas.microsoft.com/office/powerpoint/2010/main" val="2589183039"/>
+      </p:ext>
+    </p:extLst>
+  </p:cSld>
+  <p:clrMapOvr>
+    <a:masterClrMapping/>
+  </p:clrMapOvr>
+</p:notes>
+</file>
+
+<file path=ppt/notesSlides/notesSlide15.xml><?xml version="1.0" encoding="utf-8"?>
+<p:notes xmlns:a="http://schemas.openxmlformats.org/drawingml/2006/main" xmlns:r="http://schemas.openxmlformats.org/officeDocument/2006/relationships" xmlns:p="http://schemas.openxmlformats.org/presentationml/2006/main">
+  <p:cSld>
+    <p:spTree>
+      <p:nvGrpSpPr>
+        <p:cNvPr id="1" name=""/>
+        <p:cNvGrpSpPr/>
+        <p:nvPr/>
+      </p:nvGrpSpPr>
+      <p:grpSpPr>
+        <a:xfrm>
+          <a:off x="0" y="0"/>
+          <a:ext cx="0" cy="0"/>
+          <a:chOff x="0" y="0"/>
+          <a:chExt cx="0" cy="0"/>
+        </a:xfrm>
+      </p:grpSpPr>
+      <p:sp>
+        <p:nvSpPr>
+          <p:cNvPr id="2" name="Slide Image Placeholder 1"/>
+          <p:cNvSpPr>
+            <a:spLocks noGrp="1" noRot="1" noChangeAspect="1"/>
+          </p:cNvSpPr>
+          <p:nvPr>
+            <p:ph type="sldImg"/>
+          </p:nvPr>
+        </p:nvSpPr>
+        <p:spPr/>
+      </p:sp>
+      <p:sp>
+        <p:nvSpPr>
+          <p:cNvPr id="3" name="Notes Placeholder 2"/>
+          <p:cNvSpPr>
+            <a:spLocks noGrp="1"/>
+          </p:cNvSpPr>
+          <p:nvPr>
+            <p:ph type="body" idx="1"/>
+          </p:nvPr>
+        </p:nvSpPr>
+        <p:spPr/>
+        <p:txBody>
+          <a:bodyPr/>
+          <a:lstStyle/>
+          <a:p>
+            <a:endParaRPr lang="en-CA" dirty="0"/>
+          </a:p>
+        </p:txBody>
+      </p:sp>
+      <p:sp>
+        <p:nvSpPr>
+          <p:cNvPr id="4" name="Slide Number Placeholder 3"/>
+          <p:cNvSpPr>
+            <a:spLocks noGrp="1"/>
+          </p:cNvSpPr>
+          <p:nvPr>
+            <p:ph type="sldNum" sz="quarter" idx="5"/>
+          </p:nvPr>
+        </p:nvSpPr>
+        <p:spPr/>
+        <p:txBody>
+          <a:bodyPr/>
+          <a:lstStyle/>
+          <a:p>
+            <a:fld id="{639688F5-EE26-4FC2-A712-24CB14AE8397}" type="slidenum">
+              <a:rPr lang="en-CA" smtClean="0"/>
+              <a:t>15</a:t>
+            </a:fld>
+            <a:endParaRPr lang="en-CA"/>
+          </a:p>
+        </p:txBody>
+      </p:sp>
+    </p:spTree>
+    <p:extLst>
+      <p:ext uri="{BB962C8B-B14F-4D97-AF65-F5344CB8AC3E}">
         <p14:creationId xmlns:p14="http://schemas.microsoft.com/office/powerpoint/2010/main" val="1687071509"/>
       </p:ext>
     </p:extLst>
@@ -1783,7 +1953,7 @@
     </p:spTree>
     <p:extLst>
       <p:ext uri="{BB962C8B-B14F-4D97-AF65-F5344CB8AC3E}">
-        <p14:creationId xmlns:p14="http://schemas.microsoft.com/office/powerpoint/2010/main" val="2921158886"/>
+        <p14:creationId xmlns:p14="http://schemas.microsoft.com/office/powerpoint/2010/main" val="2340166568"/>
       </p:ext>
     </p:extLst>
   </p:cSld>
@@ -1867,7 +2037,7 @@
     </p:spTree>
     <p:extLst>
       <p:ext uri="{BB962C8B-B14F-4D97-AF65-F5344CB8AC3E}">
-        <p14:creationId xmlns:p14="http://schemas.microsoft.com/office/powerpoint/2010/main" val="2340166568"/>
+        <p14:creationId xmlns:p14="http://schemas.microsoft.com/office/powerpoint/2010/main" val="2921158886"/>
       </p:ext>
     </p:extLst>
   </p:cSld>
@@ -2119,7 +2289,7 @@
     </p:spTree>
     <p:extLst>
       <p:ext uri="{BB962C8B-B14F-4D97-AF65-F5344CB8AC3E}">
-        <p14:creationId xmlns:p14="http://schemas.microsoft.com/office/powerpoint/2010/main" val="2180329153"/>
+        <p14:creationId xmlns:p14="http://schemas.microsoft.com/office/powerpoint/2010/main" val="2489869467"/>
       </p:ext>
     </p:extLst>
   </p:cSld>
@@ -2203,7 +2373,7 @@
     </p:spTree>
     <p:extLst>
       <p:ext uri="{BB962C8B-B14F-4D97-AF65-F5344CB8AC3E}">
-        <p14:creationId xmlns:p14="http://schemas.microsoft.com/office/powerpoint/2010/main" val="2489869467"/>
+        <p14:creationId xmlns:p14="http://schemas.microsoft.com/office/powerpoint/2010/main" val="3542303519"/>
       </p:ext>
     </p:extLst>
   </p:cSld>
@@ -2344,7 +2514,7 @@
           <a:p>
             <a:fld id="{CDF84B77-5A00-4E31-97D9-83A4464B28D9}" type="datetime1">
               <a:rPr lang="en-CA" smtClean="0"/>
-              <a:t>2024-06-07</a:t>
+              <a:t>2024-06-21</a:t>
             </a:fld>
             <a:endParaRPr lang="en-CA"/>
           </a:p>
@@ -2533,7 +2703,7 @@
           <a:p>
             <a:fld id="{F1A45956-A242-4842-92D3-5C52FDD9AC62}" type="datetime1">
               <a:rPr lang="en-CA" smtClean="0"/>
-              <a:t>2024-06-07</a:t>
+              <a:t>2024-06-21</a:t>
             </a:fld>
             <a:endParaRPr lang="en-CA"/>
           </a:p>
@@ -2713,7 +2883,7 @@
           <a:p>
             <a:fld id="{3C044235-B6C5-4F73-A98E-A78448D29717}" type="datetime1">
               <a:rPr lang="en-CA" smtClean="0"/>
-              <a:t>2024-06-07</a:t>
+              <a:t>2024-06-21</a:t>
             </a:fld>
             <a:endParaRPr lang="en-CA"/>
           </a:p>
@@ -2883,7 +3053,7 @@
           <a:p>
             <a:fld id="{60BEEC1A-EE81-41F8-A507-77693E4B598A}" type="datetime1">
               <a:rPr lang="en-CA" smtClean="0"/>
-              <a:t>2024-06-07</a:t>
+              <a:t>2024-06-21</a:t>
             </a:fld>
             <a:endParaRPr lang="en-CA"/>
           </a:p>
@@ -3146,7 +3316,7 @@
           <a:p>
             <a:fld id="{8DCE74EF-F9C3-44BB-96DE-7E43F47DACB1}" type="datetime1">
               <a:rPr lang="en-CA" smtClean="0"/>
-              <a:t>2024-06-07</a:t>
+              <a:t>2024-06-21</a:t>
             </a:fld>
             <a:endParaRPr lang="en-CA"/>
           </a:p>
@@ -3378,7 +3548,7 @@
           <a:p>
             <a:fld id="{CAA1B7CC-9632-4BA1-8139-1EC4993CE8FB}" type="datetime1">
               <a:rPr lang="en-CA" smtClean="0"/>
-              <a:t>2024-06-07</a:t>
+              <a:t>2024-06-21</a:t>
             </a:fld>
             <a:endParaRPr lang="en-CA"/>
           </a:p>
@@ -3745,7 +3915,7 @@
           <a:p>
             <a:fld id="{1F58F869-828D-47DE-B553-80245A152DC1}" type="datetime1">
               <a:rPr lang="en-CA" smtClean="0"/>
-              <a:t>2024-06-07</a:t>
+              <a:t>2024-06-21</a:t>
             </a:fld>
             <a:endParaRPr lang="en-CA"/>
           </a:p>
@@ -3863,7 +4033,7 @@
           <a:p>
             <a:fld id="{71BCFE68-F2B9-4C04-97AF-420ABEA2040B}" type="datetime1">
               <a:rPr lang="en-CA" smtClean="0"/>
-              <a:t>2024-06-07</a:t>
+              <a:t>2024-06-21</a:t>
             </a:fld>
             <a:endParaRPr lang="en-CA"/>
           </a:p>
@@ -3958,7 +4128,7 @@
           <a:p>
             <a:fld id="{80555036-90C9-4034-96F7-868F71174523}" type="datetime1">
               <a:rPr lang="en-CA" smtClean="0"/>
-              <a:t>2024-06-07</a:t>
+              <a:t>2024-06-21</a:t>
             </a:fld>
             <a:endParaRPr lang="en-CA"/>
           </a:p>
@@ -4235,7 +4405,7 @@
           <a:p>
             <a:fld id="{20BB61A9-8D30-4CF7-B04C-8D8A0101E057}" type="datetime1">
               <a:rPr lang="en-CA" smtClean="0"/>
-              <a:t>2024-06-07</a:t>
+              <a:t>2024-06-21</a:t>
             </a:fld>
             <a:endParaRPr lang="en-CA"/>
           </a:p>
@@ -4492,7 +4662,7 @@
           <a:p>
             <a:fld id="{55150C9A-6EA4-4F6F-B05D-9812566FBB77}" type="datetime1">
               <a:rPr lang="en-CA" smtClean="0"/>
-              <a:t>2024-06-07</a:t>
+              <a:t>2024-06-21</a:t>
             </a:fld>
             <a:endParaRPr lang="en-CA"/>
           </a:p>
@@ -4705,7 +4875,7 @@
           <a:p>
             <a:fld id="{E777D8B4-D12A-431D-8342-F17CBD9FCB64}" type="datetime1">
               <a:rPr lang="en-CA" smtClean="0"/>
-              <a:t>2024-06-07</a:t>
+              <a:t>2024-06-21</a:t>
             </a:fld>
             <a:endParaRPr lang="en-CA"/>
           </a:p>
@@ -5132,7 +5302,7 @@
         <p:spPr>
           <a:xfrm>
             <a:off x="298066" y="2160815"/>
-            <a:ext cx="5150233" cy="2106385"/>
+            <a:ext cx="5447244" cy="2106385"/>
           </a:xfrm>
           <a:prstGeom prst="snip2DiagRect">
             <a:avLst>
@@ -5146,7 +5316,7 @@
         </p:spPr>
         <p:txBody>
           <a:bodyPr vert="horz" lIns="91440" tIns="45720" rIns="91440" bIns="45720" rtlCol="0" anchor="ctr">
-            <a:normAutofit fontScale="92500" lnSpcReduction="20000"/>
+            <a:normAutofit fontScale="85000" lnSpcReduction="20000"/>
           </a:bodyPr>
           <a:lstStyle>
             <a:lvl1pPr marL="228600" indent="-228600" algn="l" defTabSz="914400" rtl="0" eaLnBrk="1" latinLnBrk="0" hangingPunct="1">
@@ -5317,7 +5487,7 @@
               <a:buNone/>
             </a:pPr>
             <a:r>
-              <a:rPr lang="en-CA" sz="3600" dirty="0" err="1">
+              <a:rPr lang="en-CA" sz="3500" dirty="0" err="1">
                 <a:latin typeface="Montserrat" panose="00000500000000000000" pitchFamily="2" charset="0"/>
               </a:rPr>
               <a:t>NeuroTree</a:t>
@@ -5331,7 +5501,7 @@
               <a:buNone/>
             </a:pPr>
             <a:r>
-              <a:rPr lang="en-US" sz="2000" dirty="0">
+              <a:rPr lang="en-US" sz="2600" dirty="0">
                 <a:solidFill>
                   <a:schemeClr val="tx1">
                     <a:lumMod val="50000"/>
@@ -5371,7 +5541,7 @@
         </p:blipFill>
         <p:spPr>
           <a:xfrm>
-            <a:off x="5745310" y="2498535"/>
+            <a:off x="5745310" y="2590007"/>
             <a:ext cx="2045904" cy="1248000"/>
           </a:xfrm>
           <a:prstGeom prst="rect">
@@ -5400,7 +5570,7 @@
         <p:spPr>
           <a:xfrm>
             <a:off x="298065" y="4267200"/>
-            <a:ext cx="5150233" cy="2106385"/>
+            <a:ext cx="5447245" cy="2106385"/>
           </a:xfrm>
           <a:prstGeom prst="snip2DiagRect">
             <a:avLst>
@@ -5414,7 +5584,7 @@
         </p:spPr>
         <p:txBody>
           <a:bodyPr vert="horz" lIns="91440" tIns="45720" rIns="91440" bIns="45720" rtlCol="0" anchor="ctr">
-            <a:normAutofit/>
+            <a:normAutofit fontScale="92500"/>
           </a:bodyPr>
           <a:lstStyle>
             <a:lvl1pPr marL="228600" indent="-228600" algn="l" defTabSz="914400" rtl="0" eaLnBrk="1" latinLnBrk="0" hangingPunct="1">
@@ -5590,17 +5760,23 @@
           </a:p>
           <a:p>
             <a:pPr marL="0" indent="0">
+              <a:lnSpc>
+                <a:spcPct val="100000"/>
+              </a:lnSpc>
               <a:buNone/>
             </a:pPr>
             <a:r>
               <a:rPr lang="en-US" sz="1900" dirty="0">
                 <a:latin typeface="Montserrat" panose="00000500000000000000" pitchFamily="2" charset="0"/>
               </a:rPr>
-              <a:t>Jérémie Desgagné-Bouchard</a:t>
+              <a:t>Jérémie Desgagné-Bouchard, FCAS</a:t>
             </a:r>
           </a:p>
           <a:p>
             <a:pPr marL="0" indent="0">
+              <a:lnSpc>
+                <a:spcPct val="100000"/>
+              </a:lnSpc>
               <a:buNone/>
             </a:pPr>
             <a:r>
@@ -9515,6 +9691,781 @@
           <a:chExt cx="0" cy="0"/>
         </a:xfrm>
       </p:grpSpPr>
+      <p:pic>
+        <p:nvPicPr>
+          <p:cNvPr id="13" name="Picture 12">
+            <a:extLst>
+              <a:ext uri="{FF2B5EF4-FFF2-40B4-BE49-F238E27FC236}">
+                <a16:creationId xmlns:a16="http://schemas.microsoft.com/office/drawing/2014/main" id="{6BA7FC37-00E0-4777-3278-BD89AF6C96D2}"/>
+              </a:ext>
+            </a:extLst>
+          </p:cNvPr>
+          <p:cNvPicPr>
+            <a:picLocks noChangeAspect="1"/>
+          </p:cNvPicPr>
+          <p:nvPr/>
+        </p:nvPicPr>
+        <p:blipFill>
+          <a:blip r:embed="rId7">
+            <a:extLst>
+              <a:ext uri="{28A0092B-C50C-407E-A947-70E740481C1C}">
+                <a14:useLocalDpi xmlns:a14="http://schemas.microsoft.com/office/drawing/2010/main" val="0"/>
+              </a:ext>
+            </a:extLst>
+          </a:blip>
+          <a:stretch>
+            <a:fillRect/>
+          </a:stretch>
+        </p:blipFill>
+        <p:spPr>
+          <a:xfrm>
+            <a:off x="4374132" y="3726904"/>
+            <a:ext cx="3845128" cy="2746520"/>
+          </a:xfrm>
+          <a:prstGeom prst="rect">
+            <a:avLst/>
+          </a:prstGeom>
+        </p:spPr>
+      </p:pic>
+      <p:pic>
+        <p:nvPicPr>
+          <p:cNvPr id="9" name="Picture 8">
+            <a:extLst>
+              <a:ext uri="{FF2B5EF4-FFF2-40B4-BE49-F238E27FC236}">
+                <a16:creationId xmlns:a16="http://schemas.microsoft.com/office/drawing/2014/main" id="{E30FD4FD-39C0-CF47-5C7A-8D34591F478D}"/>
+              </a:ext>
+            </a:extLst>
+          </p:cNvPr>
+          <p:cNvPicPr>
+            <a:picLocks noChangeAspect="1"/>
+          </p:cNvPicPr>
+          <p:nvPr/>
+        </p:nvPicPr>
+        <p:blipFill>
+          <a:blip r:embed="rId8">
+            <a:extLst>
+              <a:ext uri="{28A0092B-C50C-407E-A947-70E740481C1C}">
+                <a14:useLocalDpi xmlns:a14="http://schemas.microsoft.com/office/drawing/2010/main" val="0"/>
+              </a:ext>
+            </a:extLst>
+          </a:blip>
+          <a:stretch>
+            <a:fillRect/>
+          </a:stretch>
+        </p:blipFill>
+        <p:spPr>
+          <a:xfrm>
+            <a:off x="277676" y="3776960"/>
+            <a:ext cx="3845130" cy="2746521"/>
+          </a:xfrm>
+          <a:prstGeom prst="rect">
+            <a:avLst/>
+          </a:prstGeom>
+        </p:spPr>
+      </p:pic>
+      <p:pic>
+        <p:nvPicPr>
+          <p:cNvPr id="4" name="Picture 3">
+            <a:extLst>
+              <a:ext uri="{FF2B5EF4-FFF2-40B4-BE49-F238E27FC236}">
+                <a16:creationId xmlns:a16="http://schemas.microsoft.com/office/drawing/2014/main" id="{46576430-EA0F-B5CF-CDB5-D3370842DA71}"/>
+              </a:ext>
+            </a:extLst>
+          </p:cNvPr>
+          <p:cNvPicPr>
+            <a:picLocks noChangeAspect="1"/>
+          </p:cNvPicPr>
+          <p:nvPr/>
+        </p:nvPicPr>
+        <p:blipFill>
+          <a:blip r:embed="rId9">
+            <a:extLst>
+              <a:ext uri="{28A0092B-C50C-407E-A947-70E740481C1C}">
+                <a14:useLocalDpi xmlns:a14="http://schemas.microsoft.com/office/drawing/2010/main" val="0"/>
+              </a:ext>
+            </a:extLst>
+          </a:blip>
+          <a:stretch>
+            <a:fillRect/>
+          </a:stretch>
+        </p:blipFill>
+        <p:spPr>
+          <a:xfrm>
+            <a:off x="277676" y="1102126"/>
+            <a:ext cx="3845129" cy="2746520"/>
+          </a:xfrm>
+          <a:prstGeom prst="rect">
+            <a:avLst/>
+          </a:prstGeom>
+        </p:spPr>
+      </p:pic>
+      <p:pic>
+        <p:nvPicPr>
+          <p:cNvPr id="7" name="Picture 6">
+            <a:extLst>
+              <a:ext uri="{FF2B5EF4-FFF2-40B4-BE49-F238E27FC236}">
+                <a16:creationId xmlns:a16="http://schemas.microsoft.com/office/drawing/2014/main" id="{E0B544E4-342B-4A3F-F441-E6BFEBAD830D}"/>
+              </a:ext>
+            </a:extLst>
+          </p:cNvPr>
+          <p:cNvPicPr>
+            <a:picLocks noChangeAspect="1"/>
+          </p:cNvPicPr>
+          <p:nvPr/>
+        </p:nvPicPr>
+        <p:blipFill>
+          <a:blip r:embed="rId10">
+            <a:extLst>
+              <a:ext uri="{28A0092B-C50C-407E-A947-70E740481C1C}">
+                <a14:useLocalDpi xmlns:a14="http://schemas.microsoft.com/office/drawing/2010/main" val="0"/>
+              </a:ext>
+            </a:extLst>
+          </a:blip>
+          <a:stretch>
+            <a:fillRect/>
+          </a:stretch>
+        </p:blipFill>
+        <p:spPr>
+          <a:xfrm>
+            <a:off x="4374134" y="1102126"/>
+            <a:ext cx="3845128" cy="2746520"/>
+          </a:xfrm>
+          <a:prstGeom prst="rect">
+            <a:avLst/>
+          </a:prstGeom>
+        </p:spPr>
+      </p:pic>
+      <p:sp>
+        <p:nvSpPr>
+          <p:cNvPr id="32" name="Rectangle: Single Corner Snipped 31">
+            <a:extLst>
+              <a:ext uri="{FF2B5EF4-FFF2-40B4-BE49-F238E27FC236}">
+                <a16:creationId xmlns:a16="http://schemas.microsoft.com/office/drawing/2014/main" id="{D40DB3D4-D8CE-4C73-86B3-C8C8851414AB}"/>
+              </a:ext>
+            </a:extLst>
+          </p:cNvPr>
+          <p:cNvSpPr/>
+          <p:nvPr>
+            <p:custDataLst>
+              <p:tags r:id="rId1"/>
+            </p:custDataLst>
+          </p:nvPr>
+        </p:nvSpPr>
+        <p:spPr>
+          <a:xfrm>
+            <a:off x="281616" y="914401"/>
+            <a:ext cx="2292250" cy="83126"/>
+          </a:xfrm>
+          <a:prstGeom prst="snip1Rect">
+            <a:avLst>
+              <a:gd name="adj" fmla="val 50000"/>
+            </a:avLst>
+          </a:prstGeom>
+          <a:solidFill>
+            <a:srgbClr val="033572"/>
+          </a:solidFill>
+          <a:ln>
+            <a:noFill/>
+          </a:ln>
+        </p:spPr>
+        <p:style>
+          <a:lnRef idx="2">
+            <a:schemeClr val="accent1">
+              <a:shade val="50000"/>
+            </a:schemeClr>
+          </a:lnRef>
+          <a:fillRef idx="1">
+            <a:schemeClr val="accent1"/>
+          </a:fillRef>
+          <a:effectRef idx="0">
+            <a:schemeClr val="accent1"/>
+          </a:effectRef>
+          <a:fontRef idx="minor">
+            <a:schemeClr val="lt1"/>
+          </a:fontRef>
+        </p:style>
+        <p:txBody>
+          <a:bodyPr rtlCol="0" anchor="ctr"/>
+          <a:lstStyle/>
+          <a:p>
+            <a:pPr algn="ctr"/>
+            <a:endParaRPr lang="en-CA" dirty="0"/>
+          </a:p>
+        </p:txBody>
+      </p:sp>
+      <p:pic>
+        <p:nvPicPr>
+          <p:cNvPr id="10" name="Picture 9">
+            <a:extLst>
+              <a:ext uri="{FF2B5EF4-FFF2-40B4-BE49-F238E27FC236}">
+                <a16:creationId xmlns:a16="http://schemas.microsoft.com/office/drawing/2014/main" id="{795AC806-5F2E-4BE0-8357-FE24EE2BE632}"/>
+              </a:ext>
+            </a:extLst>
+          </p:cNvPr>
+          <p:cNvPicPr>
+            <a:picLocks noChangeAspect="1"/>
+          </p:cNvPicPr>
+          <p:nvPr>
+            <p:custDataLst>
+              <p:tags r:id="rId2"/>
+            </p:custDataLst>
+          </p:nvPr>
+        </p:nvPicPr>
+        <p:blipFill>
+          <a:blip r:embed="rId11" cstate="screen">
+            <a:extLst>
+              <a:ext uri="{28A0092B-C50C-407E-A947-70E740481C1C}">
+                <a14:useLocalDpi xmlns:a14="http://schemas.microsoft.com/office/drawing/2010/main"/>
+              </a:ext>
+            </a:extLst>
+          </a:blip>
+          <a:stretch>
+            <a:fillRect/>
+          </a:stretch>
+        </p:blipFill>
+        <p:spPr>
+          <a:xfrm>
+            <a:off x="281616" y="6486309"/>
+            <a:ext cx="1506045" cy="164931"/>
+          </a:xfrm>
+          <a:prstGeom prst="rect">
+            <a:avLst/>
+          </a:prstGeom>
+        </p:spPr>
+      </p:pic>
+      <p:sp>
+        <p:nvSpPr>
+          <p:cNvPr id="5" name="Slide Number Placeholder 4">
+            <a:extLst>
+              <a:ext uri="{FF2B5EF4-FFF2-40B4-BE49-F238E27FC236}">
+                <a16:creationId xmlns:a16="http://schemas.microsoft.com/office/drawing/2014/main" id="{405EE7A9-FA6E-4B6C-A34D-79E8D30A219C}"/>
+              </a:ext>
+            </a:extLst>
+          </p:cNvPr>
+          <p:cNvSpPr>
+            <a:spLocks noGrp="1"/>
+          </p:cNvSpPr>
+          <p:nvPr>
+            <p:ph type="sldNum" sz="quarter" idx="12"/>
+            <p:custDataLst>
+              <p:tags r:id="rId3"/>
+            </p:custDataLst>
+          </p:nvPr>
+        </p:nvSpPr>
+        <p:spPr/>
+        <p:txBody>
+          <a:bodyPr/>
+          <a:lstStyle/>
+          <a:p>
+            <a:fld id="{F8F2F176-31C6-47A3-A156-EEB678E90E74}" type="slidenum">
+              <a:rPr lang="en-CA" smtClean="0"/>
+              <a:pPr/>
+              <a:t>13</a:t>
+            </a:fld>
+            <a:endParaRPr lang="en-CA" dirty="0"/>
+          </a:p>
+        </p:txBody>
+      </p:sp>
+      <p:sp>
+        <p:nvSpPr>
+          <p:cNvPr id="14" name="Title 1">
+            <a:extLst>
+              <a:ext uri="{FF2B5EF4-FFF2-40B4-BE49-F238E27FC236}">
+                <a16:creationId xmlns:a16="http://schemas.microsoft.com/office/drawing/2014/main" id="{9CFD43C2-E9C6-C2A0-C1EB-47F0A3DD23DD}"/>
+              </a:ext>
+            </a:extLst>
+          </p:cNvPr>
+          <p:cNvSpPr>
+            <a:spLocks noGrp="1"/>
+          </p:cNvSpPr>
+          <p:nvPr>
+            <p:ph type="title"/>
+            <p:custDataLst>
+              <p:tags r:id="rId4"/>
+            </p:custDataLst>
+          </p:nvPr>
+        </p:nvSpPr>
+        <p:spPr>
+          <a:xfrm>
+            <a:off x="166256" y="206760"/>
+            <a:ext cx="7646555" cy="684834"/>
+          </a:xfrm>
+        </p:spPr>
+        <p:txBody>
+          <a:bodyPr>
+            <a:normAutofit/>
+          </a:bodyPr>
+          <a:lstStyle/>
+          <a:p>
+            <a:r>
+              <a:rPr lang="fr-CA" sz="3200" dirty="0">
+                <a:latin typeface="Montserrat" panose="00000500000000000000" pitchFamily="2" charset="0"/>
+                <a:ea typeface="Yu Gothic UI Light" panose="020B0300000000000000" pitchFamily="34" charset="-128"/>
+              </a:rPr>
+              <a:t>Signal Diversification</a:t>
+            </a:r>
+            <a:endParaRPr lang="en-CA" sz="3200" dirty="0">
+              <a:latin typeface="Montserrat" panose="00000500000000000000" pitchFamily="2" charset="0"/>
+              <a:ea typeface="Yu Gothic UI Light" panose="020B0300000000000000" pitchFamily="34" charset="-128"/>
+            </a:endParaRPr>
+          </a:p>
+        </p:txBody>
+      </p:sp>
+      <p:sp>
+        <p:nvSpPr>
+          <p:cNvPr id="2" name="TextBox 1">
+            <a:extLst>
+              <a:ext uri="{FF2B5EF4-FFF2-40B4-BE49-F238E27FC236}">
+                <a16:creationId xmlns:a16="http://schemas.microsoft.com/office/drawing/2014/main" id="{6F6DBA8F-770A-4253-3FAA-ABE416524515}"/>
+              </a:ext>
+            </a:extLst>
+          </p:cNvPr>
+          <p:cNvSpPr txBox="1"/>
+          <p:nvPr/>
+        </p:nvSpPr>
+        <p:spPr>
+          <a:xfrm>
+            <a:off x="281616" y="1220683"/>
+            <a:ext cx="8192913" cy="381000"/>
+          </a:xfrm>
+          <a:prstGeom prst="rect">
+            <a:avLst/>
+          </a:prstGeom>
+          <a:noFill/>
+        </p:spPr>
+        <p:txBody>
+          <a:bodyPr wrap="square" numCol="2" rtlCol="0">
+            <a:spAutoFit/>
+          </a:bodyPr>
+          <a:lstStyle/>
+          <a:p>
+            <a:pPr algn="ctr"/>
+            <a:r>
+              <a:rPr lang="fr-CA" dirty="0"/>
+              <a:t>Boston</a:t>
+            </a:r>
+          </a:p>
+          <a:p>
+            <a:pPr algn="ctr"/>
+            <a:r>
+              <a:rPr lang="fr-CA" dirty="0"/>
+              <a:t>Titanic</a:t>
+            </a:r>
+          </a:p>
+        </p:txBody>
+      </p:sp>
+      <p:sp>
+        <p:nvSpPr>
+          <p:cNvPr id="11" name="TextBox 10">
+            <a:extLst>
+              <a:ext uri="{FF2B5EF4-FFF2-40B4-BE49-F238E27FC236}">
+                <a16:creationId xmlns:a16="http://schemas.microsoft.com/office/drawing/2014/main" id="{81489F5E-9DB0-2571-BB06-BD71ABFACA2C}"/>
+              </a:ext>
+            </a:extLst>
+          </p:cNvPr>
+          <p:cNvSpPr txBox="1"/>
+          <p:nvPr/>
+        </p:nvSpPr>
+        <p:spPr>
+          <a:xfrm>
+            <a:off x="277676" y="3930032"/>
+            <a:ext cx="8192913" cy="381000"/>
+          </a:xfrm>
+          <a:prstGeom prst="rect">
+            <a:avLst/>
+          </a:prstGeom>
+          <a:noFill/>
+        </p:spPr>
+        <p:txBody>
+          <a:bodyPr wrap="square" numCol="2" rtlCol="0">
+            <a:spAutoFit/>
+          </a:bodyPr>
+          <a:lstStyle/>
+          <a:p>
+            <a:pPr algn="ctr"/>
+            <a:r>
+              <a:rPr lang="fr-CA" dirty="0" err="1"/>
+              <a:t>Year</a:t>
+            </a:r>
+            <a:endParaRPr lang="fr-CA" dirty="0"/>
+          </a:p>
+          <a:p>
+            <a:pPr algn="ctr"/>
+            <a:r>
+              <a:rPr lang="fr-CA" dirty="0" err="1"/>
+              <a:t>MSRank</a:t>
+            </a:r>
+            <a:endParaRPr lang="fr-CA" dirty="0"/>
+          </a:p>
+        </p:txBody>
+      </p:sp>
+    </p:spTree>
+    <p:extLst>
+      <p:ext uri="{BB962C8B-B14F-4D97-AF65-F5344CB8AC3E}">
+        <p14:creationId xmlns:p14="http://schemas.microsoft.com/office/powerpoint/2010/main" val="129064540"/>
+      </p:ext>
+    </p:extLst>
+  </p:cSld>
+  <p:clrMapOvr>
+    <a:masterClrMapping/>
+  </p:clrMapOvr>
+</p:sld>
+</file>
+
+<file path=ppt/slides/slide14.xml><?xml version="1.0" encoding="utf-8"?>
+<p:sld xmlns:a="http://schemas.openxmlformats.org/drawingml/2006/main" xmlns:r="http://schemas.openxmlformats.org/officeDocument/2006/relationships" xmlns:p="http://schemas.openxmlformats.org/presentationml/2006/main">
+  <p:cSld>
+    <p:spTree>
+      <p:nvGrpSpPr>
+        <p:cNvPr id="1" name=""/>
+        <p:cNvGrpSpPr/>
+        <p:nvPr/>
+      </p:nvGrpSpPr>
+      <p:grpSpPr>
+        <a:xfrm>
+          <a:off x="0" y="0"/>
+          <a:ext cx="0" cy="0"/>
+          <a:chOff x="0" y="0"/>
+          <a:chExt cx="0" cy="0"/>
+        </a:xfrm>
+      </p:grpSpPr>
+      <p:sp>
+        <p:nvSpPr>
+          <p:cNvPr id="32" name="Rectangle: Single Corner Snipped 31">
+            <a:extLst>
+              <a:ext uri="{FF2B5EF4-FFF2-40B4-BE49-F238E27FC236}">
+                <a16:creationId xmlns:a16="http://schemas.microsoft.com/office/drawing/2014/main" id="{D40DB3D4-D8CE-4C73-86B3-C8C8851414AB}"/>
+              </a:ext>
+            </a:extLst>
+          </p:cNvPr>
+          <p:cNvSpPr/>
+          <p:nvPr>
+            <p:custDataLst>
+              <p:tags r:id="rId1"/>
+            </p:custDataLst>
+          </p:nvPr>
+        </p:nvSpPr>
+        <p:spPr>
+          <a:xfrm>
+            <a:off x="281616" y="914401"/>
+            <a:ext cx="2292250" cy="83126"/>
+          </a:xfrm>
+          <a:prstGeom prst="snip1Rect">
+            <a:avLst>
+              <a:gd name="adj" fmla="val 50000"/>
+            </a:avLst>
+          </a:prstGeom>
+          <a:solidFill>
+            <a:srgbClr val="033572"/>
+          </a:solidFill>
+          <a:ln>
+            <a:noFill/>
+          </a:ln>
+        </p:spPr>
+        <p:style>
+          <a:lnRef idx="2">
+            <a:schemeClr val="accent1">
+              <a:shade val="50000"/>
+            </a:schemeClr>
+          </a:lnRef>
+          <a:fillRef idx="1">
+            <a:schemeClr val="accent1"/>
+          </a:fillRef>
+          <a:effectRef idx="0">
+            <a:schemeClr val="accent1"/>
+          </a:effectRef>
+          <a:fontRef idx="minor">
+            <a:schemeClr val="lt1"/>
+          </a:fontRef>
+        </p:style>
+        <p:txBody>
+          <a:bodyPr rtlCol="0" anchor="ctr"/>
+          <a:lstStyle/>
+          <a:p>
+            <a:pPr algn="ctr"/>
+            <a:endParaRPr lang="en-CA" dirty="0"/>
+          </a:p>
+        </p:txBody>
+      </p:sp>
+      <p:pic>
+        <p:nvPicPr>
+          <p:cNvPr id="10" name="Picture 9">
+            <a:extLst>
+              <a:ext uri="{FF2B5EF4-FFF2-40B4-BE49-F238E27FC236}">
+                <a16:creationId xmlns:a16="http://schemas.microsoft.com/office/drawing/2014/main" id="{795AC806-5F2E-4BE0-8357-FE24EE2BE632}"/>
+              </a:ext>
+            </a:extLst>
+          </p:cNvPr>
+          <p:cNvPicPr>
+            <a:picLocks noChangeAspect="1"/>
+          </p:cNvPicPr>
+          <p:nvPr>
+            <p:custDataLst>
+              <p:tags r:id="rId2"/>
+            </p:custDataLst>
+          </p:nvPr>
+        </p:nvPicPr>
+        <p:blipFill>
+          <a:blip r:embed="rId7" cstate="screen">
+            <a:extLst>
+              <a:ext uri="{28A0092B-C50C-407E-A947-70E740481C1C}">
+                <a14:useLocalDpi xmlns:a14="http://schemas.microsoft.com/office/drawing/2010/main"/>
+              </a:ext>
+            </a:extLst>
+          </a:blip>
+          <a:stretch>
+            <a:fillRect/>
+          </a:stretch>
+        </p:blipFill>
+        <p:spPr>
+          <a:xfrm>
+            <a:off x="281616" y="6486309"/>
+            <a:ext cx="1506045" cy="164931"/>
+          </a:xfrm>
+          <a:prstGeom prst="rect">
+            <a:avLst/>
+          </a:prstGeom>
+        </p:spPr>
+      </p:pic>
+      <p:sp>
+        <p:nvSpPr>
+          <p:cNvPr id="5" name="Slide Number Placeholder 4">
+            <a:extLst>
+              <a:ext uri="{FF2B5EF4-FFF2-40B4-BE49-F238E27FC236}">
+                <a16:creationId xmlns:a16="http://schemas.microsoft.com/office/drawing/2014/main" id="{405EE7A9-FA6E-4B6C-A34D-79E8D30A219C}"/>
+              </a:ext>
+            </a:extLst>
+          </p:cNvPr>
+          <p:cNvSpPr>
+            <a:spLocks noGrp="1"/>
+          </p:cNvSpPr>
+          <p:nvPr>
+            <p:ph type="sldNum" sz="quarter" idx="12"/>
+            <p:custDataLst>
+              <p:tags r:id="rId3"/>
+            </p:custDataLst>
+          </p:nvPr>
+        </p:nvSpPr>
+        <p:spPr/>
+        <p:txBody>
+          <a:bodyPr/>
+          <a:lstStyle/>
+          <a:p>
+            <a:fld id="{F8F2F176-31C6-47A3-A156-EEB678E90E74}" type="slidenum">
+              <a:rPr lang="en-CA" smtClean="0"/>
+              <a:pPr/>
+              <a:t>14</a:t>
+            </a:fld>
+            <a:endParaRPr lang="en-CA" dirty="0"/>
+          </a:p>
+        </p:txBody>
+      </p:sp>
+      <p:sp>
+        <p:nvSpPr>
+          <p:cNvPr id="14" name="Title 1">
+            <a:extLst>
+              <a:ext uri="{FF2B5EF4-FFF2-40B4-BE49-F238E27FC236}">
+                <a16:creationId xmlns:a16="http://schemas.microsoft.com/office/drawing/2014/main" id="{9CFD43C2-E9C6-C2A0-C1EB-47F0A3DD23DD}"/>
+              </a:ext>
+            </a:extLst>
+          </p:cNvPr>
+          <p:cNvSpPr>
+            <a:spLocks noGrp="1"/>
+          </p:cNvSpPr>
+          <p:nvPr>
+            <p:ph type="title"/>
+            <p:custDataLst>
+              <p:tags r:id="rId4"/>
+            </p:custDataLst>
+          </p:nvPr>
+        </p:nvSpPr>
+        <p:spPr>
+          <a:xfrm>
+            <a:off x="166256" y="206760"/>
+            <a:ext cx="7646555" cy="684834"/>
+          </a:xfrm>
+        </p:spPr>
+        <p:txBody>
+          <a:bodyPr>
+            <a:normAutofit/>
+          </a:bodyPr>
+          <a:lstStyle/>
+          <a:p>
+            <a:r>
+              <a:rPr lang="en-CA" sz="3200" dirty="0">
+                <a:latin typeface="Montserrat" panose="00000500000000000000" pitchFamily="2" charset="0"/>
+                <a:ea typeface="Yu Gothic UI Light" panose="020B0300000000000000" pitchFamily="34" charset="-128"/>
+              </a:rPr>
+              <a:t>Future</a:t>
+            </a:r>
+          </a:p>
+        </p:txBody>
+      </p:sp>
+      <p:sp>
+        <p:nvSpPr>
+          <p:cNvPr id="3" name="TextBox 2">
+            <a:extLst>
+              <a:ext uri="{FF2B5EF4-FFF2-40B4-BE49-F238E27FC236}">
+                <a16:creationId xmlns:a16="http://schemas.microsoft.com/office/drawing/2014/main" id="{ABF54CFB-0C95-3736-E5FA-00BA87FACA12}"/>
+              </a:ext>
+            </a:extLst>
+          </p:cNvPr>
+          <p:cNvSpPr txBox="1"/>
+          <p:nvPr/>
+        </p:nvSpPr>
+        <p:spPr>
+          <a:xfrm>
+            <a:off x="281616" y="1241362"/>
+            <a:ext cx="8284029" cy="3447098"/>
+          </a:xfrm>
+          <a:prstGeom prst="rect">
+            <a:avLst/>
+          </a:prstGeom>
+          <a:noFill/>
+        </p:spPr>
+        <p:txBody>
+          <a:bodyPr wrap="square">
+            <a:spAutoFit/>
+          </a:bodyPr>
+          <a:lstStyle/>
+          <a:p>
+            <a:endParaRPr lang="en-CA" dirty="0"/>
+          </a:p>
+          <a:p>
+            <a:pPr marL="285750" indent="-285750">
+              <a:buFont typeface="Arial" panose="020B0604020202020204" pitchFamily="34" charset="0"/>
+              <a:buChar char="•"/>
+            </a:pPr>
+            <a:r>
+              <a:rPr lang="en-CA" sz="2000" dirty="0"/>
+              <a:t>Performance optimisation</a:t>
+            </a:r>
+          </a:p>
+          <a:p>
+            <a:pPr marL="742950" lvl="1" indent="-285750">
+              <a:buFont typeface="Arial" panose="020B0604020202020204" pitchFamily="34" charset="0"/>
+              <a:buChar char="•"/>
+            </a:pPr>
+            <a:r>
+              <a:rPr lang="en-CA" sz="1600" dirty="0"/>
+              <a:t>Current parallelization, both on CPU and GPU, is currently fairly naïve.</a:t>
+            </a:r>
+          </a:p>
+          <a:p>
+            <a:pPr marL="285750" indent="-285750">
+              <a:buFont typeface="Arial" panose="020B0604020202020204" pitchFamily="34" charset="0"/>
+              <a:buChar char="•"/>
+            </a:pPr>
+            <a:endParaRPr lang="en-CA" dirty="0"/>
+          </a:p>
+          <a:p>
+            <a:pPr marL="285750" indent="-285750">
+              <a:buFont typeface="Arial" panose="020B0604020202020204" pitchFamily="34" charset="0"/>
+              <a:buChar char="•"/>
+            </a:pPr>
+            <a:r>
+              <a:rPr lang="en-CA" sz="2000" dirty="0"/>
+              <a:t>Support categorical features through embeddings</a:t>
+            </a:r>
+          </a:p>
+          <a:p>
+            <a:pPr marL="285750" indent="-285750">
+              <a:buFont typeface="Arial" panose="020B0604020202020204" pitchFamily="34" charset="0"/>
+              <a:buChar char="•"/>
+            </a:pPr>
+            <a:endParaRPr lang="en-CA" dirty="0"/>
+          </a:p>
+          <a:p>
+            <a:pPr marL="285750" indent="-285750">
+              <a:buFont typeface="Arial" panose="020B0604020202020204" pitchFamily="34" charset="0"/>
+              <a:buChar char="•"/>
+            </a:pPr>
+            <a:r>
+              <a:rPr lang="en-CA" sz="2000" dirty="0"/>
+              <a:t>Integration with </a:t>
+            </a:r>
+            <a:r>
+              <a:rPr lang="en-CA" sz="2000" dirty="0" err="1"/>
+              <a:t>Enzyme.jl</a:t>
+            </a:r>
+            <a:endParaRPr lang="en-CA" sz="2000" dirty="0"/>
+          </a:p>
+          <a:p>
+            <a:pPr marL="742950" lvl="1" indent="-285750">
+              <a:buFont typeface="Arial" panose="020B0604020202020204" pitchFamily="34" charset="0"/>
+              <a:buChar char="•"/>
+            </a:pPr>
+            <a:r>
+              <a:rPr lang="en-CA" sz="1600" dirty="0"/>
+              <a:t>Avoiding the need to manually implement the backward rules while maintaining forward implementation performance is a key target feature for Julia’s ML</a:t>
+            </a:r>
+          </a:p>
+          <a:p>
+            <a:pPr marL="285750" indent="-285750">
+              <a:buFont typeface="Arial" panose="020B0604020202020204" pitchFamily="34" charset="0"/>
+              <a:buChar char="•"/>
+            </a:pPr>
+            <a:endParaRPr lang="en-CA" sz="1600" dirty="0"/>
+          </a:p>
+          <a:p>
+            <a:pPr marL="285750" indent="-285750">
+              <a:buFont typeface="Arial" panose="020B0604020202020204" pitchFamily="34" charset="0"/>
+              <a:buChar char="•"/>
+            </a:pPr>
+            <a:r>
+              <a:rPr lang="en-CA" sz="2000" dirty="0"/>
+              <a:t>Expand the scope of the </a:t>
+            </a:r>
+            <a:r>
+              <a:rPr lang="en-CA" sz="2000" dirty="0" err="1"/>
+              <a:t>NeuroTree</a:t>
+            </a:r>
+            <a:r>
+              <a:rPr lang="en-CA" sz="2000" dirty="0"/>
+              <a:t> model to support generic tabular oriented differentiable models (MLP, </a:t>
+            </a:r>
+            <a:r>
+              <a:rPr lang="en-CA" sz="2000" dirty="0" err="1"/>
+              <a:t>TabNet</a:t>
+            </a:r>
+            <a:r>
+              <a:rPr lang="en-CA" sz="2000" dirty="0"/>
+              <a:t>…)</a:t>
+            </a:r>
+            <a:endParaRPr lang="en-CA" sz="2400" dirty="0"/>
+          </a:p>
+        </p:txBody>
+      </p:sp>
+    </p:spTree>
+    <p:extLst>
+      <p:ext uri="{BB962C8B-B14F-4D97-AF65-F5344CB8AC3E}">
+        <p14:creationId xmlns:p14="http://schemas.microsoft.com/office/powerpoint/2010/main" val="3076395135"/>
+      </p:ext>
+    </p:extLst>
+  </p:cSld>
+  <p:clrMapOvr>
+    <a:masterClrMapping/>
+  </p:clrMapOvr>
+</p:sld>
+</file>
+
+<file path=ppt/slides/slide15.xml><?xml version="1.0" encoding="utf-8"?>
+<p:sld xmlns:a="http://schemas.openxmlformats.org/drawingml/2006/main" xmlns:r="http://schemas.openxmlformats.org/officeDocument/2006/relationships" xmlns:p="http://schemas.openxmlformats.org/presentationml/2006/main">
+  <p:cSld>
+    <p:spTree>
+      <p:nvGrpSpPr>
+        <p:cNvPr id="1" name=""/>
+        <p:cNvGrpSpPr/>
+        <p:nvPr/>
+      </p:nvGrpSpPr>
+      <p:grpSpPr>
+        <a:xfrm>
+          <a:off x="0" y="0"/>
+          <a:ext cx="0" cy="0"/>
+          <a:chOff x="0" y="0"/>
+          <a:chExt cx="0" cy="0"/>
+        </a:xfrm>
+      </p:grpSpPr>
       <p:sp>
         <p:nvSpPr>
           <p:cNvPr id="3" name="Content Placeholder 2">
@@ -9535,7 +10486,7 @@
         </p:nvSpPr>
         <p:spPr>
           <a:xfrm>
-            <a:off x="401356" y="1210207"/>
+            <a:off x="401356" y="1204764"/>
             <a:ext cx="4709933" cy="3870161"/>
           </a:xfrm>
           <a:prstGeom prst="snip2DiagRect">
@@ -9719,9 +10670,6 @@
             </a:pPr>
             <a:r>
               <a:rPr lang="en-CA" sz="3600" dirty="0">
-                <a:solidFill>
-                  <a:srgbClr val="033572"/>
-                </a:solidFill>
                 <a:latin typeface="Montserrat" panose="00000500000000000000" pitchFamily="2" charset="0"/>
               </a:rPr>
               <a:t>Questions?</a:t>
@@ -10006,68 +10954,6 @@
             </a:r>
           </a:p>
           <a:p>
-            <a:pPr marL="742950" lvl="1" indent="-285750">
-              <a:buFont typeface="Arial" panose="020B0604020202020204" pitchFamily="34" charset="0"/>
-              <a:buChar char="•"/>
-            </a:pPr>
-            <a:r>
-              <a:rPr lang="en-US" i="1" dirty="0"/>
-              <a:t>Why do tree-based models still outperform deep learning on tabular data?</a:t>
-            </a:r>
-            <a:r>
-              <a:rPr lang="en-CA" i="1" dirty="0"/>
-              <a:t> </a:t>
-            </a:r>
-            <a:r>
-              <a:rPr lang="en-CA" dirty="0">
-                <a:hlinkClick r:id="rId8"/>
-              </a:rPr>
-              <a:t>https://arxiv.org/pdf/2207.08815</a:t>
-            </a:r>
-            <a:endParaRPr lang="en-CA" dirty="0"/>
-          </a:p>
-          <a:p>
-            <a:pPr marL="742950" lvl="1" indent="-285750">
-              <a:buFont typeface="Arial" panose="020B0604020202020204" pitchFamily="34" charset="0"/>
-              <a:buChar char="•"/>
-            </a:pPr>
-            <a:endParaRPr lang="en-CA" dirty="0"/>
-          </a:p>
-          <a:p>
-            <a:pPr marL="285750" indent="-285750">
-              <a:buFont typeface="Arial" panose="020B0604020202020204" pitchFamily="34" charset="0"/>
-              <a:buChar char="•"/>
-            </a:pPr>
-            <a:r>
-              <a:rPr lang="en-CA" dirty="0"/>
-              <a:t>Boosted tree based algos (</a:t>
-            </a:r>
-            <a:r>
-              <a:rPr lang="en-CA" dirty="0" err="1"/>
-              <a:t>XGBoost</a:t>
-            </a:r>
-            <a:r>
-              <a:rPr lang="en-CA" dirty="0"/>
-              <a:t>, </a:t>
-            </a:r>
-            <a:r>
-              <a:rPr lang="en-CA" dirty="0" err="1"/>
-              <a:t>CatBoost</a:t>
-            </a:r>
-            <a:r>
-              <a:rPr lang="en-CA" dirty="0"/>
-              <a:t>, </a:t>
-            </a:r>
-            <a:r>
-              <a:rPr lang="en-CA" dirty="0" err="1"/>
-              <a:t>LightGBM</a:t>
-            </a:r>
-            <a:r>
-              <a:rPr lang="en-CA" dirty="0"/>
-              <a:t>, EvoTrees.jl) have remained on top</a:t>
-            </a:r>
-          </a:p>
-          <a:p>
             <a:pPr marL="285750" indent="-285750">
               <a:buFont typeface="Arial" panose="020B0604020202020204" pitchFamily="34" charset="0"/>
               <a:buChar char="•"/>
@@ -10081,7 +10967,31 @@
             </a:pPr>
             <a:r>
               <a:rPr lang="en-CA" dirty="0"/>
-              <a:t>Tackle design shortcomings of trees:</a:t>
+              <a:t>Boosted tree based algos (</a:t>
+            </a:r>
+            <a:r>
+              <a:rPr lang="en-CA" dirty="0" err="1"/>
+              <a:t>XGBoost</a:t>
+            </a:r>
+            <a:r>
+              <a:rPr lang="en-CA" dirty="0"/>
+              <a:t>, </a:t>
+            </a:r>
+            <a:r>
+              <a:rPr lang="en-CA" dirty="0" err="1"/>
+              <a:t>CatBoost</a:t>
+            </a:r>
+            <a:r>
+              <a:rPr lang="en-CA" dirty="0"/>
+              <a:t>, </a:t>
+            </a:r>
+            <a:r>
+              <a:rPr lang="en-CA" dirty="0" err="1"/>
+              <a:t>LightGBM</a:t>
+            </a:r>
+            <a:r>
+              <a:rPr lang="en-CA" dirty="0"/>
+              <a:t>, EvoTrees.jl) have been top performing models for almost a decade:</a:t>
             </a:r>
           </a:p>
           <a:p>
@@ -10090,6 +11000,44 @@
               <a:buChar char="•"/>
             </a:pPr>
             <a:r>
+              <a:rPr lang="en-US" i="1" dirty="0"/>
+              <a:t>Why do tree-based models still outperform deep learning on tabular data?</a:t>
+            </a:r>
+            <a:r>
+              <a:rPr lang="en-CA" i="1" dirty="0"/>
+              <a:t> </a:t>
+            </a:r>
+            <a:r>
+              <a:rPr lang="en-CA" dirty="0">
+                <a:hlinkClick r:id="rId8"/>
+              </a:rPr>
+              <a:t>https://arxiv.org/pdf/2207.08815</a:t>
+            </a:r>
+            <a:endParaRPr lang="en-CA" dirty="0"/>
+          </a:p>
+          <a:p>
+            <a:pPr marL="285750" indent="-285750">
+              <a:buFont typeface="Arial" panose="020B0604020202020204" pitchFamily="34" charset="0"/>
+              <a:buChar char="•"/>
+            </a:pPr>
+            <a:endParaRPr lang="en-CA" dirty="0"/>
+          </a:p>
+          <a:p>
+            <a:pPr marL="285750" indent="-285750">
+              <a:buFont typeface="Arial" panose="020B0604020202020204" pitchFamily="34" charset="0"/>
+              <a:buChar char="•"/>
+            </a:pPr>
+            <a:r>
+              <a:rPr lang="en-CA" dirty="0"/>
+              <a:t>Tackle design shortcomings of trees:</a:t>
+            </a:r>
+          </a:p>
+          <a:p>
+            <a:pPr marL="742950" lvl="1" indent="-285750">
+              <a:buFont typeface="Arial" panose="020B0604020202020204" pitchFamily="34" charset="0"/>
+              <a:buChar char="•"/>
+            </a:pPr>
+            <a:r>
               <a:rPr lang="en-CA" dirty="0"/>
               <a:t>Myopic view during tree construction</a:t>
             </a:r>
@@ -10111,14 +11059,10 @@
             </a:pPr>
             <a:r>
               <a:rPr lang="en-CA" dirty="0"/>
-              <a:t>Hard splits: a sub efficient way to represent linear or smooth feature to predictions relationships</a:t>
-            </a:r>
-          </a:p>
-          <a:p>
-            <a:pPr marL="742950" lvl="1" indent="-285750">
-              <a:buFont typeface="Arial" panose="020B0604020202020204" pitchFamily="34" charset="0"/>
-              <a:buChar char="•"/>
-            </a:pPr>
+              <a:t>Hard splits: a sub efficient way to represent linear or smooth features to predictions relationships</a:t>
+            </a:r>
+          </a:p>
+          <a:p>
             <a:endParaRPr lang="en-CA" dirty="0"/>
           </a:p>
           <a:p>
@@ -10337,7 +11281,7 @@
                 <a:latin typeface="Montserrat" panose="00000500000000000000" pitchFamily="2" charset="0"/>
                 <a:ea typeface="Yu Gothic UI Light" panose="020B0300000000000000" pitchFamily="34" charset="-128"/>
               </a:rPr>
-              <a:t>Architecture - Back to trees</a:t>
+              <a:t>Trees basics</a:t>
             </a:r>
           </a:p>
         </p:txBody>
@@ -10777,28 +11721,21 @@
           <a:lstStyle/>
           <a:p>
             <a:r>
-              <a:rPr lang="en-CA" sz="3200" dirty="0" err="1">
-                <a:latin typeface="Montserrat" panose="00000500000000000000" pitchFamily="2" charset="0"/>
-                <a:ea typeface="Yu Gothic UI Light" panose="020B0300000000000000" pitchFamily="34" charset="-128"/>
-              </a:rPr>
-              <a:t>NeuroTree</a:t>
-            </a:r>
-            <a:r>
               <a:rPr lang="en-CA" sz="3200" dirty="0">
                 <a:latin typeface="Montserrat" panose="00000500000000000000" pitchFamily="2" charset="0"/>
                 <a:ea typeface="Yu Gothic UI Light" panose="020B0300000000000000" pitchFamily="34" charset="-128"/>
               </a:rPr>
-              <a:t> Struct</a:t>
-            </a:r>
-          </a:p>
-        </p:txBody>
-      </p:sp>
-      <p:sp>
-        <p:nvSpPr>
-          <p:cNvPr id="20" name="TextBox 19">
+              <a:t>Single Tree Overview</a:t>
+            </a:r>
+          </a:p>
+        </p:txBody>
+      </p:sp>
+      <p:sp>
+        <p:nvSpPr>
+          <p:cNvPr id="2" name="TextBox 1">
             <a:extLst>
               <a:ext uri="{FF2B5EF4-FFF2-40B4-BE49-F238E27FC236}">
-                <a16:creationId xmlns:a16="http://schemas.microsoft.com/office/drawing/2014/main" id="{F1B93BB6-B077-E818-97DD-317EA1360D9C}"/>
+                <a16:creationId xmlns:a16="http://schemas.microsoft.com/office/drawing/2014/main" id="{963B2D20-1C50-206A-83B1-54A0F169B70E}"/>
               </a:ext>
             </a:extLst>
           </p:cNvPr>
@@ -10807,8 +11744,8 @@
         </p:nvSpPr>
         <p:spPr>
           <a:xfrm>
-            <a:off x="281616" y="3550334"/>
-            <a:ext cx="8233734" cy="2646878"/>
+            <a:off x="281616" y="5087714"/>
+            <a:ext cx="8349094" cy="1292662"/>
           </a:xfrm>
           <a:prstGeom prst="rect">
             <a:avLst/>
@@ -10822,97 +11759,205 @@
           <a:lstStyle/>
           <a:p>
             <a:r>
-              <a:rPr lang="fr-CA" sz="1600" dirty="0" err="1"/>
-              <a:t>Differentiable</a:t>
-            </a:r>
-            <a:r>
-              <a:rPr lang="fr-CA" sz="1600" dirty="0"/>
+              <a:rPr lang="fr-CA" dirty="0" err="1"/>
+              <a:t>From</a:t>
+            </a:r>
+            <a:r>
+              <a:rPr lang="fr-CA" dirty="0"/>
               <a:t> </a:t>
             </a:r>
             <a:r>
-              <a:rPr lang="fr-CA" sz="1600" dirty="0" err="1"/>
+              <a:rPr lang="fr-CA" dirty="0" err="1"/>
               <a:t>node</a:t>
             </a:r>
             <a:r>
-              <a:rPr lang="fr-CA" sz="1600" dirty="0"/>
+              <a:rPr lang="fr-CA" dirty="0"/>
               <a:t> </a:t>
             </a:r>
             <a:r>
-              <a:rPr lang="fr-CA" sz="1600" dirty="0" err="1"/>
+              <a:rPr lang="fr-CA" dirty="0" err="1"/>
               <a:t>weights</a:t>
             </a:r>
             <a:r>
-              <a:rPr lang="fr-CA" sz="1600" dirty="0"/>
-              <a:t> are </a:t>
-            </a:r>
-            <a:r>
-              <a:rPr lang="fr-CA" sz="1600" dirty="0" err="1"/>
-              <a:t>derived</a:t>
-            </a:r>
-            <a:r>
-              <a:rPr lang="fr-CA" sz="1600" dirty="0"/>
-              <a:t> by </a:t>
-            </a:r>
-            <a:r>
-              <a:rPr lang="fr-CA" sz="1600" dirty="0" err="1"/>
-              <a:t>emulating</a:t>
-            </a:r>
-            <a:r>
-              <a:rPr lang="fr-CA" sz="1600" dirty="0"/>
-              <a:t> the </a:t>
-            </a:r>
-            <a:r>
-              <a:rPr lang="fr-CA" sz="1600" dirty="0" err="1"/>
-              <a:t>two-steps</a:t>
-            </a:r>
-            <a:r>
-              <a:rPr lang="fr-CA" sz="1600" dirty="0"/>
-              <a:t> </a:t>
-            </a:r>
-            <a:r>
-              <a:rPr lang="fr-CA" sz="1600" dirty="0" err="1"/>
-              <a:t>procedure</a:t>
-            </a:r>
-            <a:r>
-              <a:rPr lang="fr-CA" sz="1600" dirty="0"/>
-              <a:t> </a:t>
-            </a:r>
-            <a:r>
-              <a:rPr lang="fr-CA" sz="1600" dirty="0" err="1"/>
-              <a:t>found</a:t>
-            </a:r>
-            <a:r>
-              <a:rPr lang="fr-CA" sz="1600" dirty="0"/>
-              <a:t> in </a:t>
-            </a:r>
-            <a:r>
-              <a:rPr lang="fr-CA" sz="1600" dirty="0" err="1"/>
-              <a:t>traditionnal</a:t>
-            </a:r>
-            <a:r>
-              <a:rPr lang="fr-CA" sz="1600" dirty="0"/>
-              <a:t> </a:t>
-            </a:r>
-            <a:r>
-              <a:rPr lang="fr-CA" sz="1600" dirty="0" err="1"/>
-              <a:t>trees</a:t>
-            </a:r>
-            <a:r>
-              <a:rPr lang="fr-CA" sz="1600" dirty="0"/>
-              <a:t>:</a:t>
-            </a:r>
-          </a:p>
-          <a:p>
-            <a:endParaRPr lang="en-CA" sz="1600" dirty="0"/>
-          </a:p>
-          <a:p>
-            <a:pPr marL="800100" lvl="1" indent="-342900">
+              <a:rPr lang="fr-CA" dirty="0"/>
+              <a:t> to </a:t>
+            </a:r>
+            <a:r>
+              <a:rPr lang="fr-CA" dirty="0" err="1"/>
+              <a:t>prediction</a:t>
+            </a:r>
+            <a:endParaRPr lang="fr-CA" dirty="0"/>
+          </a:p>
+          <a:p>
+            <a:pPr marL="342900" indent="-342900">
               <a:buFont typeface="+mj-lt"/>
               <a:buAutoNum type="arabicPeriod"/>
             </a:pPr>
             <a:r>
-              <a:rPr lang="en-CA" sz="1600" dirty="0"/>
-              <a:t>Select a feature</a:t>
+              <a:rPr lang="fr-CA" sz="1200" dirty="0" err="1"/>
+              <a:t>Cumulate</a:t>
+            </a:r>
+            <a:r>
+              <a:rPr lang="fr-CA" sz="1200" dirty="0"/>
+              <a:t> the </a:t>
+            </a:r>
+            <a:r>
+              <a:rPr lang="fr-CA" sz="1200" dirty="0" err="1"/>
+              <a:t>node</a:t>
+            </a:r>
+            <a:r>
+              <a:rPr lang="fr-CA" sz="1200" dirty="0"/>
+              <a:t> </a:t>
+            </a:r>
+            <a:r>
+              <a:rPr lang="fr-CA" sz="1200" dirty="0" err="1"/>
+              <a:t>weights</a:t>
+            </a:r>
+            <a:r>
+              <a:rPr lang="fr-CA" sz="1200" dirty="0"/>
+              <a:t>. The </a:t>
+            </a:r>
+            <a:r>
+              <a:rPr lang="fr-CA" sz="1200" dirty="0" err="1"/>
+              <a:t>latest</a:t>
+            </a:r>
+            <a:r>
+              <a:rPr lang="fr-CA" sz="1200" dirty="0"/>
+              <a:t> 2^depth </a:t>
+            </a:r>
+            <a:r>
+              <a:rPr lang="fr-CA" sz="1200" dirty="0" err="1"/>
+              <a:t>nodes</a:t>
+            </a:r>
+            <a:r>
+              <a:rPr lang="fr-CA" sz="1200" dirty="0"/>
+              <a:t> are the </a:t>
+            </a:r>
+            <a:r>
+              <a:rPr lang="fr-CA" sz="1200" dirty="0" err="1"/>
+              <a:t>leaf</a:t>
+            </a:r>
+            <a:r>
+              <a:rPr lang="fr-CA" sz="1200" dirty="0"/>
+              <a:t> </a:t>
+            </a:r>
+            <a:r>
+              <a:rPr lang="fr-CA" sz="1200" dirty="0" err="1"/>
+              <a:t>weights</a:t>
+            </a:r>
+            <a:endParaRPr lang="fr-CA" sz="1200" dirty="0"/>
+          </a:p>
+          <a:p>
+            <a:pPr marL="342900" indent="-342900">
+              <a:buFont typeface="+mj-lt"/>
+              <a:buAutoNum type="arabicPeriod"/>
+            </a:pPr>
+            <a:r>
+              <a:rPr lang="fr-CA" sz="1200" dirty="0"/>
+              <a:t>The dot </a:t>
+            </a:r>
+            <a:r>
+              <a:rPr lang="fr-CA" sz="1200" dirty="0" err="1"/>
+              <a:t>product</a:t>
+            </a:r>
+            <a:r>
+              <a:rPr lang="fr-CA" sz="1200" dirty="0"/>
+              <a:t> of the </a:t>
+            </a:r>
+            <a:r>
+              <a:rPr lang="fr-CA" sz="1200" dirty="0" err="1"/>
+              <a:t>leaf</a:t>
+            </a:r>
+            <a:r>
+              <a:rPr lang="fr-CA" sz="1200" dirty="0"/>
+              <a:t> </a:t>
+            </a:r>
+            <a:r>
+              <a:rPr lang="fr-CA" sz="1200" dirty="0" err="1"/>
+              <a:t>weight</a:t>
+            </a:r>
+            <a:r>
+              <a:rPr lang="fr-CA" sz="1200" dirty="0"/>
+              <a:t> and </a:t>
+            </a:r>
+            <a:r>
+              <a:rPr lang="fr-CA" sz="1200" dirty="0" err="1"/>
+              <a:t>leaf</a:t>
+            </a:r>
+            <a:r>
+              <a:rPr lang="fr-CA" sz="1200" dirty="0"/>
+              <a:t> </a:t>
+            </a:r>
+            <a:r>
+              <a:rPr lang="fr-CA" sz="1200" dirty="0" err="1"/>
+              <a:t>predictions</a:t>
+            </a:r>
+            <a:r>
+              <a:rPr lang="fr-CA" sz="1200" dirty="0"/>
+              <a:t> </a:t>
+            </a:r>
+            <a:r>
+              <a:rPr lang="fr-CA" sz="1200" dirty="0" err="1"/>
+              <a:t>results</a:t>
+            </a:r>
+            <a:r>
+              <a:rPr lang="fr-CA" sz="1200" dirty="0"/>
+              <a:t> in the </a:t>
+            </a:r>
+            <a:r>
+              <a:rPr lang="fr-CA" sz="1200" dirty="0" err="1"/>
+              <a:t>tree</a:t>
+            </a:r>
+            <a:r>
+              <a:rPr lang="fr-CA" sz="1200" dirty="0"/>
+              <a:t> </a:t>
+            </a:r>
+            <a:r>
+              <a:rPr lang="fr-CA" sz="1200" dirty="0" err="1"/>
+              <a:t>prediction</a:t>
+            </a:r>
+            <a:endParaRPr lang="fr-CA" sz="1200" dirty="0"/>
+          </a:p>
+          <a:p>
+            <a:pPr marL="800100" lvl="1" indent="-342900">
+              <a:buFont typeface="Arial" panose="020B0604020202020204" pitchFamily="34" charset="0"/>
+              <a:buChar char="•"/>
+            </a:pPr>
+            <a:r>
+              <a:rPr lang="fr-CA" sz="1200" dirty="0"/>
+              <a:t>A single </a:t>
+            </a:r>
+            <a:r>
+              <a:rPr lang="fr-CA" sz="1200" dirty="0" err="1"/>
+              <a:t>leaf</a:t>
+            </a:r>
+            <a:r>
+              <a:rPr lang="fr-CA" sz="1200" dirty="0"/>
+              <a:t> </a:t>
+            </a:r>
+            <a:r>
+              <a:rPr lang="fr-CA" sz="1200" dirty="0" err="1"/>
+              <a:t>prediction</a:t>
+            </a:r>
+            <a:r>
+              <a:rPr lang="fr-CA" sz="1200" dirty="0"/>
+              <a:t> </a:t>
+            </a:r>
+            <a:r>
+              <a:rPr lang="fr-CA" sz="1200" dirty="0" err="1"/>
+              <a:t>is</a:t>
+            </a:r>
+            <a:r>
+              <a:rPr lang="fr-CA" sz="1200" dirty="0"/>
+              <a:t> a </a:t>
+            </a:r>
+            <a:r>
+              <a:rPr lang="fr-CA" sz="1200" dirty="0" err="1"/>
+              <a:t>vector</a:t>
+            </a:r>
+            <a:r>
+              <a:rPr lang="fr-CA" sz="1200" dirty="0"/>
+              <a:t> of values. </a:t>
             </a:r>
           </a:p>
           <a:p>
@@ -10921,8 +11966,48 @@
               <a:buChar char="•"/>
             </a:pPr>
             <a:r>
-              <a:rPr lang="en-CA" sz="1400" dirty="0"/>
-              <a:t>dot product of (normalized) features with learnable weights</a:t>
+              <a:rPr lang="fr-CA" sz="1200" dirty="0"/>
+              <a:t>For classification, a </a:t>
+            </a:r>
+            <a:r>
+              <a:rPr lang="fr-CA" sz="1200" dirty="0" err="1"/>
+              <a:t>vector</a:t>
+            </a:r>
+            <a:r>
+              <a:rPr lang="fr-CA" sz="1200" dirty="0"/>
+              <a:t> of </a:t>
+            </a:r>
+            <a:r>
+              <a:rPr lang="fr-CA" sz="1200" dirty="0" err="1"/>
+              <a:t>length</a:t>
+            </a:r>
+            <a:r>
+              <a:rPr lang="fr-CA" sz="1200" dirty="0"/>
+              <a:t> K, </a:t>
+            </a:r>
+            <a:r>
+              <a:rPr lang="fr-CA" sz="1200" dirty="0" err="1"/>
+              <a:t>where</a:t>
+            </a:r>
+            <a:r>
+              <a:rPr lang="fr-CA" sz="1200" dirty="0"/>
+              <a:t> K </a:t>
+            </a:r>
+            <a:r>
+              <a:rPr lang="fr-CA" sz="1200" dirty="0" err="1"/>
+              <a:t>is</a:t>
+            </a:r>
+            <a:r>
+              <a:rPr lang="fr-CA" sz="1200" dirty="0"/>
+              <a:t> the </a:t>
+            </a:r>
+            <a:r>
+              <a:rPr lang="fr-CA" sz="1200" dirty="0" err="1"/>
+              <a:t>number</a:t>
+            </a:r>
+            <a:r>
+              <a:rPr lang="fr-CA" sz="1200" dirty="0"/>
+              <a:t> of classes</a:t>
             </a:r>
           </a:p>
           <a:p>
@@ -10931,49 +12016,63 @@
               <a:buChar char="•"/>
             </a:pPr>
             <a:r>
-              <a:rPr lang="en-CA" sz="1400" dirty="0"/>
-              <a:t>Results in a linear reprojection of the features, not a hard single feature selection which wouldn’t be differentiable</a:t>
-            </a:r>
-          </a:p>
-          <a:p>
-            <a:pPr lvl="2"/>
-            <a:endParaRPr lang="en-CA" sz="1600" dirty="0"/>
-          </a:p>
-          <a:p>
-            <a:pPr marL="800100" lvl="1" indent="-342900">
-              <a:buFont typeface="+mj-lt"/>
-              <a:buAutoNum type="arabicPeriod"/>
-            </a:pPr>
-            <a:r>
-              <a:rPr lang="en-CA" sz="1600" dirty="0"/>
-              <a:t>Select a threshold for that feature</a:t>
-            </a:r>
-          </a:p>
-          <a:p>
-            <a:pPr marL="1257300" lvl="2" indent="-342900">
-              <a:buFont typeface="Arial" panose="020B0604020202020204" pitchFamily="34" charset="0"/>
-              <a:buChar char="•"/>
-            </a:pPr>
-            <a:r>
-              <a:rPr lang="en-CA" sz="1400" dirty="0"/>
-              <a:t>Apply a sigmoid activation following the addition of a bias to the above feature reprojection</a:t>
-            </a:r>
-          </a:p>
-          <a:p>
-            <a:pPr marL="1257300" lvl="2" indent="-342900">
-              <a:buFont typeface="Arial" panose="020B0604020202020204" pitchFamily="34" charset="0"/>
-              <a:buChar char="•"/>
-            </a:pPr>
-            <a:endParaRPr lang="en-CA" sz="1400" dirty="0"/>
-          </a:p>
-        </p:txBody>
-      </p:sp>
-      <p:sp>
-        <p:nvSpPr>
-          <p:cNvPr id="4" name="Rectangle 3">
+              <a:rPr lang="fr-CA" sz="1200" dirty="0"/>
+              <a:t>For a </a:t>
+            </a:r>
+            <a:r>
+              <a:rPr lang="fr-CA" sz="1200" dirty="0" err="1"/>
+              <a:t>regression</a:t>
+            </a:r>
+            <a:r>
+              <a:rPr lang="fr-CA" sz="1200" dirty="0"/>
+              <a:t> </a:t>
+            </a:r>
+            <a:r>
+              <a:rPr lang="fr-CA" sz="1200" dirty="0" err="1"/>
+              <a:t>task</a:t>
+            </a:r>
+            <a:r>
+              <a:rPr lang="fr-CA" sz="1200" dirty="0"/>
+              <a:t>, a </a:t>
+            </a:r>
+            <a:r>
+              <a:rPr lang="fr-CA" sz="1200" dirty="0" err="1"/>
+              <a:t>vector</a:t>
+            </a:r>
+            <a:r>
+              <a:rPr lang="fr-CA" sz="1200" dirty="0"/>
+              <a:t> of </a:t>
+            </a:r>
+            <a:r>
+              <a:rPr lang="fr-CA" sz="1200" dirty="0" err="1"/>
+              <a:t>length</a:t>
+            </a:r>
+            <a:r>
+              <a:rPr lang="fr-CA" sz="1200" dirty="0"/>
+              <a:t> 1: single </a:t>
+            </a:r>
+            <a:r>
+              <a:rPr lang="fr-CA" sz="1200" dirty="0" err="1"/>
+              <a:t>regression</a:t>
+            </a:r>
+            <a:r>
+              <a:rPr lang="fr-CA" sz="1200" dirty="0"/>
+              <a:t> </a:t>
+            </a:r>
+            <a:r>
+              <a:rPr lang="fr-CA" sz="1200" dirty="0" err="1"/>
+              <a:t>estimate</a:t>
+            </a:r>
+            <a:endParaRPr lang="fr-CA" sz="1200" dirty="0"/>
+          </a:p>
+        </p:txBody>
+      </p:sp>
+      <p:sp>
+        <p:nvSpPr>
+          <p:cNvPr id="44" name="Rectangle 43">
             <a:extLst>
               <a:ext uri="{FF2B5EF4-FFF2-40B4-BE49-F238E27FC236}">
-                <a16:creationId xmlns:a16="http://schemas.microsoft.com/office/drawing/2014/main" id="{39F77387-B74A-4201-3D4B-3380BEE99F93}"/>
+                <a16:creationId xmlns:a16="http://schemas.microsoft.com/office/drawing/2014/main" id="{1EBBB062-1DDF-A338-D0A6-8E17A174BD66}"/>
               </a:ext>
             </a:extLst>
           </p:cNvPr>
@@ -10982,146 +12081,14 @@
         </p:nvSpPr>
         <p:spPr>
           <a:xfrm>
-            <a:off x="3819802" y="1705409"/>
+            <a:off x="4648153" y="2800508"/>
             <a:ext cx="569167" cy="569167"/>
           </a:xfrm>
           <a:prstGeom prst="rect">
             <a:avLst/>
           </a:prstGeom>
           <a:solidFill>
-            <a:srgbClr val="DFF3FC"/>
-          </a:solidFill>
-          <a:ln>
-            <a:solidFill>
-              <a:schemeClr val="tx1"/>
-            </a:solidFill>
-          </a:ln>
-        </p:spPr>
-        <p:style>
-          <a:lnRef idx="2">
-            <a:schemeClr val="accent1">
-              <a:shade val="15000"/>
-            </a:schemeClr>
-          </a:lnRef>
-          <a:fillRef idx="1">
-            <a:schemeClr val="accent1"/>
-          </a:fillRef>
-          <a:effectRef idx="0">
-            <a:schemeClr val="accent1"/>
-          </a:effectRef>
-          <a:fontRef idx="minor">
-            <a:schemeClr val="lt1"/>
-          </a:fontRef>
-        </p:style>
-        <p:txBody>
-          <a:bodyPr rtlCol="0" anchor="ctr"/>
-          <a:lstStyle/>
-          <a:p>
-            <a:pPr algn="ctr"/>
-            <a:r>
-              <a:rPr lang="fr-CA" sz="1000" dirty="0">
-                <a:solidFill>
-                  <a:schemeClr val="tx1"/>
-                </a:solidFill>
-              </a:rPr>
-              <a:t>Feat 1</a:t>
-            </a:r>
-            <a:endParaRPr lang="en-CA" sz="1000" dirty="0">
-              <a:solidFill>
-                <a:schemeClr val="tx1"/>
-              </a:solidFill>
-            </a:endParaRPr>
-          </a:p>
-        </p:txBody>
-      </p:sp>
-      <p:sp>
-        <p:nvSpPr>
-          <p:cNvPr id="21" name="Rectangle 20">
-            <a:extLst>
-              <a:ext uri="{FF2B5EF4-FFF2-40B4-BE49-F238E27FC236}">
-                <a16:creationId xmlns:a16="http://schemas.microsoft.com/office/drawing/2014/main" id="{2492A4C0-1873-8AFC-EC3F-43EE05D0DD03}"/>
-              </a:ext>
-            </a:extLst>
-          </p:cNvPr>
-          <p:cNvSpPr/>
-          <p:nvPr/>
-        </p:nvSpPr>
-        <p:spPr>
-          <a:xfrm>
-            <a:off x="3819801" y="2273716"/>
-            <a:ext cx="569167" cy="569167"/>
-          </a:xfrm>
-          <a:prstGeom prst="rect">
-            <a:avLst/>
-          </a:prstGeom>
-          <a:solidFill>
-            <a:srgbClr val="DFF3FC"/>
-          </a:solidFill>
-          <a:ln>
-            <a:solidFill>
-              <a:schemeClr val="tx1"/>
-            </a:solidFill>
-          </a:ln>
-        </p:spPr>
-        <p:style>
-          <a:lnRef idx="2">
-            <a:schemeClr val="accent1">
-              <a:shade val="15000"/>
-            </a:schemeClr>
-          </a:lnRef>
-          <a:fillRef idx="1">
-            <a:schemeClr val="accent1"/>
-          </a:fillRef>
-          <a:effectRef idx="0">
-            <a:schemeClr val="accent1"/>
-          </a:effectRef>
-          <a:fontRef idx="minor">
-            <a:schemeClr val="lt1"/>
-          </a:fontRef>
-        </p:style>
-        <p:txBody>
-          <a:bodyPr rtlCol="0" anchor="ctr"/>
-          <a:lstStyle/>
-          <a:p>
-            <a:pPr algn="ctr"/>
-            <a:r>
-              <a:rPr lang="fr-CA" sz="1000" dirty="0">
-                <a:solidFill>
-                  <a:schemeClr val="tx1"/>
-                </a:solidFill>
-              </a:rPr>
-              <a:t>Feat 2</a:t>
-            </a:r>
-            <a:endParaRPr lang="en-CA" sz="1000" dirty="0">
-              <a:solidFill>
-                <a:schemeClr val="tx1"/>
-              </a:solidFill>
-            </a:endParaRPr>
-          </a:p>
-        </p:txBody>
-      </p:sp>
-      <p:sp>
-        <p:nvSpPr>
-          <p:cNvPr id="22" name="Rectangle 21">
-            <a:extLst>
-              <a:ext uri="{FF2B5EF4-FFF2-40B4-BE49-F238E27FC236}">
-                <a16:creationId xmlns:a16="http://schemas.microsoft.com/office/drawing/2014/main" id="{F8DFC797-2500-356D-B67E-8AC691BF3D7A}"/>
-              </a:ext>
-            </a:extLst>
-          </p:cNvPr>
-          <p:cNvSpPr/>
-          <p:nvPr/>
-        </p:nvSpPr>
-        <p:spPr>
-          <a:xfrm>
-            <a:off x="2161984" y="1989993"/>
-            <a:ext cx="569167" cy="569167"/>
-          </a:xfrm>
-          <a:prstGeom prst="rect">
-            <a:avLst/>
-          </a:prstGeom>
-          <a:solidFill>
-            <a:srgbClr val="023572"/>
+            <a:schemeClr val="bg2"/>
           </a:solidFill>
           <a:ln>
             <a:solidFill>
@@ -11153,14 +12120,14 @@
             <a:r>
               <a:rPr lang="fr-CA" sz="1000" dirty="0">
                 <a:solidFill>
-                  <a:schemeClr val="bg1"/>
-                </a:solidFill>
-              </a:rPr>
-              <a:t>W1</a:t>
+                  <a:schemeClr val="tx1"/>
+                </a:solidFill>
+              </a:rPr>
+              <a:t>LW 1</a:t>
             </a:r>
             <a:endParaRPr lang="en-CA" sz="1000" dirty="0">
               <a:solidFill>
-                <a:schemeClr val="bg1"/>
+                <a:schemeClr val="tx1"/>
               </a:solidFill>
             </a:endParaRPr>
           </a:p>
@@ -11168,10 +12135,10 @@
       </p:sp>
       <p:sp>
         <p:nvSpPr>
-          <p:cNvPr id="23" name="Rectangle 22">
+          <p:cNvPr id="45" name="Rectangle 44">
             <a:extLst>
               <a:ext uri="{FF2B5EF4-FFF2-40B4-BE49-F238E27FC236}">
-                <a16:creationId xmlns:a16="http://schemas.microsoft.com/office/drawing/2014/main" id="{C5F00E72-4478-ED85-505E-0B63509AA696}"/>
+                <a16:creationId xmlns:a16="http://schemas.microsoft.com/office/drawing/2014/main" id="{2FADE50E-279A-9E45-7B5A-FCA73F2CACFB}"/>
               </a:ext>
             </a:extLst>
           </p:cNvPr>
@@ -11180,14 +12147,14 @@
         </p:nvSpPr>
         <p:spPr>
           <a:xfrm>
-            <a:off x="2731151" y="1989993"/>
+            <a:off x="4648153" y="3366706"/>
             <a:ext cx="569167" cy="569167"/>
           </a:xfrm>
           <a:prstGeom prst="rect">
             <a:avLst/>
           </a:prstGeom>
           <a:solidFill>
-            <a:srgbClr val="023572"/>
+            <a:schemeClr val="bg2"/>
           </a:solidFill>
           <a:ln>
             <a:solidFill>
@@ -11219,14 +12186,14 @@
             <a:r>
               <a:rPr lang="fr-CA" sz="1000" dirty="0">
                 <a:solidFill>
-                  <a:schemeClr val="bg1"/>
-                </a:solidFill>
-              </a:rPr>
-              <a:t>W2</a:t>
+                  <a:schemeClr val="tx1"/>
+                </a:solidFill>
+              </a:rPr>
+              <a:t>LW 2</a:t>
             </a:r>
             <a:endParaRPr lang="en-CA" sz="1000" dirty="0">
               <a:solidFill>
-                <a:schemeClr val="bg1"/>
+                <a:schemeClr val="tx1"/>
               </a:solidFill>
             </a:endParaRPr>
           </a:p>
@@ -11234,82 +12201,10 @@
       </p:sp>
       <p:sp>
         <p:nvSpPr>
-          <p:cNvPr id="24" name="TextBox 23">
+          <p:cNvPr id="46" name="Rectangle 45">
             <a:extLst>
               <a:ext uri="{FF2B5EF4-FFF2-40B4-BE49-F238E27FC236}">
-                <a16:creationId xmlns:a16="http://schemas.microsoft.com/office/drawing/2014/main" id="{AE0A6625-2243-2279-F6A4-A8601DDBA903}"/>
-              </a:ext>
-            </a:extLst>
-          </p:cNvPr>
-          <p:cNvSpPr txBox="1"/>
-          <p:nvPr/>
-        </p:nvSpPr>
-        <p:spPr>
-          <a:xfrm>
-            <a:off x="3418798" y="2119827"/>
-            <a:ext cx="282524" cy="307777"/>
-          </a:xfrm>
-          <a:prstGeom prst="rect">
-            <a:avLst/>
-          </a:prstGeom>
-          <a:noFill/>
-        </p:spPr>
-        <p:txBody>
-          <a:bodyPr wrap="square" rtlCol="0">
-            <a:spAutoFit/>
-          </a:bodyPr>
-          <a:lstStyle/>
-          <a:p>
-            <a:r>
-              <a:rPr lang="fr-CA" sz="1400" dirty="0"/>
-              <a:t>x</a:t>
-            </a:r>
-            <a:endParaRPr lang="en-CA" sz="1400" dirty="0"/>
-          </a:p>
-        </p:txBody>
-      </p:sp>
-      <p:sp>
-        <p:nvSpPr>
-          <p:cNvPr id="25" name="TextBox 24">
-            <a:extLst>
-              <a:ext uri="{FF2B5EF4-FFF2-40B4-BE49-F238E27FC236}">
-                <a16:creationId xmlns:a16="http://schemas.microsoft.com/office/drawing/2014/main" id="{38F3C7BA-C091-98ED-019C-4573C1C5FE42}"/>
-              </a:ext>
-            </a:extLst>
-          </p:cNvPr>
-          <p:cNvSpPr txBox="1"/>
-          <p:nvPr/>
-        </p:nvSpPr>
-        <p:spPr>
-          <a:xfrm>
-            <a:off x="4507065" y="2119827"/>
-            <a:ext cx="282524" cy="307777"/>
-          </a:xfrm>
-          <a:prstGeom prst="rect">
-            <a:avLst/>
-          </a:prstGeom>
-          <a:noFill/>
-        </p:spPr>
-        <p:txBody>
-          <a:bodyPr wrap="square" rtlCol="0">
-            <a:spAutoFit/>
-          </a:bodyPr>
-          <a:lstStyle/>
-          <a:p>
-            <a:r>
-              <a:rPr lang="fr-CA" sz="1400" dirty="0"/>
-              <a:t>+</a:t>
-            </a:r>
-            <a:endParaRPr lang="en-CA" sz="1400" dirty="0"/>
-          </a:p>
-        </p:txBody>
-      </p:sp>
-      <p:sp>
-        <p:nvSpPr>
-          <p:cNvPr id="26" name="Rectangle 25">
-            <a:extLst>
-              <a:ext uri="{FF2B5EF4-FFF2-40B4-BE49-F238E27FC236}">
-                <a16:creationId xmlns:a16="http://schemas.microsoft.com/office/drawing/2014/main" id="{2B0BB5AA-9133-3C1A-BD57-FB96E29E13E3}"/>
+                <a16:creationId xmlns:a16="http://schemas.microsoft.com/office/drawing/2014/main" id="{8C93B7E3-59F4-89A2-1A23-ADD9802A99D7}"/>
               </a:ext>
             </a:extLst>
           </p:cNvPr>
@@ -11318,14 +12213,14 @@
         </p:nvSpPr>
         <p:spPr>
           <a:xfrm>
-            <a:off x="4853599" y="1989992"/>
+            <a:off x="4648153" y="3932904"/>
             <a:ext cx="569167" cy="569167"/>
           </a:xfrm>
           <a:prstGeom prst="rect">
             <a:avLst/>
           </a:prstGeom>
           <a:solidFill>
-            <a:srgbClr val="023572"/>
+            <a:schemeClr val="bg2"/>
           </a:solidFill>
           <a:ln>
             <a:solidFill>
@@ -11355,16 +12250,16 @@
           <a:p>
             <a:pPr algn="ctr"/>
             <a:r>
-              <a:rPr lang="fr-CA" sz="1000" dirty="0" err="1">
-                <a:solidFill>
-                  <a:schemeClr val="bg1"/>
-                </a:solidFill>
-              </a:rPr>
-              <a:t>bias</a:t>
+              <a:rPr lang="fr-CA" sz="1000" dirty="0">
+                <a:solidFill>
+                  <a:schemeClr val="tx1"/>
+                </a:solidFill>
+              </a:rPr>
+              <a:t>LW 3</a:t>
             </a:r>
             <a:endParaRPr lang="en-CA" sz="1000" dirty="0">
               <a:solidFill>
-                <a:schemeClr val="bg1"/>
+                <a:schemeClr val="tx1"/>
               </a:solidFill>
             </a:endParaRPr>
           </a:p>
@@ -11372,46 +12267,10 @@
       </p:sp>
       <p:sp>
         <p:nvSpPr>
-          <p:cNvPr id="27" name="TextBox 26">
+          <p:cNvPr id="47" name="Rectangle 46">
             <a:extLst>
               <a:ext uri="{FF2B5EF4-FFF2-40B4-BE49-F238E27FC236}">
-                <a16:creationId xmlns:a16="http://schemas.microsoft.com/office/drawing/2014/main" id="{909C1099-2F8C-8A2E-10B4-0636BE4A592C}"/>
-              </a:ext>
-            </a:extLst>
-          </p:cNvPr>
-          <p:cNvSpPr txBox="1"/>
-          <p:nvPr/>
-        </p:nvSpPr>
-        <p:spPr>
-          <a:xfrm>
-            <a:off x="5776327" y="2119825"/>
-            <a:ext cx="282524" cy="307777"/>
-          </a:xfrm>
-          <a:prstGeom prst="rect">
-            <a:avLst/>
-          </a:prstGeom>
-          <a:noFill/>
-        </p:spPr>
-        <p:txBody>
-          <a:bodyPr wrap="square" rtlCol="0">
-            <a:spAutoFit/>
-          </a:bodyPr>
-          <a:lstStyle/>
-          <a:p>
-            <a:r>
-              <a:rPr lang="fr-CA" sz="1400" dirty="0"/>
-              <a:t>=</a:t>
-            </a:r>
-            <a:endParaRPr lang="en-CA" sz="1400" dirty="0"/>
-          </a:p>
-        </p:txBody>
-      </p:sp>
-      <p:sp>
-        <p:nvSpPr>
-          <p:cNvPr id="28" name="Rectangle 27">
-            <a:extLst>
-              <a:ext uri="{FF2B5EF4-FFF2-40B4-BE49-F238E27FC236}">
-                <a16:creationId xmlns:a16="http://schemas.microsoft.com/office/drawing/2014/main" id="{185BCF40-9FE4-8F51-DA71-91C79E8BB38F}"/>
+                <a16:creationId xmlns:a16="http://schemas.microsoft.com/office/drawing/2014/main" id="{AAA2A98D-920B-B776-2082-3D1A2A938B58}"/>
               </a:ext>
             </a:extLst>
           </p:cNvPr>
@@ -11420,7 +12279,7 @@
         </p:nvSpPr>
         <p:spPr>
           <a:xfrm>
-            <a:off x="6122861" y="1989992"/>
+            <a:off x="4648153" y="4502047"/>
             <a:ext cx="569167" cy="569167"/>
           </a:xfrm>
           <a:prstGeom prst="rect">
@@ -11431,7 +12290,7 @@
           </a:solidFill>
           <a:ln>
             <a:solidFill>
-              <a:schemeClr val="tx1"/>
+              <a:schemeClr val="bg1"/>
             </a:solidFill>
           </a:ln>
         </p:spPr>
@@ -11462,7 +12321,7 @@
                   <a:schemeClr val="tx1"/>
                 </a:solidFill>
               </a:rPr>
-              <a:t>NW</a:t>
+              <a:t>LW 4</a:t>
             </a:r>
             <a:endParaRPr lang="en-CA" sz="1000" dirty="0">
               <a:solidFill>
@@ -11474,10 +12333,10 @@
       </p:sp>
       <p:sp>
         <p:nvSpPr>
-          <p:cNvPr id="29" name="Right Brace 28">
+          <p:cNvPr id="48" name="Rectangle 47">
             <a:extLst>
               <a:ext uri="{FF2B5EF4-FFF2-40B4-BE49-F238E27FC236}">
-                <a16:creationId xmlns:a16="http://schemas.microsoft.com/office/drawing/2014/main" id="{5CBFAD35-0C37-6DB2-8253-08DF8FEF92F8}"/>
+                <a16:creationId xmlns:a16="http://schemas.microsoft.com/office/drawing/2014/main" id="{1A7D4AF4-C4B4-E16A-0F03-E18D66FCBE62}"/>
               </a:ext>
             </a:extLst>
           </p:cNvPr>
@@ -11486,8 +12345,1423 @@
         </p:nvSpPr>
         <p:spPr>
           <a:xfrm>
-            <a:off x="5486776" y="1704977"/>
-            <a:ext cx="225541" cy="1137474"/>
+            <a:off x="664247" y="2234310"/>
+            <a:ext cx="569167" cy="569167"/>
+          </a:xfrm>
+          <a:prstGeom prst="rect">
+            <a:avLst/>
+          </a:prstGeom>
+          <a:solidFill>
+            <a:schemeClr val="bg2"/>
+          </a:solidFill>
+          <a:ln>
+            <a:solidFill>
+              <a:schemeClr val="bg1"/>
+            </a:solidFill>
+          </a:ln>
+        </p:spPr>
+        <p:style>
+          <a:lnRef idx="2">
+            <a:schemeClr val="accent1">
+              <a:shade val="15000"/>
+            </a:schemeClr>
+          </a:lnRef>
+          <a:fillRef idx="1">
+            <a:schemeClr val="accent1"/>
+          </a:fillRef>
+          <a:effectRef idx="0">
+            <a:schemeClr val="accent1"/>
+          </a:effectRef>
+          <a:fontRef idx="minor">
+            <a:schemeClr val="lt1"/>
+          </a:fontRef>
+        </p:style>
+        <p:txBody>
+          <a:bodyPr rtlCol="0" anchor="ctr"/>
+          <a:lstStyle/>
+          <a:p>
+            <a:pPr algn="ctr"/>
+            <a:r>
+              <a:rPr lang="fr-CA" sz="1000" dirty="0">
+                <a:solidFill>
+                  <a:schemeClr val="tx1"/>
+                </a:solidFill>
+              </a:rPr>
+              <a:t>NW 1</a:t>
+            </a:r>
+            <a:endParaRPr lang="en-CA" sz="1000" dirty="0">
+              <a:solidFill>
+                <a:schemeClr val="tx1"/>
+              </a:solidFill>
+            </a:endParaRPr>
+          </a:p>
+        </p:txBody>
+      </p:sp>
+      <p:sp>
+        <p:nvSpPr>
+          <p:cNvPr id="49" name="Rectangle 48">
+            <a:extLst>
+              <a:ext uri="{FF2B5EF4-FFF2-40B4-BE49-F238E27FC236}">
+                <a16:creationId xmlns:a16="http://schemas.microsoft.com/office/drawing/2014/main" id="{928757DF-28D8-AA68-EE97-90AE83ECB465}"/>
+              </a:ext>
+            </a:extLst>
+          </p:cNvPr>
+          <p:cNvSpPr/>
+          <p:nvPr/>
+        </p:nvSpPr>
+        <p:spPr>
+          <a:xfrm>
+            <a:off x="664248" y="2803813"/>
+            <a:ext cx="569167" cy="569167"/>
+          </a:xfrm>
+          <a:prstGeom prst="rect">
+            <a:avLst/>
+          </a:prstGeom>
+          <a:solidFill>
+            <a:schemeClr val="bg2"/>
+          </a:solidFill>
+          <a:ln>
+            <a:solidFill>
+              <a:schemeClr val="bg1"/>
+            </a:solidFill>
+          </a:ln>
+        </p:spPr>
+        <p:style>
+          <a:lnRef idx="2">
+            <a:schemeClr val="accent1">
+              <a:shade val="15000"/>
+            </a:schemeClr>
+          </a:lnRef>
+          <a:fillRef idx="1">
+            <a:schemeClr val="accent1"/>
+          </a:fillRef>
+          <a:effectRef idx="0">
+            <a:schemeClr val="accent1"/>
+          </a:effectRef>
+          <a:fontRef idx="minor">
+            <a:schemeClr val="lt1"/>
+          </a:fontRef>
+        </p:style>
+        <p:txBody>
+          <a:bodyPr rtlCol="0" anchor="ctr"/>
+          <a:lstStyle/>
+          <a:p>
+            <a:pPr algn="ctr"/>
+            <a:r>
+              <a:rPr lang="fr-CA" sz="1000" dirty="0">
+                <a:solidFill>
+                  <a:schemeClr val="tx1"/>
+                </a:solidFill>
+              </a:rPr>
+              <a:t>NW 2</a:t>
+            </a:r>
+            <a:endParaRPr lang="en-CA" sz="1000" dirty="0">
+              <a:solidFill>
+                <a:schemeClr val="tx1"/>
+              </a:solidFill>
+            </a:endParaRPr>
+          </a:p>
+        </p:txBody>
+      </p:sp>
+      <p:sp>
+        <p:nvSpPr>
+          <p:cNvPr id="50" name="Rectangle 49">
+            <a:extLst>
+              <a:ext uri="{FF2B5EF4-FFF2-40B4-BE49-F238E27FC236}">
+                <a16:creationId xmlns:a16="http://schemas.microsoft.com/office/drawing/2014/main" id="{D18493C5-62A6-DE83-39E4-E9F8AD58B8C1}"/>
+              </a:ext>
+            </a:extLst>
+          </p:cNvPr>
+          <p:cNvSpPr/>
+          <p:nvPr/>
+        </p:nvSpPr>
+        <p:spPr>
+          <a:xfrm>
+            <a:off x="664247" y="3373316"/>
+            <a:ext cx="569167" cy="569167"/>
+          </a:xfrm>
+          <a:prstGeom prst="rect">
+            <a:avLst/>
+          </a:prstGeom>
+          <a:solidFill>
+            <a:schemeClr val="bg2"/>
+          </a:solidFill>
+          <a:ln>
+            <a:solidFill>
+              <a:schemeClr val="bg1"/>
+            </a:solidFill>
+          </a:ln>
+        </p:spPr>
+        <p:style>
+          <a:lnRef idx="2">
+            <a:schemeClr val="accent1">
+              <a:shade val="15000"/>
+            </a:schemeClr>
+          </a:lnRef>
+          <a:fillRef idx="1">
+            <a:schemeClr val="accent1"/>
+          </a:fillRef>
+          <a:effectRef idx="0">
+            <a:schemeClr val="accent1"/>
+          </a:effectRef>
+          <a:fontRef idx="minor">
+            <a:schemeClr val="lt1"/>
+          </a:fontRef>
+        </p:style>
+        <p:txBody>
+          <a:bodyPr rtlCol="0" anchor="ctr"/>
+          <a:lstStyle/>
+          <a:p>
+            <a:pPr algn="ctr"/>
+            <a:r>
+              <a:rPr lang="fr-CA" sz="1000" dirty="0">
+                <a:solidFill>
+                  <a:schemeClr val="tx1"/>
+                </a:solidFill>
+              </a:rPr>
+              <a:t>NW 3</a:t>
+            </a:r>
+            <a:endParaRPr lang="en-CA" sz="1000" dirty="0">
+              <a:solidFill>
+                <a:schemeClr val="tx1"/>
+              </a:solidFill>
+            </a:endParaRPr>
+          </a:p>
+        </p:txBody>
+      </p:sp>
+      <p:sp>
+        <p:nvSpPr>
+          <p:cNvPr id="51" name="TextBox 50">
+            <a:extLst>
+              <a:ext uri="{FF2B5EF4-FFF2-40B4-BE49-F238E27FC236}">
+                <a16:creationId xmlns:a16="http://schemas.microsoft.com/office/drawing/2014/main" id="{06DE78DD-65C0-29F8-4A3E-E30571483C9D}"/>
+              </a:ext>
+            </a:extLst>
+          </p:cNvPr>
+          <p:cNvSpPr txBox="1"/>
+          <p:nvPr/>
+        </p:nvSpPr>
+        <p:spPr>
+          <a:xfrm>
+            <a:off x="2564910" y="4100315"/>
+            <a:ext cx="1141830" cy="246221"/>
+          </a:xfrm>
+          <a:prstGeom prst="rect">
+            <a:avLst/>
+          </a:prstGeom>
+          <a:noFill/>
+        </p:spPr>
+        <p:txBody>
+          <a:bodyPr wrap="square" rtlCol="0">
+            <a:spAutoFit/>
+          </a:bodyPr>
+          <a:lstStyle/>
+          <a:p>
+            <a:r>
+              <a:rPr lang="fr-CA" sz="1000" dirty="0"/>
+              <a:t>NW3 x CNW3</a:t>
+            </a:r>
+            <a:endParaRPr lang="en-CA" sz="1000" dirty="0"/>
+          </a:p>
+        </p:txBody>
+      </p:sp>
+      <p:sp>
+        <p:nvSpPr>
+          <p:cNvPr id="52" name="TextBox 51">
+            <a:extLst>
+              <a:ext uri="{FF2B5EF4-FFF2-40B4-BE49-F238E27FC236}">
+                <a16:creationId xmlns:a16="http://schemas.microsoft.com/office/drawing/2014/main" id="{7278C770-BF80-1F3F-7021-C89599FDEDAC}"/>
+              </a:ext>
+            </a:extLst>
+          </p:cNvPr>
+          <p:cNvSpPr txBox="1"/>
+          <p:nvPr/>
+        </p:nvSpPr>
+        <p:spPr>
+          <a:xfrm>
+            <a:off x="2573858" y="4686485"/>
+            <a:ext cx="1326214" cy="246221"/>
+          </a:xfrm>
+          <a:prstGeom prst="rect">
+            <a:avLst/>
+          </a:prstGeom>
+          <a:noFill/>
+        </p:spPr>
+        <p:txBody>
+          <a:bodyPr wrap="square" rtlCol="0">
+            <a:spAutoFit/>
+          </a:bodyPr>
+          <a:lstStyle/>
+          <a:p>
+            <a:r>
+              <a:rPr lang="fr-CA" sz="1000" dirty="0"/>
+              <a:t>(1 - NW3) x CNW3</a:t>
+            </a:r>
+            <a:endParaRPr lang="en-CA" sz="1000" dirty="0"/>
+          </a:p>
+        </p:txBody>
+      </p:sp>
+      <p:sp>
+        <p:nvSpPr>
+          <p:cNvPr id="53" name="TextBox 52">
+            <a:extLst>
+              <a:ext uri="{FF2B5EF4-FFF2-40B4-BE49-F238E27FC236}">
+                <a16:creationId xmlns:a16="http://schemas.microsoft.com/office/drawing/2014/main" id="{3B46FB5C-E0DC-A185-C535-D4E5C1E01182}"/>
+              </a:ext>
+            </a:extLst>
+          </p:cNvPr>
+          <p:cNvSpPr txBox="1"/>
+          <p:nvPr/>
+        </p:nvSpPr>
+        <p:spPr>
+          <a:xfrm>
+            <a:off x="2564910" y="3526043"/>
+            <a:ext cx="1335162" cy="246221"/>
+          </a:xfrm>
+          <a:prstGeom prst="rect">
+            <a:avLst/>
+          </a:prstGeom>
+          <a:noFill/>
+        </p:spPr>
+        <p:txBody>
+          <a:bodyPr wrap="square" rtlCol="0">
+            <a:spAutoFit/>
+          </a:bodyPr>
+          <a:lstStyle/>
+          <a:p>
+            <a:r>
+              <a:rPr lang="fr-CA" sz="1000" dirty="0"/>
+              <a:t>(1 - NW2) x CNW2</a:t>
+            </a:r>
+            <a:endParaRPr lang="en-CA" sz="1000" dirty="0"/>
+          </a:p>
+        </p:txBody>
+      </p:sp>
+      <p:sp>
+        <p:nvSpPr>
+          <p:cNvPr id="54" name="TextBox 53">
+            <a:extLst>
+              <a:ext uri="{FF2B5EF4-FFF2-40B4-BE49-F238E27FC236}">
+                <a16:creationId xmlns:a16="http://schemas.microsoft.com/office/drawing/2014/main" id="{06648098-2678-9051-B765-45A3D46BB1FE}"/>
+              </a:ext>
+            </a:extLst>
+          </p:cNvPr>
+          <p:cNvSpPr txBox="1"/>
+          <p:nvPr/>
+        </p:nvSpPr>
+        <p:spPr>
+          <a:xfrm>
+            <a:off x="2564910" y="2956876"/>
+            <a:ext cx="1335162" cy="246221"/>
+          </a:xfrm>
+          <a:prstGeom prst="rect">
+            <a:avLst/>
+          </a:prstGeom>
+          <a:noFill/>
+        </p:spPr>
+        <p:txBody>
+          <a:bodyPr wrap="square" rtlCol="0">
+            <a:spAutoFit/>
+          </a:bodyPr>
+          <a:lstStyle/>
+          <a:p>
+            <a:r>
+              <a:rPr lang="fr-CA" sz="1000" dirty="0"/>
+              <a:t>NW2 x CNW2</a:t>
+            </a:r>
+            <a:endParaRPr lang="en-CA" sz="1000" dirty="0"/>
+          </a:p>
+        </p:txBody>
+      </p:sp>
+      <p:sp>
+        <p:nvSpPr>
+          <p:cNvPr id="55" name="Rectangle 54">
+            <a:extLst>
+              <a:ext uri="{FF2B5EF4-FFF2-40B4-BE49-F238E27FC236}">
+                <a16:creationId xmlns:a16="http://schemas.microsoft.com/office/drawing/2014/main" id="{8D7233EC-3B16-B645-DA12-28A1E600D46A}"/>
+              </a:ext>
+            </a:extLst>
+          </p:cNvPr>
+          <p:cNvSpPr/>
+          <p:nvPr/>
+        </p:nvSpPr>
+        <p:spPr>
+          <a:xfrm>
+            <a:off x="2004699" y="1110852"/>
+            <a:ext cx="569167" cy="569167"/>
+          </a:xfrm>
+          <a:prstGeom prst="rect">
+            <a:avLst/>
+          </a:prstGeom>
+          <a:solidFill>
+            <a:schemeClr val="bg2"/>
+          </a:solidFill>
+          <a:ln>
+            <a:solidFill>
+              <a:schemeClr val="bg1"/>
+            </a:solidFill>
+          </a:ln>
+        </p:spPr>
+        <p:style>
+          <a:lnRef idx="2">
+            <a:schemeClr val="accent1">
+              <a:shade val="15000"/>
+            </a:schemeClr>
+          </a:lnRef>
+          <a:fillRef idx="1">
+            <a:schemeClr val="accent1"/>
+          </a:fillRef>
+          <a:effectRef idx="0">
+            <a:schemeClr val="accent1"/>
+          </a:effectRef>
+          <a:fontRef idx="minor">
+            <a:schemeClr val="lt1"/>
+          </a:fontRef>
+        </p:style>
+        <p:txBody>
+          <a:bodyPr rtlCol="0" anchor="ctr"/>
+          <a:lstStyle/>
+          <a:p>
+            <a:pPr algn="ctr"/>
+            <a:r>
+              <a:rPr lang="fr-CA" sz="1000" dirty="0">
+                <a:solidFill>
+                  <a:schemeClr val="tx1"/>
+                </a:solidFill>
+              </a:rPr>
+              <a:t>CNW  1</a:t>
+            </a:r>
+          </a:p>
+        </p:txBody>
+      </p:sp>
+      <p:sp>
+        <p:nvSpPr>
+          <p:cNvPr id="56" name="Rectangle 55">
+            <a:extLst>
+              <a:ext uri="{FF2B5EF4-FFF2-40B4-BE49-F238E27FC236}">
+                <a16:creationId xmlns:a16="http://schemas.microsoft.com/office/drawing/2014/main" id="{1A674C68-4ABB-1E03-F956-AC45764AF068}"/>
+              </a:ext>
+            </a:extLst>
+          </p:cNvPr>
+          <p:cNvSpPr/>
+          <p:nvPr/>
+        </p:nvSpPr>
+        <p:spPr>
+          <a:xfrm>
+            <a:off x="2004695" y="1674744"/>
+            <a:ext cx="569167" cy="569167"/>
+          </a:xfrm>
+          <a:prstGeom prst="rect">
+            <a:avLst/>
+          </a:prstGeom>
+          <a:solidFill>
+            <a:schemeClr val="bg2"/>
+          </a:solidFill>
+          <a:ln>
+            <a:solidFill>
+              <a:schemeClr val="bg1"/>
+            </a:solidFill>
+          </a:ln>
+        </p:spPr>
+        <p:style>
+          <a:lnRef idx="2">
+            <a:schemeClr val="accent1">
+              <a:shade val="15000"/>
+            </a:schemeClr>
+          </a:lnRef>
+          <a:fillRef idx="1">
+            <a:schemeClr val="accent1"/>
+          </a:fillRef>
+          <a:effectRef idx="0">
+            <a:schemeClr val="accent1"/>
+          </a:effectRef>
+          <a:fontRef idx="minor">
+            <a:schemeClr val="lt1"/>
+          </a:fontRef>
+        </p:style>
+        <p:txBody>
+          <a:bodyPr rtlCol="0" anchor="ctr"/>
+          <a:lstStyle/>
+          <a:p>
+            <a:pPr algn="ctr"/>
+            <a:r>
+              <a:rPr lang="fr-CA" sz="1000" dirty="0">
+                <a:solidFill>
+                  <a:schemeClr val="tx1"/>
+                </a:solidFill>
+              </a:rPr>
+              <a:t>CNW 2</a:t>
+            </a:r>
+            <a:endParaRPr lang="en-CA" sz="1000" dirty="0">
+              <a:solidFill>
+                <a:schemeClr val="tx1"/>
+              </a:solidFill>
+            </a:endParaRPr>
+          </a:p>
+        </p:txBody>
+      </p:sp>
+      <p:sp>
+        <p:nvSpPr>
+          <p:cNvPr id="57" name="Rectangle 56">
+            <a:extLst>
+              <a:ext uri="{FF2B5EF4-FFF2-40B4-BE49-F238E27FC236}">
+                <a16:creationId xmlns:a16="http://schemas.microsoft.com/office/drawing/2014/main" id="{B065A331-AEC0-7F63-E7F1-A909213DEA1D}"/>
+              </a:ext>
+            </a:extLst>
+          </p:cNvPr>
+          <p:cNvSpPr/>
+          <p:nvPr/>
+        </p:nvSpPr>
+        <p:spPr>
+          <a:xfrm>
+            <a:off x="2004695" y="2243911"/>
+            <a:ext cx="569167" cy="569167"/>
+          </a:xfrm>
+          <a:prstGeom prst="rect">
+            <a:avLst/>
+          </a:prstGeom>
+          <a:solidFill>
+            <a:schemeClr val="bg2"/>
+          </a:solidFill>
+          <a:ln>
+            <a:solidFill>
+              <a:schemeClr val="bg1"/>
+            </a:solidFill>
+          </a:ln>
+        </p:spPr>
+        <p:style>
+          <a:lnRef idx="2">
+            <a:schemeClr val="accent1">
+              <a:shade val="15000"/>
+            </a:schemeClr>
+          </a:lnRef>
+          <a:fillRef idx="1">
+            <a:schemeClr val="accent1"/>
+          </a:fillRef>
+          <a:effectRef idx="0">
+            <a:schemeClr val="accent1"/>
+          </a:effectRef>
+          <a:fontRef idx="minor">
+            <a:schemeClr val="lt1"/>
+          </a:fontRef>
+        </p:style>
+        <p:txBody>
+          <a:bodyPr rtlCol="0" anchor="ctr"/>
+          <a:lstStyle/>
+          <a:p>
+            <a:pPr algn="ctr"/>
+            <a:r>
+              <a:rPr lang="fr-CA" sz="1000" dirty="0">
+                <a:solidFill>
+                  <a:schemeClr val="tx1"/>
+                </a:solidFill>
+              </a:rPr>
+              <a:t>CNW 3</a:t>
+            </a:r>
+            <a:endParaRPr lang="en-CA" sz="1000" dirty="0">
+              <a:solidFill>
+                <a:schemeClr val="tx1"/>
+              </a:solidFill>
+            </a:endParaRPr>
+          </a:p>
+        </p:txBody>
+      </p:sp>
+      <p:sp>
+        <p:nvSpPr>
+          <p:cNvPr id="58" name="Rectangle 57">
+            <a:extLst>
+              <a:ext uri="{FF2B5EF4-FFF2-40B4-BE49-F238E27FC236}">
+                <a16:creationId xmlns:a16="http://schemas.microsoft.com/office/drawing/2014/main" id="{E364A59A-2797-12B1-16EE-D36FF45D247B}"/>
+              </a:ext>
+            </a:extLst>
+          </p:cNvPr>
+          <p:cNvSpPr/>
+          <p:nvPr/>
+        </p:nvSpPr>
+        <p:spPr>
+          <a:xfrm>
+            <a:off x="2004694" y="2807803"/>
+            <a:ext cx="569167" cy="569167"/>
+          </a:xfrm>
+          <a:prstGeom prst="rect">
+            <a:avLst/>
+          </a:prstGeom>
+          <a:solidFill>
+            <a:schemeClr val="bg2"/>
+          </a:solidFill>
+          <a:ln>
+            <a:solidFill>
+              <a:schemeClr val="bg1"/>
+            </a:solidFill>
+          </a:ln>
+        </p:spPr>
+        <p:style>
+          <a:lnRef idx="2">
+            <a:schemeClr val="accent1">
+              <a:shade val="15000"/>
+            </a:schemeClr>
+          </a:lnRef>
+          <a:fillRef idx="1">
+            <a:schemeClr val="accent1"/>
+          </a:fillRef>
+          <a:effectRef idx="0">
+            <a:schemeClr val="accent1"/>
+          </a:effectRef>
+          <a:fontRef idx="minor">
+            <a:schemeClr val="lt1"/>
+          </a:fontRef>
+        </p:style>
+        <p:txBody>
+          <a:bodyPr rtlCol="0" anchor="ctr"/>
+          <a:lstStyle/>
+          <a:p>
+            <a:pPr algn="ctr"/>
+            <a:r>
+              <a:rPr lang="fr-CA" sz="1000" dirty="0">
+                <a:solidFill>
+                  <a:schemeClr val="tx1"/>
+                </a:solidFill>
+              </a:rPr>
+              <a:t>CNW 4</a:t>
+            </a:r>
+            <a:endParaRPr lang="en-CA" sz="1000" dirty="0">
+              <a:solidFill>
+                <a:schemeClr val="tx1"/>
+              </a:solidFill>
+            </a:endParaRPr>
+          </a:p>
+        </p:txBody>
+      </p:sp>
+      <p:sp>
+        <p:nvSpPr>
+          <p:cNvPr id="59" name="Rectangle 58">
+            <a:extLst>
+              <a:ext uri="{FF2B5EF4-FFF2-40B4-BE49-F238E27FC236}">
+                <a16:creationId xmlns:a16="http://schemas.microsoft.com/office/drawing/2014/main" id="{BA271B86-5B40-F7F5-1456-8CD79B245276}"/>
+              </a:ext>
+            </a:extLst>
+          </p:cNvPr>
+          <p:cNvSpPr/>
+          <p:nvPr/>
+        </p:nvSpPr>
+        <p:spPr>
+          <a:xfrm>
+            <a:off x="2004694" y="3376297"/>
+            <a:ext cx="569167" cy="569167"/>
+          </a:xfrm>
+          <a:prstGeom prst="rect">
+            <a:avLst/>
+          </a:prstGeom>
+          <a:solidFill>
+            <a:schemeClr val="bg2"/>
+          </a:solidFill>
+          <a:ln>
+            <a:solidFill>
+              <a:schemeClr val="bg1"/>
+            </a:solidFill>
+          </a:ln>
+        </p:spPr>
+        <p:style>
+          <a:lnRef idx="2">
+            <a:schemeClr val="accent1">
+              <a:shade val="15000"/>
+            </a:schemeClr>
+          </a:lnRef>
+          <a:fillRef idx="1">
+            <a:schemeClr val="accent1"/>
+          </a:fillRef>
+          <a:effectRef idx="0">
+            <a:schemeClr val="accent1"/>
+          </a:effectRef>
+          <a:fontRef idx="minor">
+            <a:schemeClr val="lt1"/>
+          </a:fontRef>
+        </p:style>
+        <p:txBody>
+          <a:bodyPr rtlCol="0" anchor="ctr"/>
+          <a:lstStyle/>
+          <a:p>
+            <a:pPr algn="ctr"/>
+            <a:r>
+              <a:rPr lang="fr-CA" sz="1000" dirty="0">
+                <a:solidFill>
+                  <a:schemeClr val="tx1"/>
+                </a:solidFill>
+              </a:rPr>
+              <a:t>CNW 5</a:t>
+            </a:r>
+            <a:endParaRPr lang="en-CA" sz="1000" dirty="0">
+              <a:solidFill>
+                <a:schemeClr val="tx1"/>
+              </a:solidFill>
+            </a:endParaRPr>
+          </a:p>
+        </p:txBody>
+      </p:sp>
+      <p:sp>
+        <p:nvSpPr>
+          <p:cNvPr id="60" name="Rectangle 59">
+            <a:extLst>
+              <a:ext uri="{FF2B5EF4-FFF2-40B4-BE49-F238E27FC236}">
+                <a16:creationId xmlns:a16="http://schemas.microsoft.com/office/drawing/2014/main" id="{02C7A92F-AB7C-FAA4-2707-AFB938567A96}"/>
+              </a:ext>
+            </a:extLst>
+          </p:cNvPr>
+          <p:cNvSpPr/>
+          <p:nvPr/>
+        </p:nvSpPr>
+        <p:spPr>
+          <a:xfrm>
+            <a:off x="2004693" y="3944791"/>
+            <a:ext cx="569167" cy="569167"/>
+          </a:xfrm>
+          <a:prstGeom prst="rect">
+            <a:avLst/>
+          </a:prstGeom>
+          <a:solidFill>
+            <a:schemeClr val="bg2"/>
+          </a:solidFill>
+          <a:ln>
+            <a:solidFill>
+              <a:schemeClr val="bg1"/>
+            </a:solidFill>
+          </a:ln>
+        </p:spPr>
+        <p:style>
+          <a:lnRef idx="2">
+            <a:schemeClr val="accent1">
+              <a:shade val="15000"/>
+            </a:schemeClr>
+          </a:lnRef>
+          <a:fillRef idx="1">
+            <a:schemeClr val="accent1"/>
+          </a:fillRef>
+          <a:effectRef idx="0">
+            <a:schemeClr val="accent1"/>
+          </a:effectRef>
+          <a:fontRef idx="minor">
+            <a:schemeClr val="lt1"/>
+          </a:fontRef>
+        </p:style>
+        <p:txBody>
+          <a:bodyPr rtlCol="0" anchor="ctr"/>
+          <a:lstStyle/>
+          <a:p>
+            <a:pPr algn="ctr"/>
+            <a:r>
+              <a:rPr lang="fr-CA" sz="1000" dirty="0">
+                <a:solidFill>
+                  <a:schemeClr val="tx1"/>
+                </a:solidFill>
+              </a:rPr>
+              <a:t>CNW 6</a:t>
+            </a:r>
+            <a:endParaRPr lang="en-CA" sz="1000" dirty="0">
+              <a:solidFill>
+                <a:schemeClr val="tx1"/>
+              </a:solidFill>
+            </a:endParaRPr>
+          </a:p>
+        </p:txBody>
+      </p:sp>
+      <p:sp>
+        <p:nvSpPr>
+          <p:cNvPr id="61" name="Rectangle 60">
+            <a:extLst>
+              <a:ext uri="{FF2B5EF4-FFF2-40B4-BE49-F238E27FC236}">
+                <a16:creationId xmlns:a16="http://schemas.microsoft.com/office/drawing/2014/main" id="{B8569B8A-7371-56EE-6C46-0342C77ECEE6}"/>
+              </a:ext>
+            </a:extLst>
+          </p:cNvPr>
+          <p:cNvSpPr/>
+          <p:nvPr/>
+        </p:nvSpPr>
+        <p:spPr>
+          <a:xfrm>
+            <a:off x="2004691" y="4508010"/>
+            <a:ext cx="569167" cy="569167"/>
+          </a:xfrm>
+          <a:prstGeom prst="rect">
+            <a:avLst/>
+          </a:prstGeom>
+          <a:solidFill>
+            <a:schemeClr val="bg2"/>
+          </a:solidFill>
+          <a:ln>
+            <a:solidFill>
+              <a:schemeClr val="bg1"/>
+            </a:solidFill>
+          </a:ln>
+        </p:spPr>
+        <p:style>
+          <a:lnRef idx="2">
+            <a:schemeClr val="accent1">
+              <a:shade val="15000"/>
+            </a:schemeClr>
+          </a:lnRef>
+          <a:fillRef idx="1">
+            <a:schemeClr val="accent1"/>
+          </a:fillRef>
+          <a:effectRef idx="0">
+            <a:schemeClr val="accent1"/>
+          </a:effectRef>
+          <a:fontRef idx="minor">
+            <a:schemeClr val="lt1"/>
+          </a:fontRef>
+        </p:style>
+        <p:txBody>
+          <a:bodyPr rtlCol="0" anchor="ctr"/>
+          <a:lstStyle/>
+          <a:p>
+            <a:pPr algn="ctr"/>
+            <a:r>
+              <a:rPr lang="fr-CA" sz="1000" dirty="0">
+                <a:solidFill>
+                  <a:schemeClr val="tx1"/>
+                </a:solidFill>
+              </a:rPr>
+              <a:t>CNW 7</a:t>
+            </a:r>
+            <a:endParaRPr lang="en-CA" sz="1000" dirty="0">
+              <a:solidFill>
+                <a:schemeClr val="tx1"/>
+              </a:solidFill>
+            </a:endParaRPr>
+          </a:p>
+        </p:txBody>
+      </p:sp>
+      <p:cxnSp>
+        <p:nvCxnSpPr>
+          <p:cNvPr id="62" name="Straight Arrow Connector 61">
+            <a:extLst>
+              <a:ext uri="{FF2B5EF4-FFF2-40B4-BE49-F238E27FC236}">
+                <a16:creationId xmlns:a16="http://schemas.microsoft.com/office/drawing/2014/main" id="{2122364B-CDE8-EFA9-FCD9-0B0054660AC2}"/>
+              </a:ext>
+            </a:extLst>
+          </p:cNvPr>
+          <p:cNvCxnSpPr>
+            <a:cxnSpLocks/>
+            <a:stCxn id="49" idx="3"/>
+            <a:endCxn id="58" idx="1"/>
+          </p:cNvCxnSpPr>
+          <p:nvPr/>
+        </p:nvCxnSpPr>
+        <p:spPr>
+          <a:xfrm>
+            <a:off x="1233415" y="3088397"/>
+            <a:ext cx="771279" cy="3990"/>
+          </a:xfrm>
+          <a:prstGeom prst="straightConnector1">
+            <a:avLst/>
+          </a:prstGeom>
+          <a:ln w="19050">
+            <a:solidFill>
+              <a:srgbClr val="00B0F0"/>
+            </a:solidFill>
+            <a:tailEnd type="triangle"/>
+          </a:ln>
+        </p:spPr>
+        <p:style>
+          <a:lnRef idx="1">
+            <a:schemeClr val="accent1"/>
+          </a:lnRef>
+          <a:fillRef idx="0">
+            <a:schemeClr val="accent1"/>
+          </a:fillRef>
+          <a:effectRef idx="0">
+            <a:schemeClr val="accent1"/>
+          </a:effectRef>
+          <a:fontRef idx="minor">
+            <a:schemeClr val="tx1"/>
+          </a:fontRef>
+        </p:style>
+      </p:cxnSp>
+      <p:cxnSp>
+        <p:nvCxnSpPr>
+          <p:cNvPr id="63" name="Straight Arrow Connector 62">
+            <a:extLst>
+              <a:ext uri="{FF2B5EF4-FFF2-40B4-BE49-F238E27FC236}">
+                <a16:creationId xmlns:a16="http://schemas.microsoft.com/office/drawing/2014/main" id="{EBCCC8C8-F453-EFF7-1C9F-B03636FC0BB9}"/>
+              </a:ext>
+            </a:extLst>
+          </p:cNvPr>
+          <p:cNvCxnSpPr>
+            <a:cxnSpLocks/>
+            <a:stCxn id="49" idx="3"/>
+            <a:endCxn id="59" idx="1"/>
+          </p:cNvCxnSpPr>
+          <p:nvPr/>
+        </p:nvCxnSpPr>
+        <p:spPr>
+          <a:xfrm>
+            <a:off x="1233415" y="3088397"/>
+            <a:ext cx="771279" cy="572484"/>
+          </a:xfrm>
+          <a:prstGeom prst="straightConnector1">
+            <a:avLst/>
+          </a:prstGeom>
+          <a:ln w="19050">
+            <a:solidFill>
+              <a:srgbClr val="FF0000"/>
+            </a:solidFill>
+            <a:tailEnd type="triangle"/>
+          </a:ln>
+        </p:spPr>
+        <p:style>
+          <a:lnRef idx="1">
+            <a:schemeClr val="accent1"/>
+          </a:lnRef>
+          <a:fillRef idx="0">
+            <a:schemeClr val="accent1"/>
+          </a:fillRef>
+          <a:effectRef idx="0">
+            <a:schemeClr val="accent1"/>
+          </a:effectRef>
+          <a:fontRef idx="minor">
+            <a:schemeClr val="tx1"/>
+          </a:fontRef>
+        </p:style>
+      </p:cxnSp>
+      <p:cxnSp>
+        <p:nvCxnSpPr>
+          <p:cNvPr id="64" name="Straight Arrow Connector 63">
+            <a:extLst>
+              <a:ext uri="{FF2B5EF4-FFF2-40B4-BE49-F238E27FC236}">
+                <a16:creationId xmlns:a16="http://schemas.microsoft.com/office/drawing/2014/main" id="{15BDE672-3110-260F-B77E-8E06A766EF26}"/>
+              </a:ext>
+            </a:extLst>
+          </p:cNvPr>
+          <p:cNvCxnSpPr>
+            <a:cxnSpLocks/>
+            <a:stCxn id="50" idx="3"/>
+            <a:endCxn id="60" idx="1"/>
+          </p:cNvCxnSpPr>
+          <p:nvPr/>
+        </p:nvCxnSpPr>
+        <p:spPr>
+          <a:xfrm>
+            <a:off x="1233414" y="3657900"/>
+            <a:ext cx="771279" cy="571475"/>
+          </a:xfrm>
+          <a:prstGeom prst="straightConnector1">
+            <a:avLst/>
+          </a:prstGeom>
+          <a:ln w="19050">
+            <a:solidFill>
+              <a:srgbClr val="00B0F0"/>
+            </a:solidFill>
+            <a:tailEnd type="triangle"/>
+          </a:ln>
+        </p:spPr>
+        <p:style>
+          <a:lnRef idx="1">
+            <a:schemeClr val="accent1"/>
+          </a:lnRef>
+          <a:fillRef idx="0">
+            <a:schemeClr val="accent1"/>
+          </a:fillRef>
+          <a:effectRef idx="0">
+            <a:schemeClr val="accent1"/>
+          </a:effectRef>
+          <a:fontRef idx="minor">
+            <a:schemeClr val="tx1"/>
+          </a:fontRef>
+        </p:style>
+      </p:cxnSp>
+      <p:cxnSp>
+        <p:nvCxnSpPr>
+          <p:cNvPr id="65" name="Straight Arrow Connector 64">
+            <a:extLst>
+              <a:ext uri="{FF2B5EF4-FFF2-40B4-BE49-F238E27FC236}">
+                <a16:creationId xmlns:a16="http://schemas.microsoft.com/office/drawing/2014/main" id="{4AD1F89C-EE6D-BF85-9319-80E4BD0DDD1A}"/>
+              </a:ext>
+            </a:extLst>
+          </p:cNvPr>
+          <p:cNvCxnSpPr>
+            <a:cxnSpLocks/>
+            <a:stCxn id="50" idx="3"/>
+            <a:endCxn id="61" idx="1"/>
+          </p:cNvCxnSpPr>
+          <p:nvPr/>
+        </p:nvCxnSpPr>
+        <p:spPr>
+          <a:xfrm>
+            <a:off x="1233414" y="3657900"/>
+            <a:ext cx="771277" cy="1134694"/>
+          </a:xfrm>
+          <a:prstGeom prst="straightConnector1">
+            <a:avLst/>
+          </a:prstGeom>
+          <a:ln w="19050">
+            <a:solidFill>
+              <a:srgbClr val="FF0000"/>
+            </a:solidFill>
+            <a:tailEnd type="triangle"/>
+          </a:ln>
+        </p:spPr>
+        <p:style>
+          <a:lnRef idx="1">
+            <a:schemeClr val="accent1"/>
+          </a:lnRef>
+          <a:fillRef idx="0">
+            <a:schemeClr val="accent1"/>
+          </a:fillRef>
+          <a:effectRef idx="0">
+            <a:schemeClr val="accent1"/>
+          </a:effectRef>
+          <a:fontRef idx="minor">
+            <a:schemeClr val="tx1"/>
+          </a:fontRef>
+        </p:style>
+      </p:cxnSp>
+      <p:cxnSp>
+        <p:nvCxnSpPr>
+          <p:cNvPr id="66" name="Straight Arrow Connector 65">
+            <a:extLst>
+              <a:ext uri="{FF2B5EF4-FFF2-40B4-BE49-F238E27FC236}">
+                <a16:creationId xmlns:a16="http://schemas.microsoft.com/office/drawing/2014/main" id="{BD48D462-CB38-E346-6C6F-6F6350F217E1}"/>
+              </a:ext>
+            </a:extLst>
+          </p:cNvPr>
+          <p:cNvCxnSpPr>
+            <a:cxnSpLocks/>
+            <a:stCxn id="48" idx="3"/>
+            <a:endCxn id="56" idx="1"/>
+          </p:cNvCxnSpPr>
+          <p:nvPr/>
+        </p:nvCxnSpPr>
+        <p:spPr>
+          <a:xfrm flipV="1">
+            <a:off x="1233414" y="1959328"/>
+            <a:ext cx="771281" cy="559566"/>
+          </a:xfrm>
+          <a:prstGeom prst="straightConnector1">
+            <a:avLst/>
+          </a:prstGeom>
+          <a:ln w="19050">
+            <a:solidFill>
+              <a:srgbClr val="00B0F0"/>
+            </a:solidFill>
+            <a:tailEnd type="triangle"/>
+          </a:ln>
+        </p:spPr>
+        <p:style>
+          <a:lnRef idx="1">
+            <a:schemeClr val="accent1"/>
+          </a:lnRef>
+          <a:fillRef idx="0">
+            <a:schemeClr val="accent1"/>
+          </a:fillRef>
+          <a:effectRef idx="0">
+            <a:schemeClr val="accent1"/>
+          </a:effectRef>
+          <a:fontRef idx="minor">
+            <a:schemeClr val="tx1"/>
+          </a:fontRef>
+        </p:style>
+      </p:cxnSp>
+      <p:cxnSp>
+        <p:nvCxnSpPr>
+          <p:cNvPr id="67" name="Straight Arrow Connector 66">
+            <a:extLst>
+              <a:ext uri="{FF2B5EF4-FFF2-40B4-BE49-F238E27FC236}">
+                <a16:creationId xmlns:a16="http://schemas.microsoft.com/office/drawing/2014/main" id="{DA66DED7-E9BD-8863-9AC1-F84F4A183C02}"/>
+              </a:ext>
+            </a:extLst>
+          </p:cNvPr>
+          <p:cNvCxnSpPr>
+            <a:cxnSpLocks/>
+            <a:stCxn id="48" idx="3"/>
+            <a:endCxn id="57" idx="1"/>
+          </p:cNvCxnSpPr>
+          <p:nvPr/>
+        </p:nvCxnSpPr>
+        <p:spPr>
+          <a:xfrm>
+            <a:off x="1233414" y="2518894"/>
+            <a:ext cx="771281" cy="9601"/>
+          </a:xfrm>
+          <a:prstGeom prst="straightConnector1">
+            <a:avLst/>
+          </a:prstGeom>
+          <a:ln w="19050">
+            <a:solidFill>
+              <a:srgbClr val="FF0000"/>
+            </a:solidFill>
+            <a:tailEnd type="triangle"/>
+          </a:ln>
+        </p:spPr>
+        <p:style>
+          <a:lnRef idx="1">
+            <a:schemeClr val="accent1"/>
+          </a:lnRef>
+          <a:fillRef idx="0">
+            <a:schemeClr val="accent1"/>
+          </a:fillRef>
+          <a:effectRef idx="0">
+            <a:schemeClr val="accent1"/>
+          </a:effectRef>
+          <a:fontRef idx="minor">
+            <a:schemeClr val="tx1"/>
+          </a:fontRef>
+        </p:style>
+      </p:cxnSp>
+      <p:sp>
+        <p:nvSpPr>
+          <p:cNvPr id="68" name="TextBox 67">
+            <a:extLst>
+              <a:ext uri="{FF2B5EF4-FFF2-40B4-BE49-F238E27FC236}">
+                <a16:creationId xmlns:a16="http://schemas.microsoft.com/office/drawing/2014/main" id="{5F3D07FE-63C9-68EA-6A2C-595BFF652B0D}"/>
+              </a:ext>
+            </a:extLst>
+          </p:cNvPr>
+          <p:cNvSpPr txBox="1"/>
+          <p:nvPr/>
+        </p:nvSpPr>
+        <p:spPr>
+          <a:xfrm>
+            <a:off x="2564910" y="1346693"/>
+            <a:ext cx="1335162" cy="246221"/>
+          </a:xfrm>
+          <a:prstGeom prst="rect">
+            <a:avLst/>
+          </a:prstGeom>
+          <a:noFill/>
+        </p:spPr>
+        <p:txBody>
+          <a:bodyPr wrap="square" rtlCol="0">
+            <a:spAutoFit/>
+          </a:bodyPr>
+          <a:lstStyle/>
+          <a:p>
+            <a:r>
+              <a:rPr lang="fr-CA" sz="1000" dirty="0"/>
+              <a:t>== 1.0</a:t>
+            </a:r>
+            <a:endParaRPr lang="en-CA" sz="1000" dirty="0"/>
+          </a:p>
+        </p:txBody>
+      </p:sp>
+      <p:sp>
+        <p:nvSpPr>
+          <p:cNvPr id="69" name="TextBox 68">
+            <a:extLst>
+              <a:ext uri="{FF2B5EF4-FFF2-40B4-BE49-F238E27FC236}">
+                <a16:creationId xmlns:a16="http://schemas.microsoft.com/office/drawing/2014/main" id="{1A9B88F5-9A8B-B3E8-9EF9-F896B765D0E3}"/>
+              </a:ext>
+            </a:extLst>
+          </p:cNvPr>
+          <p:cNvSpPr txBox="1"/>
+          <p:nvPr/>
+        </p:nvSpPr>
+        <p:spPr>
+          <a:xfrm>
+            <a:off x="2564910" y="1844981"/>
+            <a:ext cx="1238156" cy="246221"/>
+          </a:xfrm>
+          <a:prstGeom prst="rect">
+            <a:avLst/>
+          </a:prstGeom>
+          <a:noFill/>
+        </p:spPr>
+        <p:txBody>
+          <a:bodyPr wrap="square" rtlCol="0">
+            <a:spAutoFit/>
+          </a:bodyPr>
+          <a:lstStyle/>
+          <a:p>
+            <a:r>
+              <a:rPr lang="fr-CA" sz="1000" dirty="0"/>
+              <a:t>NW1 x CNW1</a:t>
+            </a:r>
+            <a:endParaRPr lang="en-CA" sz="1000" dirty="0"/>
+          </a:p>
+        </p:txBody>
+      </p:sp>
+      <p:sp>
+        <p:nvSpPr>
+          <p:cNvPr id="70" name="TextBox 69">
+            <a:extLst>
+              <a:ext uri="{FF2B5EF4-FFF2-40B4-BE49-F238E27FC236}">
+                <a16:creationId xmlns:a16="http://schemas.microsoft.com/office/drawing/2014/main" id="{57108BAD-C2E1-40A0-60A0-B6F042746A77}"/>
+              </a:ext>
+            </a:extLst>
+          </p:cNvPr>
+          <p:cNvSpPr txBox="1"/>
+          <p:nvPr/>
+        </p:nvSpPr>
+        <p:spPr>
+          <a:xfrm>
+            <a:off x="2564910" y="2354787"/>
+            <a:ext cx="1335162" cy="246221"/>
+          </a:xfrm>
+          <a:prstGeom prst="rect">
+            <a:avLst/>
+          </a:prstGeom>
+          <a:noFill/>
+        </p:spPr>
+        <p:txBody>
+          <a:bodyPr wrap="square" rtlCol="0">
+            <a:spAutoFit/>
+          </a:bodyPr>
+          <a:lstStyle/>
+          <a:p>
+            <a:r>
+              <a:rPr lang="fr-CA" sz="1000" dirty="0"/>
+              <a:t>(1 – NW1) x CNW1 </a:t>
+            </a:r>
+            <a:endParaRPr lang="en-CA" sz="1000" dirty="0"/>
+          </a:p>
+        </p:txBody>
+      </p:sp>
+      <p:sp>
+        <p:nvSpPr>
+          <p:cNvPr id="71" name="Rectangle 70">
+            <a:extLst>
+              <a:ext uri="{FF2B5EF4-FFF2-40B4-BE49-F238E27FC236}">
+                <a16:creationId xmlns:a16="http://schemas.microsoft.com/office/drawing/2014/main" id="{9B30B3BD-9878-3C9B-C4A3-4A70E1C0BCAC}"/>
+              </a:ext>
+            </a:extLst>
+          </p:cNvPr>
+          <p:cNvSpPr/>
+          <p:nvPr/>
+        </p:nvSpPr>
+        <p:spPr>
+          <a:xfrm>
+            <a:off x="6698666" y="2803477"/>
+            <a:ext cx="569167" cy="569167"/>
+          </a:xfrm>
+          <a:prstGeom prst="rect">
+            <a:avLst/>
+          </a:prstGeom>
+          <a:solidFill>
+            <a:srgbClr val="00B050"/>
+          </a:solidFill>
+          <a:ln>
+            <a:solidFill>
+              <a:schemeClr val="bg1"/>
+            </a:solidFill>
+          </a:ln>
+        </p:spPr>
+        <p:style>
+          <a:lnRef idx="2">
+            <a:schemeClr val="accent1">
+              <a:shade val="15000"/>
+            </a:schemeClr>
+          </a:lnRef>
+          <a:fillRef idx="1">
+            <a:schemeClr val="accent1"/>
+          </a:fillRef>
+          <a:effectRef idx="0">
+            <a:schemeClr val="accent1"/>
+          </a:effectRef>
+          <a:fontRef idx="minor">
+            <a:schemeClr val="lt1"/>
+          </a:fontRef>
+        </p:style>
+        <p:txBody>
+          <a:bodyPr rtlCol="0" anchor="ctr"/>
+          <a:lstStyle/>
+          <a:p>
+            <a:pPr algn="ctr"/>
+            <a:r>
+              <a:rPr lang="fr-CA" sz="1000" dirty="0"/>
+              <a:t>LP 1</a:t>
+            </a:r>
+            <a:endParaRPr lang="en-CA" sz="1000" dirty="0"/>
+          </a:p>
+        </p:txBody>
+      </p:sp>
+      <p:sp>
+        <p:nvSpPr>
+          <p:cNvPr id="72" name="Rectangle 71">
+            <a:extLst>
+              <a:ext uri="{FF2B5EF4-FFF2-40B4-BE49-F238E27FC236}">
+                <a16:creationId xmlns:a16="http://schemas.microsoft.com/office/drawing/2014/main" id="{AF07A99F-4A6D-9F08-ED07-4B1AEBBA96BC}"/>
+              </a:ext>
+            </a:extLst>
+          </p:cNvPr>
+          <p:cNvSpPr/>
+          <p:nvPr/>
+        </p:nvSpPr>
+        <p:spPr>
+          <a:xfrm>
+            <a:off x="6698666" y="3369675"/>
+            <a:ext cx="569167" cy="569167"/>
+          </a:xfrm>
+          <a:prstGeom prst="rect">
+            <a:avLst/>
+          </a:prstGeom>
+          <a:solidFill>
+            <a:srgbClr val="00B050"/>
+          </a:solidFill>
+          <a:ln>
+            <a:solidFill>
+              <a:schemeClr val="bg1"/>
+            </a:solidFill>
+          </a:ln>
+        </p:spPr>
+        <p:style>
+          <a:lnRef idx="2">
+            <a:schemeClr val="accent1">
+              <a:shade val="15000"/>
+            </a:schemeClr>
+          </a:lnRef>
+          <a:fillRef idx="1">
+            <a:schemeClr val="accent1"/>
+          </a:fillRef>
+          <a:effectRef idx="0">
+            <a:schemeClr val="accent1"/>
+          </a:effectRef>
+          <a:fontRef idx="minor">
+            <a:schemeClr val="lt1"/>
+          </a:fontRef>
+        </p:style>
+        <p:txBody>
+          <a:bodyPr rtlCol="0" anchor="ctr"/>
+          <a:lstStyle/>
+          <a:p>
+            <a:pPr algn="ctr"/>
+            <a:r>
+              <a:rPr lang="fr-CA" sz="1000" dirty="0"/>
+              <a:t>LP 2</a:t>
+            </a:r>
+            <a:endParaRPr lang="en-CA" sz="1000" dirty="0"/>
+          </a:p>
+        </p:txBody>
+      </p:sp>
+      <p:sp>
+        <p:nvSpPr>
+          <p:cNvPr id="73" name="Rectangle 72">
+            <a:extLst>
+              <a:ext uri="{FF2B5EF4-FFF2-40B4-BE49-F238E27FC236}">
+                <a16:creationId xmlns:a16="http://schemas.microsoft.com/office/drawing/2014/main" id="{13285D62-5990-0668-CAEE-A37F449CC4ED}"/>
+              </a:ext>
+            </a:extLst>
+          </p:cNvPr>
+          <p:cNvSpPr/>
+          <p:nvPr/>
+        </p:nvSpPr>
+        <p:spPr>
+          <a:xfrm>
+            <a:off x="6698666" y="3935873"/>
+            <a:ext cx="569167" cy="569167"/>
+          </a:xfrm>
+          <a:prstGeom prst="rect">
+            <a:avLst/>
+          </a:prstGeom>
+          <a:solidFill>
+            <a:srgbClr val="00B050"/>
+          </a:solidFill>
+          <a:ln>
+            <a:solidFill>
+              <a:schemeClr val="bg1"/>
+            </a:solidFill>
+          </a:ln>
+        </p:spPr>
+        <p:style>
+          <a:lnRef idx="2">
+            <a:schemeClr val="accent1">
+              <a:shade val="15000"/>
+            </a:schemeClr>
+          </a:lnRef>
+          <a:fillRef idx="1">
+            <a:schemeClr val="accent1"/>
+          </a:fillRef>
+          <a:effectRef idx="0">
+            <a:schemeClr val="accent1"/>
+          </a:effectRef>
+          <a:fontRef idx="minor">
+            <a:schemeClr val="lt1"/>
+          </a:fontRef>
+        </p:style>
+        <p:txBody>
+          <a:bodyPr rtlCol="0" anchor="ctr"/>
+          <a:lstStyle/>
+          <a:p>
+            <a:pPr algn="ctr"/>
+            <a:r>
+              <a:rPr lang="fr-CA" sz="1000" dirty="0"/>
+              <a:t>LP 3</a:t>
+            </a:r>
+            <a:endParaRPr lang="en-CA" sz="1000" dirty="0"/>
+          </a:p>
+        </p:txBody>
+      </p:sp>
+      <p:sp>
+        <p:nvSpPr>
+          <p:cNvPr id="74" name="Rectangle 73">
+            <a:extLst>
+              <a:ext uri="{FF2B5EF4-FFF2-40B4-BE49-F238E27FC236}">
+                <a16:creationId xmlns:a16="http://schemas.microsoft.com/office/drawing/2014/main" id="{3DD5F4D4-09D8-5ED5-4B4A-FBBBEBC2D09E}"/>
+              </a:ext>
+            </a:extLst>
+          </p:cNvPr>
+          <p:cNvSpPr/>
+          <p:nvPr/>
+        </p:nvSpPr>
+        <p:spPr>
+          <a:xfrm>
+            <a:off x="6698666" y="4505016"/>
+            <a:ext cx="569167" cy="569167"/>
+          </a:xfrm>
+          <a:prstGeom prst="rect">
+            <a:avLst/>
+          </a:prstGeom>
+          <a:solidFill>
+            <a:srgbClr val="00B050"/>
+          </a:solidFill>
+          <a:ln>
+            <a:solidFill>
+              <a:schemeClr val="bg1"/>
+            </a:solidFill>
+          </a:ln>
+        </p:spPr>
+        <p:style>
+          <a:lnRef idx="2">
+            <a:schemeClr val="accent1">
+              <a:shade val="15000"/>
+            </a:schemeClr>
+          </a:lnRef>
+          <a:fillRef idx="1">
+            <a:schemeClr val="accent1"/>
+          </a:fillRef>
+          <a:effectRef idx="0">
+            <a:schemeClr val="accent1"/>
+          </a:effectRef>
+          <a:fontRef idx="minor">
+            <a:schemeClr val="lt1"/>
+          </a:fontRef>
+        </p:style>
+        <p:txBody>
+          <a:bodyPr rtlCol="0" anchor="ctr"/>
+          <a:lstStyle/>
+          <a:p>
+            <a:pPr algn="ctr"/>
+            <a:r>
+              <a:rPr lang="fr-CA" sz="1000" dirty="0"/>
+              <a:t>LP 4</a:t>
+            </a:r>
+            <a:endParaRPr lang="en-CA" sz="1000" dirty="0"/>
+          </a:p>
+        </p:txBody>
+      </p:sp>
+      <p:sp>
+        <p:nvSpPr>
+          <p:cNvPr id="75" name="Right Brace 74">
+            <a:extLst>
+              <a:ext uri="{FF2B5EF4-FFF2-40B4-BE49-F238E27FC236}">
+                <a16:creationId xmlns:a16="http://schemas.microsoft.com/office/drawing/2014/main" id="{75BC0CA3-B8B0-5632-8964-9BEE11435604}"/>
+              </a:ext>
+            </a:extLst>
+          </p:cNvPr>
+          <p:cNvSpPr/>
+          <p:nvPr/>
+        </p:nvSpPr>
+        <p:spPr>
+          <a:xfrm>
+            <a:off x="3543660" y="2803477"/>
+            <a:ext cx="356412" cy="2270706"/>
           </a:xfrm>
           <a:prstGeom prst="rightBrace">
             <a:avLst/>
@@ -11524,10 +13798,10 @@
       </p:sp>
       <p:sp>
         <p:nvSpPr>
-          <p:cNvPr id="30" name="Right Brace 29">
+          <p:cNvPr id="76" name="Double Bracket 75">
             <a:extLst>
               <a:ext uri="{FF2B5EF4-FFF2-40B4-BE49-F238E27FC236}">
-                <a16:creationId xmlns:a16="http://schemas.microsoft.com/office/drawing/2014/main" id="{AB91918C-C06E-8317-9026-2D9DBBBDB7B0}"/>
+                <a16:creationId xmlns:a16="http://schemas.microsoft.com/office/drawing/2014/main" id="{9FFDE93F-A0F7-9BC4-CD2D-F3412CFA7E1C}"/>
               </a:ext>
             </a:extLst>
           </p:cNvPr>
@@ -11535,14 +13809,13 @@
           <p:nvPr/>
         </p:nvSpPr>
         <p:spPr>
-          <a:xfrm flipH="1">
-            <a:off x="1866898" y="1705409"/>
-            <a:ext cx="252530" cy="1137474"/>
+          <a:xfrm>
+            <a:off x="4199605" y="2691318"/>
+            <a:ext cx="1466262" cy="2502329"/>
           </a:xfrm>
-          <a:prstGeom prst="rightBrace">
+          <a:prstGeom prst="bracketPair">
             <a:avLst/>
           </a:prstGeom>
-          <a:noFill/>
           <a:ln w="12700">
             <a:solidFill>
               <a:schemeClr val="tx1"/>
@@ -11574,10 +13847,59 @@
       </p:sp>
       <p:sp>
         <p:nvSpPr>
-          <p:cNvPr id="31" name="TextBox 30">
+          <p:cNvPr id="77" name="Double Bracket 76">
             <a:extLst>
               <a:ext uri="{FF2B5EF4-FFF2-40B4-BE49-F238E27FC236}">
-                <a16:creationId xmlns:a16="http://schemas.microsoft.com/office/drawing/2014/main" id="{CDE28707-6F54-DA17-B5AB-74A84515C540}"/>
+                <a16:creationId xmlns:a16="http://schemas.microsoft.com/office/drawing/2014/main" id="{3312D622-A96C-CF14-BD17-9C1F6BFEE046}"/>
+              </a:ext>
+            </a:extLst>
+          </p:cNvPr>
+          <p:cNvSpPr/>
+          <p:nvPr/>
+        </p:nvSpPr>
+        <p:spPr>
+          <a:xfrm>
+            <a:off x="6250118" y="2691318"/>
+            <a:ext cx="1466262" cy="2502329"/>
+          </a:xfrm>
+          <a:prstGeom prst="bracketPair">
+            <a:avLst/>
+          </a:prstGeom>
+          <a:ln w="12700">
+            <a:solidFill>
+              <a:schemeClr val="tx1"/>
+            </a:solidFill>
+          </a:ln>
+        </p:spPr>
+        <p:style>
+          <a:lnRef idx="1">
+            <a:schemeClr val="accent1"/>
+          </a:lnRef>
+          <a:fillRef idx="0">
+            <a:schemeClr val="accent1"/>
+          </a:fillRef>
+          <a:effectRef idx="0">
+            <a:schemeClr val="accent1"/>
+          </a:effectRef>
+          <a:fontRef idx="minor">
+            <a:schemeClr val="tx1"/>
+          </a:fontRef>
+        </p:style>
+        <p:txBody>
+          <a:bodyPr rtlCol="0" anchor="ctr"/>
+          <a:lstStyle/>
+          <a:p>
+            <a:pPr algn="ctr"/>
+            <a:endParaRPr lang="en-CA"/>
+          </a:p>
+        </p:txBody>
+      </p:sp>
+      <p:sp>
+        <p:nvSpPr>
+          <p:cNvPr id="78" name="TextBox 77">
+            <a:extLst>
+              <a:ext uri="{FF2B5EF4-FFF2-40B4-BE49-F238E27FC236}">
+                <a16:creationId xmlns:a16="http://schemas.microsoft.com/office/drawing/2014/main" id="{AB33388F-2828-A369-49DC-CC4AE1837086}"/>
               </a:ext>
             </a:extLst>
           </p:cNvPr>
@@ -11586,8 +13908,8 @@
         </p:nvSpPr>
         <p:spPr>
           <a:xfrm>
-            <a:off x="1014485" y="2119826"/>
-            <a:ext cx="806281" cy="307777"/>
+            <a:off x="5816730" y="3779015"/>
+            <a:ext cx="282524" cy="307777"/>
           </a:xfrm>
           <a:prstGeom prst="rect">
             <a:avLst/>
@@ -11600,19 +13922,58 @@
           </a:bodyPr>
           <a:lstStyle/>
           <a:p>
-            <a:pPr algn="ctr"/>
+            <a:r>
+              <a:rPr lang="fr-CA" sz="1400" dirty="0"/>
+              <a:t>x</a:t>
+            </a:r>
+            <a:endParaRPr lang="en-CA" sz="1400" dirty="0"/>
+          </a:p>
+        </p:txBody>
+      </p:sp>
+      <p:sp>
+        <p:nvSpPr>
+          <p:cNvPr id="79" name="TextBox 78">
+            <a:extLst>
+              <a:ext uri="{FF2B5EF4-FFF2-40B4-BE49-F238E27FC236}">
+                <a16:creationId xmlns:a16="http://schemas.microsoft.com/office/drawing/2014/main" id="{A2ECDCF2-D5BE-C940-B98A-62C1606FE7BD}"/>
+              </a:ext>
+            </a:extLst>
+          </p:cNvPr>
+          <p:cNvSpPr txBox="1"/>
+          <p:nvPr/>
+        </p:nvSpPr>
+        <p:spPr>
+          <a:xfrm>
+            <a:off x="7867244" y="3779015"/>
+            <a:ext cx="968806" cy="307777"/>
+          </a:xfrm>
+          <a:prstGeom prst="rect">
+            <a:avLst/>
+          </a:prstGeom>
+          <a:noFill/>
+        </p:spPr>
+        <p:txBody>
+          <a:bodyPr wrap="square" rtlCol="0">
+            <a:spAutoFit/>
+          </a:bodyPr>
+          <a:lstStyle/>
+          <a:p>
+            <a:r>
+              <a:rPr lang="fr-CA" sz="1400" dirty="0"/>
+              <a:t>=   </a:t>
+            </a:r>
             <a:r>
               <a:rPr lang="fr-CA" sz="1400" dirty="0" err="1"/>
-              <a:t>sigmoid</a:t>
-            </a:r>
-            <a:endParaRPr lang="en-CA" sz="1400" dirty="0"/>
+              <a:t>pred</a:t>
+            </a:r>
+            <a:endParaRPr lang="fr-CA" sz="1400" dirty="0"/>
           </a:p>
         </p:txBody>
       </p:sp>
     </p:spTree>
     <p:extLst>
       <p:ext uri="{BB962C8B-B14F-4D97-AF65-F5344CB8AC3E}">
-        <p14:creationId xmlns:p14="http://schemas.microsoft.com/office/powerpoint/2010/main" val="486284264"/>
+        <p14:creationId xmlns:p14="http://schemas.microsoft.com/office/powerpoint/2010/main" val="1692434872"/>
       </p:ext>
     </p:extLst>
   </p:cSld>
@@ -11802,71 +14163,21 @@
           <a:lstStyle/>
           <a:p>
             <a:r>
-              <a:rPr lang="fr-CA" sz="3200" dirty="0">
-                <a:latin typeface="Montserrat" panose="00000500000000000000" pitchFamily="2" charset="0"/>
-                <a:ea typeface="Yu Gothic UI Light" panose="020B0300000000000000" pitchFamily="34" charset="-128"/>
-              </a:rPr>
-              <a:t>A</a:t>
-            </a:r>
-            <a:r>
-              <a:rPr lang="en-CA" sz="3200" dirty="0" err="1">
-                <a:latin typeface="Montserrat" panose="00000500000000000000" pitchFamily="2" charset="0"/>
-                <a:ea typeface="Yu Gothic UI Light" panose="020B0300000000000000" pitchFamily="34" charset="-128"/>
-              </a:rPr>
-              <a:t>rchitecture</a:t>
-            </a:r>
-            <a:r>
               <a:rPr lang="en-CA" sz="3200" dirty="0">
                 <a:latin typeface="Montserrat" panose="00000500000000000000" pitchFamily="2" charset="0"/>
                 <a:ea typeface="Yu Gothic UI Light" panose="020B0300000000000000" pitchFamily="34" charset="-128"/>
               </a:rPr>
-              <a:t> – Single Tree</a:t>
-            </a:r>
-          </a:p>
-        </p:txBody>
-      </p:sp>
-      <p:pic>
-        <p:nvPicPr>
-          <p:cNvPr id="4" name="Picture 3">
+              <a:t>Soft Node Weights</a:t>
+            </a:r>
+          </a:p>
+        </p:txBody>
+      </p:sp>
+      <p:sp>
+        <p:nvSpPr>
+          <p:cNvPr id="20" name="TextBox 19">
             <a:extLst>
               <a:ext uri="{FF2B5EF4-FFF2-40B4-BE49-F238E27FC236}">
-                <a16:creationId xmlns:a16="http://schemas.microsoft.com/office/drawing/2014/main" id="{6FE85B0E-8265-EBAC-343E-A5FC7CE80067}"/>
-              </a:ext>
-            </a:extLst>
-          </p:cNvPr>
-          <p:cNvPicPr>
-            <a:picLocks noChangeAspect="1"/>
-          </p:cNvPicPr>
-          <p:nvPr/>
-        </p:nvPicPr>
-        <p:blipFill>
-          <a:blip r:embed="rId8">
-            <a:extLst>
-              <a:ext uri="{28A0092B-C50C-407E-A947-70E740481C1C}">
-                <a14:useLocalDpi xmlns:a14="http://schemas.microsoft.com/office/drawing/2010/main" val="0"/>
-              </a:ext>
-            </a:extLst>
-          </a:blip>
-          <a:stretch>
-            <a:fillRect/>
-          </a:stretch>
-        </p:blipFill>
-        <p:spPr>
-          <a:xfrm>
-            <a:off x="1283685" y="1523848"/>
-            <a:ext cx="6576630" cy="3505504"/>
-          </a:xfrm>
-          <a:prstGeom prst="rect">
-            <a:avLst/>
-          </a:prstGeom>
-        </p:spPr>
-      </p:pic>
-      <p:sp>
-        <p:nvSpPr>
-          <p:cNvPr id="2" name="TextBox 1">
-            <a:extLst>
-              <a:ext uri="{FF2B5EF4-FFF2-40B4-BE49-F238E27FC236}">
-                <a16:creationId xmlns:a16="http://schemas.microsoft.com/office/drawing/2014/main" id="{963B2D20-1C50-206A-83B1-54A0F169B70E}"/>
+                <a16:creationId xmlns:a16="http://schemas.microsoft.com/office/drawing/2014/main" id="{F1B93BB6-B077-E818-97DD-317EA1360D9C}"/>
               </a:ext>
             </a:extLst>
           </p:cNvPr>
@@ -11875,8 +14186,8 @@
         </p:nvSpPr>
         <p:spPr>
           <a:xfrm>
-            <a:off x="281616" y="4953720"/>
-            <a:ext cx="8349094" cy="1415772"/>
+            <a:off x="281616" y="3550334"/>
+            <a:ext cx="8233734" cy="2646878"/>
           </a:xfrm>
           <a:prstGeom prst="rect">
             <a:avLst/>
@@ -11891,7 +14202,7 @@
           <a:p>
             <a:r>
               <a:rPr lang="fr-CA" sz="1600" dirty="0" err="1"/>
-              <a:t>From</a:t>
+              <a:t>Differentiable</a:t>
             </a:r>
             <a:r>
               <a:rPr lang="fr-CA" sz="1600" dirty="0"/>
@@ -11911,184 +14222,76 @@
             </a:r>
             <a:r>
               <a:rPr lang="fr-CA" sz="1600" dirty="0"/>
-              <a:t> to </a:t>
+              <a:t> are </a:t>
             </a:r>
             <a:r>
               <a:rPr lang="fr-CA" sz="1600" dirty="0" err="1"/>
-              <a:t>prediction</a:t>
-            </a:r>
-            <a:endParaRPr lang="fr-CA" sz="1600" dirty="0"/>
-          </a:p>
-          <a:p>
-            <a:pPr marL="342900" indent="-342900">
+              <a:t>derived</a:t>
+            </a:r>
+            <a:r>
+              <a:rPr lang="fr-CA" sz="1600" dirty="0"/>
+              <a:t> by </a:t>
+            </a:r>
+            <a:r>
+              <a:rPr lang="fr-CA" sz="1600" dirty="0" err="1"/>
+              <a:t>emulating</a:t>
+            </a:r>
+            <a:r>
+              <a:rPr lang="fr-CA" sz="1600" dirty="0"/>
+              <a:t> the </a:t>
+            </a:r>
+            <a:r>
+              <a:rPr lang="fr-CA" sz="1600" dirty="0" err="1"/>
+              <a:t>two-steps</a:t>
+            </a:r>
+            <a:r>
+              <a:rPr lang="fr-CA" sz="1600" dirty="0"/>
+              <a:t> </a:t>
+            </a:r>
+            <a:r>
+              <a:rPr lang="fr-CA" sz="1600" dirty="0" err="1"/>
+              <a:t>procedure</a:t>
+            </a:r>
+            <a:r>
+              <a:rPr lang="fr-CA" sz="1600" dirty="0"/>
+              <a:t> </a:t>
+            </a:r>
+            <a:r>
+              <a:rPr lang="fr-CA" sz="1600" dirty="0" err="1"/>
+              <a:t>found</a:t>
+            </a:r>
+            <a:r>
+              <a:rPr lang="fr-CA" sz="1600" dirty="0"/>
+              <a:t> in </a:t>
+            </a:r>
+            <a:r>
+              <a:rPr lang="fr-CA" sz="1600" dirty="0" err="1"/>
+              <a:t>traditionnal</a:t>
+            </a:r>
+            <a:r>
+              <a:rPr lang="fr-CA" sz="1600" dirty="0"/>
+              <a:t> </a:t>
+            </a:r>
+            <a:r>
+              <a:rPr lang="fr-CA" sz="1600" dirty="0" err="1"/>
+              <a:t>trees</a:t>
+            </a:r>
+            <a:r>
+              <a:rPr lang="fr-CA" sz="1600" dirty="0"/>
+              <a:t>:</a:t>
+            </a:r>
+          </a:p>
+          <a:p>
+            <a:endParaRPr lang="en-CA" sz="1600" dirty="0"/>
+          </a:p>
+          <a:p>
+            <a:pPr marL="800100" lvl="1" indent="-342900">
               <a:buFont typeface="+mj-lt"/>
               <a:buAutoNum type="arabicPeriod"/>
             </a:pPr>
             <a:r>
-              <a:rPr lang="fr-CA" sz="1400" dirty="0" err="1"/>
-              <a:t>Cumulate</a:t>
-            </a:r>
-            <a:r>
-              <a:rPr lang="fr-CA" sz="1400" dirty="0"/>
-              <a:t> the </a:t>
-            </a:r>
-            <a:r>
-              <a:rPr lang="fr-CA" sz="1400" dirty="0" err="1"/>
-              <a:t>node</a:t>
-            </a:r>
-            <a:r>
-              <a:rPr lang="fr-CA" sz="1400" dirty="0"/>
-              <a:t> </a:t>
-            </a:r>
-            <a:r>
-              <a:rPr lang="fr-CA" sz="1400" dirty="0" err="1"/>
-              <a:t>weights</a:t>
-            </a:r>
-            <a:r>
-              <a:rPr lang="fr-CA" sz="1400" dirty="0"/>
-              <a:t>. The </a:t>
-            </a:r>
-            <a:r>
-              <a:rPr lang="fr-CA" sz="1400" dirty="0" err="1"/>
-              <a:t>latest</a:t>
-            </a:r>
-            <a:r>
-              <a:rPr lang="fr-CA" sz="1400" dirty="0"/>
-              <a:t> 2^depth </a:t>
-            </a:r>
-            <a:r>
-              <a:rPr lang="fr-CA" sz="1400" dirty="0" err="1"/>
-              <a:t>nodes</a:t>
-            </a:r>
-            <a:r>
-              <a:rPr lang="fr-CA" sz="1400" dirty="0"/>
-              <a:t> are the </a:t>
-            </a:r>
-            <a:r>
-              <a:rPr lang="fr-CA" sz="1400" dirty="0" err="1"/>
-              <a:t>leaf</a:t>
-            </a:r>
-            <a:r>
-              <a:rPr lang="fr-CA" sz="1400" dirty="0"/>
-              <a:t> </a:t>
-            </a:r>
-            <a:r>
-              <a:rPr lang="fr-CA" sz="1400" dirty="0" err="1"/>
-              <a:t>weights</a:t>
-            </a:r>
-            <a:endParaRPr lang="fr-CA" sz="1400" dirty="0"/>
-          </a:p>
-          <a:p>
-            <a:pPr marL="342900" indent="-342900">
-              <a:buFont typeface="+mj-lt"/>
-              <a:buAutoNum type="arabicPeriod"/>
-            </a:pPr>
-            <a:r>
-              <a:rPr lang="fr-CA" sz="1400" dirty="0"/>
-              <a:t>The dot </a:t>
-            </a:r>
-            <a:r>
-              <a:rPr lang="fr-CA" sz="1400" dirty="0" err="1"/>
-              <a:t>product</a:t>
-            </a:r>
-            <a:r>
-              <a:rPr lang="fr-CA" sz="1400" dirty="0"/>
-              <a:t> of the </a:t>
-            </a:r>
-            <a:r>
-              <a:rPr lang="fr-CA" sz="1400" dirty="0" err="1"/>
-              <a:t>leaf</a:t>
-            </a:r>
-            <a:r>
-              <a:rPr lang="fr-CA" sz="1400" dirty="0"/>
-              <a:t> </a:t>
-            </a:r>
-            <a:r>
-              <a:rPr lang="fr-CA" sz="1400" dirty="0" err="1"/>
-              <a:t>weight</a:t>
-            </a:r>
-            <a:r>
-              <a:rPr lang="fr-CA" sz="1400" dirty="0"/>
-              <a:t> and </a:t>
-            </a:r>
-            <a:r>
-              <a:rPr lang="fr-CA" sz="1400" dirty="0" err="1"/>
-              <a:t>leaf</a:t>
-            </a:r>
-            <a:r>
-              <a:rPr lang="fr-CA" sz="1400" dirty="0"/>
-              <a:t> </a:t>
-            </a:r>
-            <a:r>
-              <a:rPr lang="fr-CA" sz="1400" dirty="0" err="1"/>
-              <a:t>predictions</a:t>
-            </a:r>
-            <a:r>
-              <a:rPr lang="fr-CA" sz="1400" dirty="0"/>
-              <a:t> </a:t>
-            </a:r>
-            <a:r>
-              <a:rPr lang="fr-CA" sz="1400" dirty="0" err="1"/>
-              <a:t>results</a:t>
-            </a:r>
-            <a:r>
-              <a:rPr lang="fr-CA" sz="1400" dirty="0"/>
-              <a:t> in the </a:t>
-            </a:r>
-            <a:r>
-              <a:rPr lang="fr-CA" sz="1400" dirty="0" err="1"/>
-              <a:t>tree</a:t>
-            </a:r>
-            <a:r>
-              <a:rPr lang="fr-CA" sz="1400" dirty="0"/>
-              <a:t> </a:t>
-            </a:r>
-            <a:r>
-              <a:rPr lang="fr-CA" sz="1400" dirty="0" err="1"/>
-              <a:t>prediction</a:t>
-            </a:r>
-            <a:endParaRPr lang="fr-CA" sz="1400" dirty="0"/>
-          </a:p>
-          <a:p>
-            <a:pPr marL="800100" lvl="1" indent="-342900">
-              <a:buFont typeface="Arial" panose="020B0604020202020204" pitchFamily="34" charset="0"/>
-              <a:buChar char="•"/>
-            </a:pPr>
-            <a:r>
-              <a:rPr lang="fr-CA" sz="1400" dirty="0"/>
-              <a:t>A single </a:t>
-            </a:r>
-            <a:r>
-              <a:rPr lang="fr-CA" sz="1400" dirty="0" err="1"/>
-              <a:t>leaf</a:t>
-            </a:r>
-            <a:r>
-              <a:rPr lang="fr-CA" sz="1400" dirty="0"/>
-              <a:t> </a:t>
-            </a:r>
-            <a:r>
-              <a:rPr lang="fr-CA" sz="1400" dirty="0" err="1"/>
-              <a:t>prediction</a:t>
-            </a:r>
-            <a:r>
-              <a:rPr lang="fr-CA" sz="1400" dirty="0"/>
-              <a:t> </a:t>
-            </a:r>
-            <a:r>
-              <a:rPr lang="fr-CA" sz="1400" dirty="0" err="1"/>
-              <a:t>is</a:t>
-            </a:r>
-            <a:r>
-              <a:rPr lang="fr-CA" sz="1400" dirty="0"/>
-              <a:t> a </a:t>
-            </a:r>
-            <a:r>
-              <a:rPr lang="fr-CA" sz="1400" dirty="0" err="1"/>
-              <a:t>vector</a:t>
-            </a:r>
-            <a:r>
-              <a:rPr lang="fr-CA" sz="1400" dirty="0"/>
-              <a:t> of values. </a:t>
+              <a:rPr lang="en-CA" sz="1600" dirty="0"/>
+              <a:t>Select a feature</a:t>
             </a:r>
           </a:p>
           <a:p>
@@ -12097,72 +14300,8 @@
               <a:buChar char="•"/>
             </a:pPr>
             <a:r>
-              <a:rPr lang="fr-CA" sz="1400" dirty="0"/>
-              <a:t>For classification, </a:t>
-            </a:r>
-            <a:r>
-              <a:rPr lang="fr-CA" sz="1400" dirty="0" err="1"/>
-              <a:t>it</a:t>
-            </a:r>
-            <a:r>
-              <a:rPr lang="fr-CA" sz="1400" dirty="0"/>
-              <a:t> </a:t>
-            </a:r>
-            <a:r>
-              <a:rPr lang="fr-CA" sz="1400" dirty="0" err="1"/>
-              <a:t>would</a:t>
-            </a:r>
-            <a:r>
-              <a:rPr lang="fr-CA" sz="1400" dirty="0"/>
-              <a:t> </a:t>
-            </a:r>
-            <a:r>
-              <a:rPr lang="fr-CA" sz="1400" dirty="0" err="1"/>
-              <a:t>be</a:t>
-            </a:r>
-            <a:r>
-              <a:rPr lang="fr-CA" sz="1400" dirty="0"/>
-              <a:t> a </a:t>
-            </a:r>
-            <a:r>
-              <a:rPr lang="fr-CA" sz="1400" dirty="0" err="1"/>
-              <a:t>vector</a:t>
-            </a:r>
-            <a:r>
-              <a:rPr lang="fr-CA" sz="1400" dirty="0"/>
-              <a:t> of </a:t>
-            </a:r>
-            <a:r>
-              <a:rPr lang="fr-CA" sz="1400" dirty="0" err="1"/>
-              <a:t>length</a:t>
-            </a:r>
-            <a:r>
-              <a:rPr lang="fr-CA" sz="1400" dirty="0"/>
-              <a:t> K, </a:t>
-            </a:r>
-            <a:r>
-              <a:rPr lang="fr-CA" sz="1400" dirty="0" err="1"/>
-              <a:t>where</a:t>
-            </a:r>
-            <a:r>
-              <a:rPr lang="fr-CA" sz="1400" dirty="0"/>
-              <a:t> K </a:t>
-            </a:r>
-            <a:r>
-              <a:rPr lang="fr-CA" sz="1400" dirty="0" err="1"/>
-              <a:t>is</a:t>
-            </a:r>
-            <a:r>
-              <a:rPr lang="fr-CA" sz="1400" dirty="0"/>
-              <a:t> the </a:t>
-            </a:r>
-            <a:r>
-              <a:rPr lang="fr-CA" sz="1400" dirty="0" err="1"/>
-              <a:t>number</a:t>
-            </a:r>
-            <a:r>
-              <a:rPr lang="fr-CA" sz="1400" dirty="0"/>
-              <a:t> of classes</a:t>
+              <a:rPr lang="en-CA" sz="1400" dirty="0"/>
+              <a:t>dot product of (normalized) features with learnable weights</a:t>
             </a:r>
           </a:p>
           <a:p>
@@ -12171,77 +14310,688 @@
               <a:buChar char="•"/>
             </a:pPr>
             <a:r>
+              <a:rPr lang="en-CA" sz="1400" dirty="0"/>
+              <a:t>Results in a linear reprojection of the features, not a hard single feature selection which wouldn’t be differentiable</a:t>
+            </a:r>
+          </a:p>
+          <a:p>
+            <a:pPr lvl="2"/>
+            <a:endParaRPr lang="en-CA" sz="1600" dirty="0"/>
+          </a:p>
+          <a:p>
+            <a:pPr marL="800100" lvl="1" indent="-342900">
+              <a:buFont typeface="+mj-lt"/>
+              <a:buAutoNum type="arabicPeriod"/>
+            </a:pPr>
+            <a:r>
+              <a:rPr lang="en-CA" sz="1600" dirty="0"/>
+              <a:t>Select a threshold for that feature</a:t>
+            </a:r>
+          </a:p>
+          <a:p>
+            <a:pPr marL="1257300" lvl="2" indent="-342900">
+              <a:buFont typeface="Arial" panose="020B0604020202020204" pitchFamily="34" charset="0"/>
+              <a:buChar char="•"/>
+            </a:pPr>
+            <a:r>
+              <a:rPr lang="en-CA" sz="1400" dirty="0"/>
+              <a:t>Apply a sigmoid activation following the addition of a bias to the above feature reprojection</a:t>
+            </a:r>
+          </a:p>
+          <a:p>
+            <a:pPr marL="1257300" lvl="2" indent="-342900">
+              <a:buFont typeface="Arial" panose="020B0604020202020204" pitchFamily="34" charset="0"/>
+              <a:buChar char="•"/>
+            </a:pPr>
+            <a:endParaRPr lang="en-CA" sz="1400" dirty="0"/>
+          </a:p>
+        </p:txBody>
+      </p:sp>
+      <p:sp>
+        <p:nvSpPr>
+          <p:cNvPr id="4" name="Rectangle 3">
+            <a:extLst>
+              <a:ext uri="{FF2B5EF4-FFF2-40B4-BE49-F238E27FC236}">
+                <a16:creationId xmlns:a16="http://schemas.microsoft.com/office/drawing/2014/main" id="{39F77387-B74A-4201-3D4B-3380BEE99F93}"/>
+              </a:ext>
+            </a:extLst>
+          </p:cNvPr>
+          <p:cNvSpPr/>
+          <p:nvPr/>
+        </p:nvSpPr>
+        <p:spPr>
+          <a:xfrm>
+            <a:off x="3819802" y="1705409"/>
+            <a:ext cx="569167" cy="569167"/>
+          </a:xfrm>
+          <a:prstGeom prst="rect">
+            <a:avLst/>
+          </a:prstGeom>
+          <a:solidFill>
+            <a:srgbClr val="7030A0"/>
+          </a:solidFill>
+          <a:ln>
+            <a:solidFill>
+              <a:schemeClr val="bg1"/>
+            </a:solidFill>
+          </a:ln>
+        </p:spPr>
+        <p:style>
+          <a:lnRef idx="2">
+            <a:schemeClr val="accent1">
+              <a:shade val="15000"/>
+            </a:schemeClr>
+          </a:lnRef>
+          <a:fillRef idx="1">
+            <a:schemeClr val="accent1"/>
+          </a:fillRef>
+          <a:effectRef idx="0">
+            <a:schemeClr val="accent1"/>
+          </a:effectRef>
+          <a:fontRef idx="minor">
+            <a:schemeClr val="lt1"/>
+          </a:fontRef>
+        </p:style>
+        <p:txBody>
+          <a:bodyPr rtlCol="0" anchor="ctr"/>
+          <a:lstStyle/>
+          <a:p>
+            <a:pPr algn="ctr"/>
+            <a:r>
+              <a:rPr lang="fr-CA" sz="1000" dirty="0">
+                <a:solidFill>
+                  <a:schemeClr val="bg1"/>
+                </a:solidFill>
+              </a:rPr>
+              <a:t>Feat 1</a:t>
+            </a:r>
+            <a:endParaRPr lang="en-CA" sz="1000" dirty="0">
+              <a:solidFill>
+                <a:schemeClr val="bg1"/>
+              </a:solidFill>
+            </a:endParaRPr>
+          </a:p>
+        </p:txBody>
+      </p:sp>
+      <p:sp>
+        <p:nvSpPr>
+          <p:cNvPr id="21" name="Rectangle 20">
+            <a:extLst>
+              <a:ext uri="{FF2B5EF4-FFF2-40B4-BE49-F238E27FC236}">
+                <a16:creationId xmlns:a16="http://schemas.microsoft.com/office/drawing/2014/main" id="{2492A4C0-1873-8AFC-EC3F-43EE05D0DD03}"/>
+              </a:ext>
+            </a:extLst>
+          </p:cNvPr>
+          <p:cNvSpPr/>
+          <p:nvPr/>
+        </p:nvSpPr>
+        <p:spPr>
+          <a:xfrm>
+            <a:off x="3819801" y="2273716"/>
+            <a:ext cx="569167" cy="569167"/>
+          </a:xfrm>
+          <a:prstGeom prst="rect">
+            <a:avLst/>
+          </a:prstGeom>
+          <a:solidFill>
+            <a:srgbClr val="7030A0"/>
+          </a:solidFill>
+          <a:ln>
+            <a:solidFill>
+              <a:schemeClr val="bg1"/>
+            </a:solidFill>
+          </a:ln>
+        </p:spPr>
+        <p:style>
+          <a:lnRef idx="2">
+            <a:schemeClr val="accent1">
+              <a:shade val="15000"/>
+            </a:schemeClr>
+          </a:lnRef>
+          <a:fillRef idx="1">
+            <a:schemeClr val="accent1"/>
+          </a:fillRef>
+          <a:effectRef idx="0">
+            <a:schemeClr val="accent1"/>
+          </a:effectRef>
+          <a:fontRef idx="minor">
+            <a:schemeClr val="lt1"/>
+          </a:fontRef>
+        </p:style>
+        <p:txBody>
+          <a:bodyPr rtlCol="0" anchor="ctr"/>
+          <a:lstStyle/>
+          <a:p>
+            <a:pPr algn="ctr"/>
+            <a:r>
+              <a:rPr lang="fr-CA" sz="1000" dirty="0">
+                <a:solidFill>
+                  <a:schemeClr val="bg1"/>
+                </a:solidFill>
+              </a:rPr>
+              <a:t>Feat 2</a:t>
+            </a:r>
+            <a:endParaRPr lang="en-CA" sz="1000" dirty="0">
+              <a:solidFill>
+                <a:schemeClr val="bg1"/>
+              </a:solidFill>
+            </a:endParaRPr>
+          </a:p>
+        </p:txBody>
+      </p:sp>
+      <p:sp>
+        <p:nvSpPr>
+          <p:cNvPr id="22" name="Rectangle 21">
+            <a:extLst>
+              <a:ext uri="{FF2B5EF4-FFF2-40B4-BE49-F238E27FC236}">
+                <a16:creationId xmlns:a16="http://schemas.microsoft.com/office/drawing/2014/main" id="{F8DFC797-2500-356D-B67E-8AC691BF3D7A}"/>
+              </a:ext>
+            </a:extLst>
+          </p:cNvPr>
+          <p:cNvSpPr/>
+          <p:nvPr/>
+        </p:nvSpPr>
+        <p:spPr>
+          <a:xfrm>
+            <a:off x="2161984" y="1989993"/>
+            <a:ext cx="569167" cy="569167"/>
+          </a:xfrm>
+          <a:prstGeom prst="rect">
+            <a:avLst/>
+          </a:prstGeom>
+          <a:solidFill>
+            <a:srgbClr val="023572"/>
+          </a:solidFill>
+          <a:ln>
+            <a:solidFill>
+              <a:schemeClr val="bg1"/>
+            </a:solidFill>
+          </a:ln>
+        </p:spPr>
+        <p:style>
+          <a:lnRef idx="2">
+            <a:schemeClr val="accent1">
+              <a:shade val="15000"/>
+            </a:schemeClr>
+          </a:lnRef>
+          <a:fillRef idx="1">
+            <a:schemeClr val="accent1"/>
+          </a:fillRef>
+          <a:effectRef idx="0">
+            <a:schemeClr val="accent1"/>
+          </a:effectRef>
+          <a:fontRef idx="minor">
+            <a:schemeClr val="lt1"/>
+          </a:fontRef>
+        </p:style>
+        <p:txBody>
+          <a:bodyPr rtlCol="0" anchor="ctr"/>
+          <a:lstStyle/>
+          <a:p>
+            <a:pPr algn="ctr"/>
+            <a:r>
+              <a:rPr lang="fr-CA" sz="1000" dirty="0">
+                <a:solidFill>
+                  <a:schemeClr val="bg1"/>
+                </a:solidFill>
+              </a:rPr>
+              <a:t>W1</a:t>
+            </a:r>
+            <a:endParaRPr lang="en-CA" sz="1000" dirty="0">
+              <a:solidFill>
+                <a:schemeClr val="bg1"/>
+              </a:solidFill>
+            </a:endParaRPr>
+          </a:p>
+        </p:txBody>
+      </p:sp>
+      <p:sp>
+        <p:nvSpPr>
+          <p:cNvPr id="23" name="Rectangle 22">
+            <a:extLst>
+              <a:ext uri="{FF2B5EF4-FFF2-40B4-BE49-F238E27FC236}">
+                <a16:creationId xmlns:a16="http://schemas.microsoft.com/office/drawing/2014/main" id="{C5F00E72-4478-ED85-505E-0B63509AA696}"/>
+              </a:ext>
+            </a:extLst>
+          </p:cNvPr>
+          <p:cNvSpPr/>
+          <p:nvPr/>
+        </p:nvSpPr>
+        <p:spPr>
+          <a:xfrm>
+            <a:off x="2731151" y="1989993"/>
+            <a:ext cx="569167" cy="569167"/>
+          </a:xfrm>
+          <a:prstGeom prst="rect">
+            <a:avLst/>
+          </a:prstGeom>
+          <a:solidFill>
+            <a:srgbClr val="023572"/>
+          </a:solidFill>
+          <a:ln>
+            <a:solidFill>
+              <a:schemeClr val="bg1"/>
+            </a:solidFill>
+          </a:ln>
+        </p:spPr>
+        <p:style>
+          <a:lnRef idx="2">
+            <a:schemeClr val="accent1">
+              <a:shade val="15000"/>
+            </a:schemeClr>
+          </a:lnRef>
+          <a:fillRef idx="1">
+            <a:schemeClr val="accent1"/>
+          </a:fillRef>
+          <a:effectRef idx="0">
+            <a:schemeClr val="accent1"/>
+          </a:effectRef>
+          <a:fontRef idx="minor">
+            <a:schemeClr val="lt1"/>
+          </a:fontRef>
+        </p:style>
+        <p:txBody>
+          <a:bodyPr rtlCol="0" anchor="ctr"/>
+          <a:lstStyle/>
+          <a:p>
+            <a:pPr algn="ctr"/>
+            <a:r>
+              <a:rPr lang="fr-CA" sz="1000" dirty="0">
+                <a:solidFill>
+                  <a:schemeClr val="bg1"/>
+                </a:solidFill>
+              </a:rPr>
+              <a:t>W2</a:t>
+            </a:r>
+            <a:endParaRPr lang="en-CA" sz="1000" dirty="0">
+              <a:solidFill>
+                <a:schemeClr val="bg1"/>
+              </a:solidFill>
+            </a:endParaRPr>
+          </a:p>
+        </p:txBody>
+      </p:sp>
+      <p:sp>
+        <p:nvSpPr>
+          <p:cNvPr id="24" name="TextBox 23">
+            <a:extLst>
+              <a:ext uri="{FF2B5EF4-FFF2-40B4-BE49-F238E27FC236}">
+                <a16:creationId xmlns:a16="http://schemas.microsoft.com/office/drawing/2014/main" id="{AE0A6625-2243-2279-F6A4-A8601DDBA903}"/>
+              </a:ext>
+            </a:extLst>
+          </p:cNvPr>
+          <p:cNvSpPr txBox="1"/>
+          <p:nvPr/>
+        </p:nvSpPr>
+        <p:spPr>
+          <a:xfrm>
+            <a:off x="3418798" y="2119827"/>
+            <a:ext cx="282524" cy="307777"/>
+          </a:xfrm>
+          <a:prstGeom prst="rect">
+            <a:avLst/>
+          </a:prstGeom>
+          <a:noFill/>
+        </p:spPr>
+        <p:txBody>
+          <a:bodyPr wrap="square" rtlCol="0">
+            <a:spAutoFit/>
+          </a:bodyPr>
+          <a:lstStyle/>
+          <a:p>
+            <a:r>
               <a:rPr lang="fr-CA" sz="1400" dirty="0"/>
-              <a:t>For a </a:t>
-            </a:r>
+              <a:t>x</a:t>
+            </a:r>
+            <a:endParaRPr lang="en-CA" sz="1400" dirty="0"/>
+          </a:p>
+        </p:txBody>
+      </p:sp>
+      <p:sp>
+        <p:nvSpPr>
+          <p:cNvPr id="25" name="TextBox 24">
+            <a:extLst>
+              <a:ext uri="{FF2B5EF4-FFF2-40B4-BE49-F238E27FC236}">
+                <a16:creationId xmlns:a16="http://schemas.microsoft.com/office/drawing/2014/main" id="{38F3C7BA-C091-98ED-019C-4573C1C5FE42}"/>
+              </a:ext>
+            </a:extLst>
+          </p:cNvPr>
+          <p:cNvSpPr txBox="1"/>
+          <p:nvPr/>
+        </p:nvSpPr>
+        <p:spPr>
+          <a:xfrm>
+            <a:off x="4507065" y="2119827"/>
+            <a:ext cx="282524" cy="307777"/>
+          </a:xfrm>
+          <a:prstGeom prst="rect">
+            <a:avLst/>
+          </a:prstGeom>
+          <a:noFill/>
+        </p:spPr>
+        <p:txBody>
+          <a:bodyPr wrap="square" rtlCol="0">
+            <a:spAutoFit/>
+          </a:bodyPr>
+          <a:lstStyle/>
+          <a:p>
+            <a:r>
+              <a:rPr lang="fr-CA" sz="1400" dirty="0"/>
+              <a:t>+</a:t>
+            </a:r>
+            <a:endParaRPr lang="en-CA" sz="1400" dirty="0"/>
+          </a:p>
+        </p:txBody>
+      </p:sp>
+      <p:sp>
+        <p:nvSpPr>
+          <p:cNvPr id="26" name="Rectangle 25">
+            <a:extLst>
+              <a:ext uri="{FF2B5EF4-FFF2-40B4-BE49-F238E27FC236}">
+                <a16:creationId xmlns:a16="http://schemas.microsoft.com/office/drawing/2014/main" id="{2B0BB5AA-9133-3C1A-BD57-FB96E29E13E3}"/>
+              </a:ext>
+            </a:extLst>
+          </p:cNvPr>
+          <p:cNvSpPr/>
+          <p:nvPr/>
+        </p:nvSpPr>
+        <p:spPr>
+          <a:xfrm>
+            <a:off x="4853599" y="1989992"/>
+            <a:ext cx="569167" cy="569167"/>
+          </a:xfrm>
+          <a:prstGeom prst="rect">
+            <a:avLst/>
+          </a:prstGeom>
+          <a:solidFill>
+            <a:srgbClr val="DFF3FC"/>
+          </a:solidFill>
+          <a:ln>
+            <a:solidFill>
+              <a:schemeClr val="bg1"/>
+            </a:solidFill>
+          </a:ln>
+        </p:spPr>
+        <p:style>
+          <a:lnRef idx="2">
+            <a:schemeClr val="accent1">
+              <a:shade val="15000"/>
+            </a:schemeClr>
+          </a:lnRef>
+          <a:fillRef idx="1">
+            <a:schemeClr val="accent1"/>
+          </a:fillRef>
+          <a:effectRef idx="0">
+            <a:schemeClr val="accent1"/>
+          </a:effectRef>
+          <a:fontRef idx="minor">
+            <a:schemeClr val="lt1"/>
+          </a:fontRef>
+        </p:style>
+        <p:txBody>
+          <a:bodyPr rtlCol="0" anchor="ctr"/>
+          <a:lstStyle/>
+          <a:p>
+            <a:pPr algn="ctr"/>
+            <a:r>
+              <a:rPr lang="fr-CA" sz="1000" dirty="0" err="1">
+                <a:solidFill>
+                  <a:schemeClr val="tx1"/>
+                </a:solidFill>
+              </a:rPr>
+              <a:t>bias</a:t>
+            </a:r>
+            <a:endParaRPr lang="en-CA" sz="1000" dirty="0">
+              <a:solidFill>
+                <a:schemeClr val="tx1"/>
+              </a:solidFill>
+            </a:endParaRPr>
+          </a:p>
+        </p:txBody>
+      </p:sp>
+      <p:sp>
+        <p:nvSpPr>
+          <p:cNvPr id="27" name="TextBox 26">
+            <a:extLst>
+              <a:ext uri="{FF2B5EF4-FFF2-40B4-BE49-F238E27FC236}">
+                <a16:creationId xmlns:a16="http://schemas.microsoft.com/office/drawing/2014/main" id="{909C1099-2F8C-8A2E-10B4-0636BE4A592C}"/>
+              </a:ext>
+            </a:extLst>
+          </p:cNvPr>
+          <p:cNvSpPr txBox="1"/>
+          <p:nvPr/>
+        </p:nvSpPr>
+        <p:spPr>
+          <a:xfrm>
+            <a:off x="5776327" y="2119825"/>
+            <a:ext cx="282524" cy="307777"/>
+          </a:xfrm>
+          <a:prstGeom prst="rect">
+            <a:avLst/>
+          </a:prstGeom>
+          <a:noFill/>
+        </p:spPr>
+        <p:txBody>
+          <a:bodyPr wrap="square" rtlCol="0">
+            <a:spAutoFit/>
+          </a:bodyPr>
+          <a:lstStyle/>
+          <a:p>
+            <a:r>
+              <a:rPr lang="fr-CA" sz="1400" dirty="0"/>
+              <a:t>=</a:t>
+            </a:r>
+            <a:endParaRPr lang="en-CA" sz="1400" dirty="0"/>
+          </a:p>
+        </p:txBody>
+      </p:sp>
+      <p:sp>
+        <p:nvSpPr>
+          <p:cNvPr id="28" name="Rectangle 27">
+            <a:extLst>
+              <a:ext uri="{FF2B5EF4-FFF2-40B4-BE49-F238E27FC236}">
+                <a16:creationId xmlns:a16="http://schemas.microsoft.com/office/drawing/2014/main" id="{185BCF40-9FE4-8F51-DA71-91C79E8BB38F}"/>
+              </a:ext>
+            </a:extLst>
+          </p:cNvPr>
+          <p:cNvSpPr/>
+          <p:nvPr/>
+        </p:nvSpPr>
+        <p:spPr>
+          <a:xfrm>
+            <a:off x="6122861" y="1989992"/>
+            <a:ext cx="569167" cy="569167"/>
+          </a:xfrm>
+          <a:prstGeom prst="rect">
+            <a:avLst/>
+          </a:prstGeom>
+          <a:solidFill>
+            <a:schemeClr val="bg2"/>
+          </a:solidFill>
+          <a:ln>
+            <a:solidFill>
+              <a:schemeClr val="tx1"/>
+            </a:solidFill>
+          </a:ln>
+        </p:spPr>
+        <p:style>
+          <a:lnRef idx="2">
+            <a:schemeClr val="accent1">
+              <a:shade val="15000"/>
+            </a:schemeClr>
+          </a:lnRef>
+          <a:fillRef idx="1">
+            <a:schemeClr val="accent1"/>
+          </a:fillRef>
+          <a:effectRef idx="0">
+            <a:schemeClr val="accent1"/>
+          </a:effectRef>
+          <a:fontRef idx="minor">
+            <a:schemeClr val="lt1"/>
+          </a:fontRef>
+        </p:style>
+        <p:txBody>
+          <a:bodyPr rtlCol="0" anchor="ctr"/>
+          <a:lstStyle/>
+          <a:p>
+            <a:pPr algn="ctr"/>
+            <a:r>
+              <a:rPr lang="fr-CA" sz="1000" dirty="0">
+                <a:solidFill>
+                  <a:schemeClr val="tx1"/>
+                </a:solidFill>
+              </a:rPr>
+              <a:t>NW</a:t>
+            </a:r>
+            <a:endParaRPr lang="en-CA" sz="1000" dirty="0">
+              <a:solidFill>
+                <a:schemeClr val="tx1"/>
+              </a:solidFill>
+            </a:endParaRPr>
+          </a:p>
+        </p:txBody>
+      </p:sp>
+      <p:sp>
+        <p:nvSpPr>
+          <p:cNvPr id="29" name="Right Brace 28">
+            <a:extLst>
+              <a:ext uri="{FF2B5EF4-FFF2-40B4-BE49-F238E27FC236}">
+                <a16:creationId xmlns:a16="http://schemas.microsoft.com/office/drawing/2014/main" id="{5CBFAD35-0C37-6DB2-8253-08DF8FEF92F8}"/>
+              </a:ext>
+            </a:extLst>
+          </p:cNvPr>
+          <p:cNvSpPr/>
+          <p:nvPr/>
+        </p:nvSpPr>
+        <p:spPr>
+          <a:xfrm>
+            <a:off x="5486776" y="1704977"/>
+            <a:ext cx="225541" cy="1137474"/>
+          </a:xfrm>
+          <a:prstGeom prst="rightBrace">
+            <a:avLst/>
+          </a:prstGeom>
+          <a:noFill/>
+          <a:ln w="12700">
+            <a:solidFill>
+              <a:schemeClr val="tx1"/>
+            </a:solidFill>
+          </a:ln>
+        </p:spPr>
+        <p:style>
+          <a:lnRef idx="1">
+            <a:schemeClr val="accent1"/>
+          </a:lnRef>
+          <a:fillRef idx="0">
+            <a:schemeClr val="accent1"/>
+          </a:fillRef>
+          <a:effectRef idx="0">
+            <a:schemeClr val="accent1"/>
+          </a:effectRef>
+          <a:fontRef idx="minor">
+            <a:schemeClr val="tx1"/>
+          </a:fontRef>
+        </p:style>
+        <p:txBody>
+          <a:bodyPr rtlCol="0" anchor="ctr"/>
+          <a:lstStyle/>
+          <a:p>
+            <a:pPr algn="ctr"/>
+            <a:endParaRPr lang="en-CA"/>
+          </a:p>
+        </p:txBody>
+      </p:sp>
+      <p:sp>
+        <p:nvSpPr>
+          <p:cNvPr id="30" name="Right Brace 29">
+            <a:extLst>
+              <a:ext uri="{FF2B5EF4-FFF2-40B4-BE49-F238E27FC236}">
+                <a16:creationId xmlns:a16="http://schemas.microsoft.com/office/drawing/2014/main" id="{AB91918C-C06E-8317-9026-2D9DBBBDB7B0}"/>
+              </a:ext>
+            </a:extLst>
+          </p:cNvPr>
+          <p:cNvSpPr/>
+          <p:nvPr/>
+        </p:nvSpPr>
+        <p:spPr>
+          <a:xfrm flipH="1">
+            <a:off x="1866898" y="1705409"/>
+            <a:ext cx="252530" cy="1137474"/>
+          </a:xfrm>
+          <a:prstGeom prst="rightBrace">
+            <a:avLst/>
+          </a:prstGeom>
+          <a:noFill/>
+          <a:ln w="12700">
+            <a:solidFill>
+              <a:schemeClr val="tx1"/>
+            </a:solidFill>
+          </a:ln>
+        </p:spPr>
+        <p:style>
+          <a:lnRef idx="1">
+            <a:schemeClr val="accent1"/>
+          </a:lnRef>
+          <a:fillRef idx="0">
+            <a:schemeClr val="accent1"/>
+          </a:fillRef>
+          <a:effectRef idx="0">
+            <a:schemeClr val="accent1"/>
+          </a:effectRef>
+          <a:fontRef idx="minor">
+            <a:schemeClr val="tx1"/>
+          </a:fontRef>
+        </p:style>
+        <p:txBody>
+          <a:bodyPr rtlCol="0" anchor="ctr"/>
+          <a:lstStyle/>
+          <a:p>
+            <a:pPr algn="ctr"/>
+            <a:endParaRPr lang="en-CA"/>
+          </a:p>
+        </p:txBody>
+      </p:sp>
+      <p:sp>
+        <p:nvSpPr>
+          <p:cNvPr id="31" name="TextBox 30">
+            <a:extLst>
+              <a:ext uri="{FF2B5EF4-FFF2-40B4-BE49-F238E27FC236}">
+                <a16:creationId xmlns:a16="http://schemas.microsoft.com/office/drawing/2014/main" id="{CDE28707-6F54-DA17-B5AB-74A84515C540}"/>
+              </a:ext>
+            </a:extLst>
+          </p:cNvPr>
+          <p:cNvSpPr txBox="1"/>
+          <p:nvPr/>
+        </p:nvSpPr>
+        <p:spPr>
+          <a:xfrm>
+            <a:off x="1014485" y="2119826"/>
+            <a:ext cx="806281" cy="307777"/>
+          </a:xfrm>
+          <a:prstGeom prst="rect">
+            <a:avLst/>
+          </a:prstGeom>
+          <a:noFill/>
+        </p:spPr>
+        <p:txBody>
+          <a:bodyPr wrap="square" rtlCol="0">
+            <a:spAutoFit/>
+          </a:bodyPr>
+          <a:lstStyle/>
+          <a:p>
+            <a:pPr algn="ctr"/>
             <a:r>
               <a:rPr lang="fr-CA" sz="1400" dirty="0" err="1"/>
-              <a:t>regression</a:t>
-            </a:r>
-            <a:r>
-              <a:rPr lang="fr-CA" sz="1400" dirty="0"/>
-              <a:t> </a:t>
-            </a:r>
-            <a:r>
-              <a:rPr lang="fr-CA" sz="1400" dirty="0" err="1"/>
-              <a:t>task</a:t>
-            </a:r>
-            <a:r>
-              <a:rPr lang="fr-CA" sz="1400" dirty="0"/>
-              <a:t>, </a:t>
-            </a:r>
-            <a:r>
-              <a:rPr lang="fr-CA" sz="1400" dirty="0" err="1"/>
-              <a:t>it</a:t>
-            </a:r>
-            <a:r>
-              <a:rPr lang="fr-CA" sz="1400" dirty="0"/>
-              <a:t> </a:t>
-            </a:r>
-            <a:r>
-              <a:rPr lang="fr-CA" sz="1400" dirty="0" err="1"/>
-              <a:t>would</a:t>
-            </a:r>
-            <a:r>
-              <a:rPr lang="fr-CA" sz="1400" dirty="0"/>
-              <a:t> </a:t>
-            </a:r>
-            <a:r>
-              <a:rPr lang="fr-CA" sz="1400" dirty="0" err="1"/>
-              <a:t>be</a:t>
-            </a:r>
-            <a:r>
-              <a:rPr lang="fr-CA" sz="1400" dirty="0"/>
-              <a:t> of </a:t>
-            </a:r>
-            <a:r>
-              <a:rPr lang="fr-CA" sz="1400" dirty="0" err="1"/>
-              <a:t>length</a:t>
-            </a:r>
-            <a:r>
-              <a:rPr lang="fr-CA" sz="1400" dirty="0"/>
-              <a:t> 1: single </a:t>
-            </a:r>
-            <a:r>
-              <a:rPr lang="fr-CA" sz="1400" dirty="0" err="1"/>
-              <a:t>regression</a:t>
-            </a:r>
-            <a:r>
-              <a:rPr lang="fr-CA" sz="1400" dirty="0"/>
-              <a:t> </a:t>
-            </a:r>
-            <a:r>
-              <a:rPr lang="fr-CA" sz="1400" dirty="0" err="1"/>
-              <a:t>estimate</a:t>
-            </a:r>
-            <a:endParaRPr lang="fr-CA" sz="1400" dirty="0"/>
+              <a:t>sigmoid</a:t>
+            </a:r>
+            <a:endParaRPr lang="en-CA" sz="1400" dirty="0"/>
           </a:p>
         </p:txBody>
       </p:sp>
     </p:spTree>
     <p:extLst>
       <p:ext uri="{BB962C8B-B14F-4D97-AF65-F5344CB8AC3E}">
-        <p14:creationId xmlns:p14="http://schemas.microsoft.com/office/powerpoint/2010/main" val="1692434872"/>
+        <p14:creationId xmlns:p14="http://schemas.microsoft.com/office/powerpoint/2010/main" val="486284264"/>
       </p:ext>
     </p:extLst>
   </p:cSld>
@@ -12431,39 +15181,11 @@
           <a:lstStyle/>
           <a:p>
             <a:r>
-              <a:rPr lang="fr-CA" sz="3200" dirty="0">
-                <a:latin typeface="Montserrat" panose="00000500000000000000" pitchFamily="2" charset="0"/>
-                <a:ea typeface="Yu Gothic UI Light" panose="020B0300000000000000" pitchFamily="34" charset="-128"/>
-              </a:rPr>
-              <a:t>A</a:t>
-            </a:r>
-            <a:r>
-              <a:rPr lang="en-CA" sz="3200" dirty="0" err="1">
-                <a:latin typeface="Montserrat" panose="00000500000000000000" pitchFamily="2" charset="0"/>
-                <a:ea typeface="Yu Gothic UI Light" panose="020B0300000000000000" pitchFamily="34" charset="-128"/>
-              </a:rPr>
-              <a:t>rchitecture</a:t>
-            </a:r>
-            <a:r>
               <a:rPr lang="en-CA" sz="3200" dirty="0">
                 <a:latin typeface="Montserrat" panose="00000500000000000000" pitchFamily="2" charset="0"/>
                 <a:ea typeface="Yu Gothic UI Light" panose="020B0300000000000000" pitchFamily="34" charset="-128"/>
               </a:rPr>
-              <a:t> – </a:t>
-            </a:r>
-            <a:r>
-              <a:rPr lang="en-CA" sz="3200" dirty="0" err="1">
-                <a:latin typeface="Montserrat" panose="00000500000000000000" pitchFamily="2" charset="0"/>
-                <a:ea typeface="Yu Gothic UI Light" panose="020B0300000000000000" pitchFamily="34" charset="-128"/>
-              </a:rPr>
-              <a:t>NeuroTree</a:t>
-            </a:r>
-            <a:r>
-              <a:rPr lang="en-CA" sz="3200" dirty="0">
-                <a:latin typeface="Montserrat" panose="00000500000000000000" pitchFamily="2" charset="0"/>
-                <a:ea typeface="Yu Gothic UI Light" panose="020B0300000000000000" pitchFamily="34" charset="-128"/>
-              </a:rPr>
-              <a:t> Struct</a:t>
+              <a:t>Multiple-Tree Structure</a:t>
             </a:r>
           </a:p>
         </p:txBody>
@@ -15571,7 +18293,7 @@
                 <a:latin typeface="Montserrat" panose="00000500000000000000" pitchFamily="2" charset="0"/>
                 <a:ea typeface="Yu Gothic UI Light" panose="020B0300000000000000" pitchFamily="34" charset="-128"/>
               </a:rPr>
-              <a:t>Computing node and leaf weights</a:t>
+              <a:t>Computing Node and Leaf Weights</a:t>
             </a:r>
           </a:p>
         </p:txBody>
@@ -17956,25 +20678,988 @@
           <a:lstStyle/>
           <a:p>
             <a:r>
-              <a:rPr lang="fr-CA" sz="3200" dirty="0">
-                <a:latin typeface="Montserrat" panose="00000500000000000000" pitchFamily="2" charset="0"/>
-                <a:ea typeface="Yu Gothic UI Light" panose="020B0300000000000000" pitchFamily="34" charset="-128"/>
-              </a:rPr>
-              <a:t>A</a:t>
-            </a:r>
-            <a:r>
               <a:rPr lang="en-CA" sz="3200" dirty="0" err="1">
                 <a:latin typeface="Montserrat" panose="00000500000000000000" pitchFamily="2" charset="0"/>
                 <a:ea typeface="Yu Gothic UI Light" panose="020B0300000000000000" pitchFamily="34" charset="-128"/>
               </a:rPr>
-              <a:t>rchitecture</a:t>
-            </a:r>
-            <a:r>
-              <a:rPr lang="en-CA" sz="3200" dirty="0">
-                <a:latin typeface="Montserrat" panose="00000500000000000000" pitchFamily="2" charset="0"/>
-                <a:ea typeface="Yu Gothic UI Light" panose="020B0300000000000000" pitchFamily="34" charset="-128"/>
-              </a:rPr>
-              <a:t> – Stack of Trees</a:t>
+              <a:t>NeuroTreeModels.jl</a:t>
+            </a:r>
+            <a:endParaRPr lang="en-CA" sz="3200" dirty="0">
+              <a:latin typeface="Montserrat" panose="00000500000000000000" pitchFamily="2" charset="0"/>
+              <a:ea typeface="Yu Gothic UI Light" panose="020B0300000000000000" pitchFamily="34" charset="-128"/>
+            </a:endParaRPr>
+          </a:p>
+        </p:txBody>
+      </p:sp>
+      <p:sp>
+        <p:nvSpPr>
+          <p:cNvPr id="3" name="TextBox 2">
+            <a:extLst>
+              <a:ext uri="{FF2B5EF4-FFF2-40B4-BE49-F238E27FC236}">
+                <a16:creationId xmlns:a16="http://schemas.microsoft.com/office/drawing/2014/main" id="{ABF54CFB-0C95-3736-E5FA-00BA87FACA12}"/>
+              </a:ext>
+            </a:extLst>
+          </p:cNvPr>
+          <p:cNvSpPr txBox="1"/>
+          <p:nvPr/>
+        </p:nvSpPr>
+        <p:spPr>
+          <a:xfrm>
+            <a:off x="281616" y="1241362"/>
+            <a:ext cx="8284029" cy="369332"/>
+          </a:xfrm>
+          <a:prstGeom prst="rect">
+            <a:avLst/>
+          </a:prstGeom>
+          <a:noFill/>
+        </p:spPr>
+        <p:txBody>
+          <a:bodyPr wrap="square">
+            <a:spAutoFit/>
+          </a:bodyPr>
+          <a:lstStyle/>
+          <a:p>
+            <a:r>
+              <a:rPr lang="fr-CA" dirty="0" err="1">
+                <a:latin typeface="Montserrat Light" panose="00000400000000000000" pitchFamily="2" charset="0"/>
+              </a:rPr>
+              <a:t>Recipes</a:t>
+            </a:r>
+            <a:r>
+              <a:rPr lang="fr-CA" dirty="0">
+                <a:latin typeface="Montserrat Light" panose="00000400000000000000" pitchFamily="2" charset="0"/>
+              </a:rPr>
+              <a:t> to </a:t>
+            </a:r>
+            <a:r>
+              <a:rPr lang="fr-CA" dirty="0" err="1">
+                <a:latin typeface="Montserrat Light" panose="00000400000000000000" pitchFamily="2" charset="0"/>
+              </a:rPr>
+              <a:t>build</a:t>
+            </a:r>
+            <a:r>
+              <a:rPr lang="fr-CA" dirty="0">
+                <a:latin typeface="Montserrat Light" panose="00000400000000000000" pitchFamily="2" charset="0"/>
+              </a:rPr>
+              <a:t> (Flux) </a:t>
+            </a:r>
+            <a:r>
+              <a:rPr lang="fr-CA" dirty="0" err="1">
+                <a:latin typeface="Montserrat Light" panose="00000400000000000000" pitchFamily="2" charset="0"/>
+              </a:rPr>
+              <a:t>models</a:t>
+            </a:r>
+            <a:r>
+              <a:rPr lang="fr-CA" dirty="0">
+                <a:latin typeface="Montserrat Light" panose="00000400000000000000" pitchFamily="2" charset="0"/>
+              </a:rPr>
+              <a:t> </a:t>
+            </a:r>
+            <a:r>
+              <a:rPr lang="fr-CA" dirty="0" err="1">
+                <a:latin typeface="Montserrat Light" panose="00000400000000000000" pitchFamily="2" charset="0"/>
+              </a:rPr>
+              <a:t>with</a:t>
+            </a:r>
+            <a:r>
+              <a:rPr lang="fr-CA" dirty="0">
+                <a:latin typeface="Montserrat Light" panose="00000400000000000000" pitchFamily="2" charset="0"/>
+              </a:rPr>
+              <a:t> </a:t>
+            </a:r>
+            <a:r>
+              <a:rPr lang="fr-CA" dirty="0" err="1">
+                <a:latin typeface="Montserrat Light" panose="00000400000000000000" pitchFamily="2" charset="0"/>
+              </a:rPr>
+              <a:t>NeuroTree</a:t>
+            </a:r>
+            <a:r>
+              <a:rPr lang="fr-CA" dirty="0">
+                <a:latin typeface="Montserrat Light" panose="00000400000000000000" pitchFamily="2" charset="0"/>
+              </a:rPr>
+              <a:t> </a:t>
+            </a:r>
+            <a:r>
+              <a:rPr lang="fr-CA" dirty="0" err="1">
+                <a:latin typeface="Montserrat Light" panose="00000400000000000000" pitchFamily="2" charset="0"/>
+              </a:rPr>
+              <a:t>operator</a:t>
+            </a:r>
+            <a:r>
+              <a:rPr lang="fr-CA" dirty="0">
+                <a:latin typeface="Montserrat Light" panose="00000400000000000000" pitchFamily="2" charset="0"/>
+              </a:rPr>
+              <a:t>:</a:t>
+            </a:r>
+          </a:p>
+        </p:txBody>
+      </p:sp>
+      <p:sp>
+        <p:nvSpPr>
+          <p:cNvPr id="2" name="TextBox 1">
+            <a:extLst>
+              <a:ext uri="{FF2B5EF4-FFF2-40B4-BE49-F238E27FC236}">
+                <a16:creationId xmlns:a16="http://schemas.microsoft.com/office/drawing/2014/main" id="{B1D90F84-F859-5674-2E92-45F224A36E2B}"/>
+              </a:ext>
+            </a:extLst>
+          </p:cNvPr>
+          <p:cNvSpPr txBox="1"/>
+          <p:nvPr/>
+        </p:nvSpPr>
+        <p:spPr>
+          <a:xfrm>
+            <a:off x="281615" y="1706524"/>
+            <a:ext cx="8284029" cy="3754874"/>
+          </a:xfrm>
+          <a:prstGeom prst="rect">
+            <a:avLst/>
+          </a:prstGeom>
+          <a:solidFill>
+            <a:srgbClr val="282C34"/>
+          </a:solidFill>
+        </p:spPr>
+        <p:txBody>
+          <a:bodyPr wrap="square">
+            <a:spAutoFit/>
+          </a:bodyPr>
+          <a:lstStyle/>
+          <a:p>
+            <a:endParaRPr lang="en-CA" sz="1400" b="0" dirty="0">
+              <a:solidFill>
+                <a:srgbClr val="ABB2BF"/>
+              </a:solidFill>
+              <a:effectLst/>
+              <a:highlight>
+                <a:srgbClr val="282C34"/>
+              </a:highlight>
+              <a:latin typeface="Consolas" panose="020B0609020204030204" pitchFamily="49" charset="0"/>
+            </a:endParaRPr>
+          </a:p>
+          <a:p>
+            <a:r>
+              <a:rPr lang="en-CA" sz="1400" b="0" dirty="0">
+                <a:solidFill>
+                  <a:srgbClr val="ABB2BF"/>
+                </a:solidFill>
+                <a:effectLst/>
+                <a:highlight>
+                  <a:srgbClr val="282C34"/>
+                </a:highlight>
+                <a:latin typeface="Consolas" panose="020B0609020204030204" pitchFamily="49" charset="0"/>
+              </a:rPr>
+              <a:t>chain = </a:t>
+            </a:r>
+          </a:p>
+          <a:p>
+            <a:r>
+              <a:rPr lang="en-CA" sz="1400" dirty="0">
+                <a:solidFill>
+                  <a:srgbClr val="ABB2BF"/>
+                </a:solidFill>
+                <a:highlight>
+                  <a:srgbClr val="282C34"/>
+                </a:highlight>
+                <a:latin typeface="Consolas" panose="020B0609020204030204" pitchFamily="49" charset="0"/>
+              </a:rPr>
+              <a:t>	</a:t>
+            </a:r>
+            <a:r>
+              <a:rPr lang="en-CA" sz="1400" b="0" dirty="0">
+                <a:solidFill>
+                  <a:srgbClr val="56B6C2"/>
+                </a:solidFill>
+                <a:effectLst/>
+                <a:highlight>
+                  <a:srgbClr val="282C34"/>
+                </a:highlight>
+                <a:latin typeface="Consolas" panose="020B0609020204030204" pitchFamily="49" charset="0"/>
+              </a:rPr>
+              <a:t>Chain</a:t>
+            </a:r>
+            <a:r>
+              <a:rPr lang="en-CA" sz="1400" b="0" dirty="0">
+                <a:solidFill>
+                  <a:srgbClr val="ABB2BF"/>
+                </a:solidFill>
+                <a:effectLst/>
+                <a:highlight>
+                  <a:srgbClr val="282C34"/>
+                </a:highlight>
+                <a:latin typeface="Consolas" panose="020B0609020204030204" pitchFamily="49" charset="0"/>
+              </a:rPr>
+              <a:t>(</a:t>
+            </a:r>
+          </a:p>
+          <a:p>
+            <a:r>
+              <a:rPr lang="en-CA" sz="1400" b="0" dirty="0">
+                <a:solidFill>
+                  <a:srgbClr val="56B6C2"/>
+                </a:solidFill>
+                <a:effectLst/>
+                <a:highlight>
+                  <a:srgbClr val="282C34"/>
+                </a:highlight>
+                <a:latin typeface="Consolas" panose="020B0609020204030204" pitchFamily="49" charset="0"/>
+              </a:rPr>
+              <a:t>		</a:t>
+            </a:r>
+            <a:r>
+              <a:rPr lang="en-CA" sz="1400" b="0" dirty="0" err="1">
+                <a:solidFill>
+                  <a:srgbClr val="56B6C2"/>
+                </a:solidFill>
+                <a:effectLst/>
+                <a:highlight>
+                  <a:srgbClr val="282C34"/>
+                </a:highlight>
+                <a:latin typeface="Consolas" panose="020B0609020204030204" pitchFamily="49" charset="0"/>
+              </a:rPr>
+              <a:t>BatchNorm</a:t>
+            </a:r>
+            <a:r>
+              <a:rPr lang="en-CA" sz="1400" b="0" dirty="0">
+                <a:solidFill>
+                  <a:srgbClr val="ABB2BF"/>
+                </a:solidFill>
+                <a:effectLst/>
+                <a:highlight>
+                  <a:srgbClr val="282C34"/>
+                </a:highlight>
+                <a:latin typeface="Consolas" panose="020B0609020204030204" pitchFamily="49" charset="0"/>
+              </a:rPr>
+              <a:t>(</a:t>
+            </a:r>
+            <a:r>
+              <a:rPr lang="en-CA" sz="1400" b="0" dirty="0" err="1">
+                <a:solidFill>
+                  <a:srgbClr val="ABB2BF"/>
+                </a:solidFill>
+                <a:effectLst/>
+                <a:highlight>
+                  <a:srgbClr val="282C34"/>
+                </a:highlight>
+                <a:latin typeface="Consolas" panose="020B0609020204030204" pitchFamily="49" charset="0"/>
+              </a:rPr>
+              <a:t>nfeats</a:t>
+            </a:r>
+            <a:r>
+              <a:rPr lang="en-CA" sz="1400" b="0" dirty="0">
+                <a:solidFill>
+                  <a:srgbClr val="ABB2BF"/>
+                </a:solidFill>
+                <a:effectLst/>
+                <a:highlight>
+                  <a:srgbClr val="282C34"/>
+                </a:highlight>
+                <a:latin typeface="Consolas" panose="020B0609020204030204" pitchFamily="49" charset="0"/>
+              </a:rPr>
+              <a:t>),</a:t>
+            </a:r>
+          </a:p>
+          <a:p>
+            <a:r>
+              <a:rPr lang="en-CA" sz="1400" b="0" dirty="0">
+                <a:solidFill>
+                  <a:srgbClr val="ABB2BF"/>
+                </a:solidFill>
+                <a:effectLst/>
+                <a:highlight>
+                  <a:srgbClr val="282C34"/>
+                </a:highlight>
+                <a:latin typeface="Consolas" panose="020B0609020204030204" pitchFamily="49" charset="0"/>
+              </a:rPr>
+              <a:t>      	</a:t>
+            </a:r>
+            <a:r>
+              <a:rPr lang="en-CA" sz="1400" b="0" dirty="0" err="1">
+                <a:solidFill>
+                  <a:srgbClr val="56B6C2"/>
+                </a:solidFill>
+                <a:effectLst/>
+                <a:highlight>
+                  <a:srgbClr val="282C34"/>
+                </a:highlight>
+                <a:latin typeface="Consolas" panose="020B0609020204030204" pitchFamily="49" charset="0"/>
+              </a:rPr>
+              <a:t>NeuroTree</a:t>
+            </a:r>
+            <a:r>
+              <a:rPr lang="en-CA" sz="1400" b="0" dirty="0">
+                <a:solidFill>
+                  <a:srgbClr val="ABB2BF"/>
+                </a:solidFill>
+                <a:effectLst/>
+                <a:highlight>
+                  <a:srgbClr val="282C34"/>
+                </a:highlight>
+                <a:latin typeface="Consolas" panose="020B0609020204030204" pitchFamily="49" charset="0"/>
+              </a:rPr>
+              <a:t>(</a:t>
+            </a:r>
+            <a:r>
+              <a:rPr lang="en-CA" sz="1400" b="0" dirty="0" err="1">
+                <a:solidFill>
+                  <a:srgbClr val="ABB2BF"/>
+                </a:solidFill>
+                <a:effectLst/>
+                <a:highlight>
+                  <a:srgbClr val="282C34"/>
+                </a:highlight>
+                <a:latin typeface="Consolas" panose="020B0609020204030204" pitchFamily="49" charset="0"/>
+              </a:rPr>
+              <a:t>nfeats</a:t>
+            </a:r>
+            <a:r>
+              <a:rPr lang="en-CA" sz="1400" b="0" dirty="0">
+                <a:solidFill>
+                  <a:srgbClr val="ABB2BF"/>
+                </a:solidFill>
+                <a:effectLst/>
+                <a:highlight>
+                  <a:srgbClr val="282C34"/>
+                </a:highlight>
+                <a:latin typeface="Consolas" panose="020B0609020204030204" pitchFamily="49" charset="0"/>
+              </a:rPr>
+              <a:t> =&gt; outsize; depth=</a:t>
+            </a:r>
+            <a:r>
+              <a:rPr lang="en-CA" sz="1400" b="0" dirty="0" err="1">
+                <a:solidFill>
+                  <a:srgbClr val="ABB2BF"/>
+                </a:solidFill>
+                <a:effectLst/>
+                <a:highlight>
+                  <a:srgbClr val="282C34"/>
+                </a:highlight>
+                <a:latin typeface="Consolas" panose="020B0609020204030204" pitchFamily="49" charset="0"/>
+              </a:rPr>
+              <a:t>config.depth</a:t>
+            </a:r>
+            <a:r>
+              <a:rPr lang="en-CA" sz="1400" b="0" dirty="0">
+                <a:solidFill>
+                  <a:srgbClr val="ABB2BF"/>
+                </a:solidFill>
+                <a:effectLst/>
+                <a:highlight>
+                  <a:srgbClr val="282C34"/>
+                </a:highlight>
+                <a:latin typeface="Consolas" panose="020B0609020204030204" pitchFamily="49" charset="0"/>
+              </a:rPr>
+              <a:t>, </a:t>
+            </a:r>
+            <a:r>
+              <a:rPr lang="en-CA" sz="1400" b="0" dirty="0" err="1">
+                <a:solidFill>
+                  <a:srgbClr val="ABB2BF"/>
+                </a:solidFill>
+                <a:effectLst/>
+                <a:highlight>
+                  <a:srgbClr val="282C34"/>
+                </a:highlight>
+                <a:latin typeface="Consolas" panose="020B0609020204030204" pitchFamily="49" charset="0"/>
+              </a:rPr>
+              <a:t>ntrees</a:t>
+            </a:r>
+            <a:r>
+              <a:rPr lang="en-CA" sz="1400" b="0" dirty="0">
+                <a:solidFill>
+                  <a:srgbClr val="ABB2BF"/>
+                </a:solidFill>
+                <a:effectLst/>
+                <a:highlight>
+                  <a:srgbClr val="282C34"/>
+                </a:highlight>
+                <a:latin typeface="Consolas" panose="020B0609020204030204" pitchFamily="49" charset="0"/>
+              </a:rPr>
+              <a:t>=</a:t>
+            </a:r>
+            <a:r>
+              <a:rPr lang="en-CA" sz="1400" b="0" dirty="0" err="1">
+                <a:solidFill>
+                  <a:srgbClr val="ABB2BF"/>
+                </a:solidFill>
+                <a:effectLst/>
+                <a:highlight>
+                  <a:srgbClr val="282C34"/>
+                </a:highlight>
+                <a:latin typeface="Consolas" panose="020B0609020204030204" pitchFamily="49" charset="0"/>
+              </a:rPr>
+              <a:t>config.ntrees</a:t>
+            </a:r>
+            <a:r>
+              <a:rPr lang="en-CA" sz="1400" b="0" dirty="0">
+                <a:solidFill>
+                  <a:srgbClr val="ABB2BF"/>
+                </a:solidFill>
+                <a:effectLst/>
+                <a:highlight>
+                  <a:srgbClr val="282C34"/>
+                </a:highlight>
+                <a:latin typeface="Consolas" panose="020B0609020204030204" pitchFamily="49" charset="0"/>
+              </a:rPr>
+              <a:t>),</a:t>
+            </a:r>
+            <a:endParaRPr lang="en-CA" sz="1400" dirty="0">
+              <a:solidFill>
+                <a:srgbClr val="ABB2BF"/>
+              </a:solidFill>
+              <a:highlight>
+                <a:srgbClr val="282C34"/>
+              </a:highlight>
+              <a:latin typeface="Consolas" panose="020B0609020204030204" pitchFamily="49" charset="0"/>
+            </a:endParaRPr>
+          </a:p>
+          <a:p>
+            <a:r>
+              <a:rPr lang="en-CA" sz="1400" b="0" dirty="0">
+                <a:solidFill>
+                  <a:srgbClr val="ABB2BF"/>
+                </a:solidFill>
+                <a:effectLst/>
+                <a:highlight>
+                  <a:srgbClr val="282C34"/>
+                </a:highlight>
+                <a:latin typeface="Consolas" panose="020B0609020204030204" pitchFamily="49" charset="0"/>
+              </a:rPr>
+              <a:t>		</a:t>
+            </a:r>
+            <a:r>
+              <a:rPr lang="en-CA" sz="1400" b="0" dirty="0">
+                <a:solidFill>
+                  <a:srgbClr val="56B6C2"/>
+                </a:solidFill>
+                <a:effectLst/>
+                <a:highlight>
+                  <a:srgbClr val="282C34"/>
+                </a:highlight>
+                <a:latin typeface="Consolas" panose="020B0609020204030204" pitchFamily="49" charset="0"/>
+              </a:rPr>
+              <a:t>Dense</a:t>
+            </a:r>
+            <a:r>
+              <a:rPr lang="en-CA" sz="1400" b="0" dirty="0">
+                <a:solidFill>
+                  <a:srgbClr val="ABB2BF"/>
+                </a:solidFill>
+                <a:effectLst/>
+                <a:highlight>
+                  <a:srgbClr val="282C34"/>
+                </a:highlight>
+                <a:latin typeface="Consolas" panose="020B0609020204030204" pitchFamily="49" charset="0"/>
+              </a:rPr>
+              <a:t>(</a:t>
+            </a:r>
+            <a:r>
+              <a:rPr lang="en-CA" sz="1400" b="0" dirty="0" err="1">
+                <a:solidFill>
+                  <a:srgbClr val="ABB2BF"/>
+                </a:solidFill>
+                <a:effectLst/>
+                <a:highlight>
+                  <a:srgbClr val="282C34"/>
+                </a:highlight>
+                <a:latin typeface="Consolas" panose="020B0609020204030204" pitchFamily="49" charset="0"/>
+              </a:rPr>
+              <a:t>nfeats</a:t>
+            </a:r>
+            <a:r>
+              <a:rPr lang="en-CA" sz="1400" b="0" dirty="0">
+                <a:solidFill>
+                  <a:srgbClr val="ABB2BF"/>
+                </a:solidFill>
+                <a:effectLst/>
+                <a:highlight>
+                  <a:srgbClr val="282C34"/>
+                </a:highlight>
+                <a:latin typeface="Consolas" panose="020B0609020204030204" pitchFamily="49" charset="0"/>
+              </a:rPr>
+              <a:t> =&gt; outsize)</a:t>
+            </a:r>
+          </a:p>
+          <a:p>
+            <a:r>
+              <a:rPr lang="en-CA" sz="1400" b="0" dirty="0">
+                <a:solidFill>
+                  <a:srgbClr val="ABB2BF"/>
+                </a:solidFill>
+                <a:effectLst/>
+                <a:highlight>
+                  <a:srgbClr val="282C34"/>
+                </a:highlight>
+                <a:latin typeface="Consolas" panose="020B0609020204030204" pitchFamily="49" charset="0"/>
+              </a:rPr>
+              <a:t>	)</a:t>
+            </a:r>
+          </a:p>
+          <a:p>
+            <a:endParaRPr lang="en-CA" sz="1400" b="0" dirty="0">
+              <a:solidFill>
+                <a:srgbClr val="ABB2BF"/>
+              </a:solidFill>
+              <a:effectLst/>
+              <a:highlight>
+                <a:srgbClr val="282C34"/>
+              </a:highlight>
+              <a:latin typeface="Consolas" panose="020B0609020204030204" pitchFamily="49" charset="0"/>
+            </a:endParaRPr>
+          </a:p>
+          <a:p>
+            <a:r>
+              <a:rPr lang="en-CA" sz="1400" b="0" dirty="0">
+                <a:solidFill>
+                  <a:srgbClr val="ABB2BF"/>
+                </a:solidFill>
+                <a:effectLst/>
+                <a:highlight>
+                  <a:srgbClr val="282C34"/>
+                </a:highlight>
+                <a:latin typeface="Consolas" panose="020B0609020204030204" pitchFamily="49" charset="0"/>
+              </a:rPr>
+              <a:t>chain = </a:t>
+            </a:r>
+          </a:p>
+          <a:p>
+            <a:r>
+              <a:rPr lang="en-CA" sz="1400" dirty="0">
+                <a:solidFill>
+                  <a:srgbClr val="ABB2BF"/>
+                </a:solidFill>
+                <a:highlight>
+                  <a:srgbClr val="282C34"/>
+                </a:highlight>
+                <a:latin typeface="Consolas" panose="020B0609020204030204" pitchFamily="49" charset="0"/>
+              </a:rPr>
+              <a:t>	</a:t>
+            </a:r>
+            <a:r>
+              <a:rPr lang="en-CA" sz="1400" b="0" dirty="0">
+                <a:solidFill>
+                  <a:srgbClr val="56B6C2"/>
+                </a:solidFill>
+                <a:effectLst/>
+                <a:highlight>
+                  <a:srgbClr val="282C34"/>
+                </a:highlight>
+                <a:latin typeface="Consolas" panose="020B0609020204030204" pitchFamily="49" charset="0"/>
+              </a:rPr>
+              <a:t>Chain</a:t>
+            </a:r>
+            <a:r>
+              <a:rPr lang="en-CA" sz="1400" b="0" dirty="0">
+                <a:solidFill>
+                  <a:srgbClr val="ABB2BF"/>
+                </a:solidFill>
+                <a:effectLst/>
+                <a:highlight>
+                  <a:srgbClr val="282C34"/>
+                </a:highlight>
+                <a:latin typeface="Consolas" panose="020B0609020204030204" pitchFamily="49" charset="0"/>
+              </a:rPr>
+              <a:t>(</a:t>
+            </a:r>
+          </a:p>
+          <a:p>
+            <a:r>
+              <a:rPr lang="en-CA" sz="1400" b="0" dirty="0">
+                <a:solidFill>
+                  <a:srgbClr val="56B6C2"/>
+                </a:solidFill>
+                <a:effectLst/>
+                <a:highlight>
+                  <a:srgbClr val="282C34"/>
+                </a:highlight>
+                <a:latin typeface="Consolas" panose="020B0609020204030204" pitchFamily="49" charset="0"/>
+              </a:rPr>
+              <a:t>		</a:t>
+            </a:r>
+            <a:r>
+              <a:rPr lang="en-CA" sz="1400" b="0" dirty="0" err="1">
+                <a:solidFill>
+                  <a:srgbClr val="56B6C2"/>
+                </a:solidFill>
+                <a:effectLst/>
+                <a:highlight>
+                  <a:srgbClr val="282C34"/>
+                </a:highlight>
+                <a:latin typeface="Consolas" panose="020B0609020204030204" pitchFamily="49" charset="0"/>
+              </a:rPr>
+              <a:t>BatchNorm</a:t>
+            </a:r>
+            <a:r>
+              <a:rPr lang="en-CA" sz="1400" b="0" dirty="0">
+                <a:solidFill>
+                  <a:srgbClr val="ABB2BF"/>
+                </a:solidFill>
+                <a:effectLst/>
+                <a:highlight>
+                  <a:srgbClr val="282C34"/>
+                </a:highlight>
+                <a:latin typeface="Consolas" panose="020B0609020204030204" pitchFamily="49" charset="0"/>
+              </a:rPr>
+              <a:t>(</a:t>
+            </a:r>
+            <a:r>
+              <a:rPr lang="en-CA" sz="1400" b="0" dirty="0" err="1">
+                <a:solidFill>
+                  <a:srgbClr val="ABB2BF"/>
+                </a:solidFill>
+                <a:effectLst/>
+                <a:highlight>
+                  <a:srgbClr val="282C34"/>
+                </a:highlight>
+                <a:latin typeface="Consolas" panose="020B0609020204030204" pitchFamily="49" charset="0"/>
+              </a:rPr>
+              <a:t>nfeats</a:t>
+            </a:r>
+            <a:r>
+              <a:rPr lang="en-CA" sz="1400" b="0" dirty="0">
+                <a:solidFill>
+                  <a:srgbClr val="ABB2BF"/>
+                </a:solidFill>
+                <a:effectLst/>
+                <a:highlight>
+                  <a:srgbClr val="282C34"/>
+                </a:highlight>
+                <a:latin typeface="Consolas" panose="020B0609020204030204" pitchFamily="49" charset="0"/>
+              </a:rPr>
+              <a:t>),</a:t>
+            </a:r>
+          </a:p>
+          <a:p>
+            <a:r>
+              <a:rPr lang="en-CA" sz="1400" b="0" dirty="0">
+                <a:solidFill>
+                  <a:srgbClr val="ABB2BF"/>
+                </a:solidFill>
+                <a:effectLst/>
+                <a:highlight>
+                  <a:srgbClr val="282C34"/>
+                </a:highlight>
+                <a:latin typeface="Consolas" panose="020B0609020204030204" pitchFamily="49" charset="0"/>
+              </a:rPr>
+              <a:t>      	</a:t>
+            </a:r>
+            <a:r>
+              <a:rPr lang="en-CA" sz="1400" b="0" dirty="0" err="1">
+                <a:solidFill>
+                  <a:srgbClr val="56B6C2"/>
+                </a:solidFill>
+                <a:effectLst/>
+                <a:highlight>
+                  <a:srgbClr val="282C34"/>
+                </a:highlight>
+                <a:latin typeface="Consolas" panose="020B0609020204030204" pitchFamily="49" charset="0"/>
+              </a:rPr>
+              <a:t>NeuroTree</a:t>
+            </a:r>
+            <a:r>
+              <a:rPr lang="en-CA" sz="1400" b="0" dirty="0">
+                <a:solidFill>
+                  <a:srgbClr val="ABB2BF"/>
+                </a:solidFill>
+                <a:effectLst/>
+                <a:highlight>
+                  <a:srgbClr val="282C34"/>
+                </a:highlight>
+                <a:latin typeface="Consolas" panose="020B0609020204030204" pitchFamily="49" charset="0"/>
+              </a:rPr>
+              <a:t>(</a:t>
+            </a:r>
+            <a:r>
+              <a:rPr lang="en-CA" sz="1400" b="0" dirty="0" err="1">
+                <a:solidFill>
+                  <a:srgbClr val="ABB2BF"/>
+                </a:solidFill>
+                <a:effectLst/>
+                <a:highlight>
+                  <a:srgbClr val="282C34"/>
+                </a:highlight>
+                <a:latin typeface="Consolas" panose="020B0609020204030204" pitchFamily="49" charset="0"/>
+              </a:rPr>
+              <a:t>nfeats</a:t>
+            </a:r>
+            <a:r>
+              <a:rPr lang="en-CA" sz="1400" b="0" dirty="0">
+                <a:solidFill>
+                  <a:srgbClr val="ABB2BF"/>
+                </a:solidFill>
+                <a:effectLst/>
+                <a:highlight>
+                  <a:srgbClr val="282C34"/>
+                </a:highlight>
+                <a:latin typeface="Consolas" panose="020B0609020204030204" pitchFamily="49" charset="0"/>
+              </a:rPr>
+              <a:t> =&gt; </a:t>
+            </a:r>
+            <a:r>
+              <a:rPr lang="en-CA" sz="1400" b="0" dirty="0" err="1">
+                <a:solidFill>
+                  <a:srgbClr val="ABB2BF"/>
+                </a:solidFill>
+                <a:effectLst/>
+                <a:highlight>
+                  <a:srgbClr val="282C34"/>
+                </a:highlight>
+                <a:latin typeface="Consolas" panose="020B0609020204030204" pitchFamily="49" charset="0"/>
+              </a:rPr>
+              <a:t>hiddensize</a:t>
+            </a:r>
+            <a:r>
+              <a:rPr lang="en-CA" sz="1400" b="0" dirty="0">
+                <a:solidFill>
+                  <a:srgbClr val="ABB2BF"/>
+                </a:solidFill>
+                <a:effectLst/>
+                <a:highlight>
+                  <a:srgbClr val="282C34"/>
+                </a:highlight>
+                <a:latin typeface="Consolas" panose="020B0609020204030204" pitchFamily="49" charset="0"/>
+              </a:rPr>
+              <a:t>;</a:t>
+            </a:r>
+          </a:p>
+          <a:p>
+            <a:r>
+              <a:rPr lang="en-CA" sz="1400" b="0" dirty="0">
+                <a:solidFill>
+                  <a:srgbClr val="ABB2BF"/>
+                </a:solidFill>
+                <a:effectLst/>
+                <a:highlight>
+                  <a:srgbClr val="282C34"/>
+                </a:highlight>
+                <a:latin typeface="Consolas" panose="020B0609020204030204" pitchFamily="49" charset="0"/>
+              </a:rPr>
+              <a:t>		</a:t>
+            </a:r>
+            <a:r>
+              <a:rPr lang="en-CA" sz="1400" b="0" dirty="0" err="1">
+                <a:solidFill>
+                  <a:srgbClr val="56B6C2"/>
+                </a:solidFill>
+                <a:effectLst/>
+                <a:highlight>
+                  <a:srgbClr val="282C34"/>
+                </a:highlight>
+                <a:latin typeface="Consolas" panose="020B0609020204030204" pitchFamily="49" charset="0"/>
+              </a:rPr>
+              <a:t>SkipConnexion</a:t>
+            </a:r>
+            <a:r>
+              <a:rPr lang="en-CA" sz="1400" b="0" dirty="0">
+                <a:solidFill>
+                  <a:srgbClr val="ABB2BF"/>
+                </a:solidFill>
+                <a:effectLst/>
+                <a:highlight>
+                  <a:srgbClr val="282C34"/>
+                </a:highlight>
+                <a:latin typeface="Consolas" panose="020B0609020204030204" pitchFamily="49" charset="0"/>
+              </a:rPr>
+              <a:t>(</a:t>
+            </a:r>
+          </a:p>
+          <a:p>
+            <a:r>
+              <a:rPr lang="en-CA" sz="1400" dirty="0">
+                <a:solidFill>
+                  <a:srgbClr val="ABB2BF"/>
+                </a:solidFill>
+                <a:highlight>
+                  <a:srgbClr val="282C34"/>
+                </a:highlight>
+                <a:latin typeface="Consolas" panose="020B0609020204030204" pitchFamily="49" charset="0"/>
+              </a:rPr>
+              <a:t>			</a:t>
+            </a:r>
+            <a:r>
+              <a:rPr lang="en-CA" sz="1400" b="0" dirty="0" err="1">
+                <a:solidFill>
+                  <a:srgbClr val="56B6C2"/>
+                </a:solidFill>
+                <a:effectLst/>
+                <a:highlight>
+                  <a:srgbClr val="282C34"/>
+                </a:highlight>
+                <a:latin typeface="Consolas" panose="020B0609020204030204" pitchFamily="49" charset="0"/>
+              </a:rPr>
+              <a:t>NeuroTree</a:t>
+            </a:r>
+            <a:r>
+              <a:rPr lang="en-CA" sz="1400" b="0" dirty="0">
+                <a:solidFill>
+                  <a:srgbClr val="ABB2BF"/>
+                </a:solidFill>
+                <a:effectLst/>
+                <a:highlight>
+                  <a:srgbClr val="282C34"/>
+                </a:highlight>
+                <a:latin typeface="Consolas" panose="020B0609020204030204" pitchFamily="49" charset="0"/>
+              </a:rPr>
+              <a:t>(</a:t>
+            </a:r>
+            <a:r>
+              <a:rPr lang="en-CA" sz="1400" b="0" dirty="0" err="1">
+                <a:solidFill>
+                  <a:srgbClr val="ABB2BF"/>
+                </a:solidFill>
+                <a:effectLst/>
+                <a:highlight>
+                  <a:srgbClr val="282C34"/>
+                </a:highlight>
+                <a:latin typeface="Consolas" panose="020B0609020204030204" pitchFamily="49" charset="0"/>
+              </a:rPr>
+              <a:t>hiddensize</a:t>
+            </a:r>
+            <a:r>
+              <a:rPr lang="en-CA" sz="1400" b="0" dirty="0">
+                <a:solidFill>
+                  <a:srgbClr val="ABB2BF"/>
+                </a:solidFill>
+                <a:effectLst/>
+                <a:highlight>
+                  <a:srgbClr val="282C34"/>
+                </a:highlight>
+                <a:latin typeface="Consolas" panose="020B0609020204030204" pitchFamily="49" charset="0"/>
+              </a:rPr>
+              <a:t> =&gt; </a:t>
+            </a:r>
+            <a:r>
+              <a:rPr lang="en-CA" sz="1400" b="0" dirty="0" err="1">
+                <a:solidFill>
+                  <a:srgbClr val="ABB2BF"/>
+                </a:solidFill>
+                <a:effectLst/>
+                <a:highlight>
+                  <a:srgbClr val="282C34"/>
+                </a:highlight>
+                <a:latin typeface="Consolas" panose="020B0609020204030204" pitchFamily="49" charset="0"/>
+              </a:rPr>
+              <a:t>hiddensize</a:t>
+            </a:r>
+            <a:r>
+              <a:rPr lang="en-CA" sz="1400" b="0" dirty="0">
+                <a:solidFill>
+                  <a:srgbClr val="ABB2BF"/>
+                </a:solidFill>
+                <a:effectLst/>
+                <a:highlight>
+                  <a:srgbClr val="282C34"/>
+                </a:highlight>
+                <a:latin typeface="Consolas" panose="020B0609020204030204" pitchFamily="49" charset="0"/>
+              </a:rPr>
+              <a:t>), </a:t>
+            </a:r>
+          </a:p>
+          <a:p>
+            <a:r>
+              <a:rPr lang="en-CA" sz="1400" dirty="0">
+                <a:solidFill>
+                  <a:srgbClr val="ABB2BF"/>
+                </a:solidFill>
+                <a:highlight>
+                  <a:srgbClr val="282C34"/>
+                </a:highlight>
+                <a:latin typeface="Consolas" panose="020B0609020204030204" pitchFamily="49" charset="0"/>
+              </a:rPr>
+              <a:t>			</a:t>
+            </a:r>
+            <a:r>
+              <a:rPr lang="en-CA" sz="1400" b="0" dirty="0">
+                <a:solidFill>
+                  <a:srgbClr val="ABB2BF"/>
+                </a:solidFill>
+                <a:effectLst/>
+                <a:highlight>
+                  <a:srgbClr val="282C34"/>
+                </a:highlight>
+                <a:latin typeface="Consolas" panose="020B0609020204030204" pitchFamily="49" charset="0"/>
+              </a:rPr>
+              <a:t>+),</a:t>
+            </a:r>
+          </a:p>
+          <a:p>
+            <a:r>
+              <a:rPr lang="en-CA" sz="1400" b="0" dirty="0">
+                <a:solidFill>
+                  <a:srgbClr val="ABB2BF"/>
+                </a:solidFill>
+                <a:effectLst/>
+                <a:highlight>
+                  <a:srgbClr val="282C34"/>
+                </a:highlight>
+                <a:latin typeface="Consolas" panose="020B0609020204030204" pitchFamily="49" charset="0"/>
+              </a:rPr>
+              <a:t>		</a:t>
+            </a:r>
+            <a:r>
+              <a:rPr lang="en-CA" sz="1400" b="0" dirty="0">
+                <a:solidFill>
+                  <a:srgbClr val="56B6C2"/>
+                </a:solidFill>
+                <a:effectLst/>
+                <a:highlight>
+                  <a:srgbClr val="282C34"/>
+                </a:highlight>
+                <a:latin typeface="Consolas" panose="020B0609020204030204" pitchFamily="49" charset="0"/>
+              </a:rPr>
+              <a:t>Dense</a:t>
+            </a:r>
+            <a:r>
+              <a:rPr lang="en-CA" sz="1400" b="0" dirty="0">
+                <a:solidFill>
+                  <a:srgbClr val="ABB2BF"/>
+                </a:solidFill>
+                <a:effectLst/>
+                <a:highlight>
+                  <a:srgbClr val="282C34"/>
+                </a:highlight>
+                <a:latin typeface="Consolas" panose="020B0609020204030204" pitchFamily="49" charset="0"/>
+              </a:rPr>
+              <a:t>(</a:t>
+            </a:r>
+            <a:r>
+              <a:rPr lang="en-CA" sz="1400" b="0" dirty="0" err="1">
+                <a:solidFill>
+                  <a:srgbClr val="ABB2BF"/>
+                </a:solidFill>
+                <a:effectLst/>
+                <a:highlight>
+                  <a:srgbClr val="282C34"/>
+                </a:highlight>
+                <a:latin typeface="Consolas" panose="020B0609020204030204" pitchFamily="49" charset="0"/>
+              </a:rPr>
+              <a:t>hiddensize</a:t>
+            </a:r>
+            <a:r>
+              <a:rPr lang="en-CA" sz="1400" b="0" dirty="0">
+                <a:solidFill>
+                  <a:srgbClr val="ABB2BF"/>
+                </a:solidFill>
+                <a:effectLst/>
+                <a:highlight>
+                  <a:srgbClr val="282C34"/>
+                </a:highlight>
+                <a:latin typeface="Consolas" panose="020B0609020204030204" pitchFamily="49" charset="0"/>
+              </a:rPr>
+              <a:t> =&gt; outsize)</a:t>
+            </a:r>
+          </a:p>
+          <a:p>
+            <a:r>
+              <a:rPr lang="en-CA" sz="1400" b="0" dirty="0">
+                <a:solidFill>
+                  <a:srgbClr val="ABB2BF"/>
+                </a:solidFill>
+                <a:effectLst/>
+                <a:highlight>
+                  <a:srgbClr val="282C34"/>
+                </a:highlight>
+                <a:latin typeface="Consolas" panose="020B0609020204030204" pitchFamily="49" charset="0"/>
+              </a:rPr>
+              <a:t>	)</a:t>
             </a:r>
           </a:p>
         </p:txBody>
@@ -17982,7 +21667,7 @@
     </p:spTree>
     <p:extLst>
       <p:ext uri="{BB962C8B-B14F-4D97-AF65-F5344CB8AC3E}">
-        <p14:creationId xmlns:p14="http://schemas.microsoft.com/office/powerpoint/2010/main" val="1591683126"/>
+        <p14:creationId xmlns:p14="http://schemas.microsoft.com/office/powerpoint/2010/main" val="2312499368"/>
       </p:ext>
     </p:extLst>
   </p:cSld>
@@ -18200,7 +21885,7 @@
         <p:spPr>
           <a:xfrm>
             <a:off x="281616" y="1241362"/>
-            <a:ext cx="8284029" cy="3970318"/>
+            <a:ext cx="8284029" cy="369332"/>
           </a:xfrm>
           <a:prstGeom prst="rect">
             <a:avLst/>
@@ -18214,242 +21899,1123 @@
           <a:lstStyle/>
           <a:p>
             <a:r>
+              <a:rPr lang="fr-CA" dirty="0">
+                <a:latin typeface="Montserrat Light" panose="00000400000000000000" pitchFamily="2" charset="0"/>
+              </a:rPr>
+              <a:t>A simple, MLJ compatible, API to for training and </a:t>
+            </a:r>
+            <a:r>
               <a:rPr lang="fr-CA" dirty="0" err="1">
                 <a:latin typeface="Montserrat Light" panose="00000400000000000000" pitchFamily="2" charset="0"/>
               </a:rPr>
-              <a:t>Recipes</a:t>
-            </a:r>
-            <a:r>
-              <a:rPr lang="fr-CA" dirty="0">
-                <a:latin typeface="Montserrat Light" panose="00000400000000000000" pitchFamily="2" charset="0"/>
-              </a:rPr>
-              <a:t> to </a:t>
-            </a:r>
-            <a:r>
-              <a:rPr lang="fr-CA" dirty="0" err="1">
-                <a:latin typeface="Montserrat Light" panose="00000400000000000000" pitchFamily="2" charset="0"/>
-              </a:rPr>
-              <a:t>build</a:t>
-            </a:r>
-            <a:r>
-              <a:rPr lang="fr-CA" dirty="0">
-                <a:latin typeface="Montserrat Light" panose="00000400000000000000" pitchFamily="2" charset="0"/>
-              </a:rPr>
-              <a:t> </a:t>
-            </a:r>
-            <a:r>
-              <a:rPr lang="fr-CA" dirty="0" err="1">
-                <a:latin typeface="Montserrat Light" panose="00000400000000000000" pitchFamily="2" charset="0"/>
-              </a:rPr>
-              <a:t>NeuroTree</a:t>
-            </a:r>
-            <a:r>
-              <a:rPr lang="fr-CA" dirty="0">
-                <a:latin typeface="Montserrat Light" panose="00000400000000000000" pitchFamily="2" charset="0"/>
-              </a:rPr>
-              <a:t> </a:t>
-            </a:r>
-            <a:r>
-              <a:rPr lang="fr-CA" dirty="0" err="1">
-                <a:latin typeface="Montserrat Light" panose="00000400000000000000" pitchFamily="2" charset="0"/>
-              </a:rPr>
-              <a:t>based</a:t>
-            </a:r>
-            <a:r>
-              <a:rPr lang="fr-CA" dirty="0">
-                <a:latin typeface="Montserrat Light" panose="00000400000000000000" pitchFamily="2" charset="0"/>
-              </a:rPr>
-              <a:t> </a:t>
-            </a:r>
-            <a:r>
-              <a:rPr lang="fr-CA" dirty="0" err="1">
-                <a:latin typeface="Montserrat Light" panose="00000400000000000000" pitchFamily="2" charset="0"/>
-              </a:rPr>
-              <a:t>models</a:t>
-            </a:r>
-            <a:r>
-              <a:rPr lang="fr-CA" dirty="0">
-                <a:latin typeface="Montserrat Light" panose="00000400000000000000" pitchFamily="2" charset="0"/>
-              </a:rPr>
-              <a:t>.</a:t>
-            </a:r>
-          </a:p>
-          <a:p>
-            <a:endParaRPr lang="en-US" dirty="0">
+              <a:t>inference</a:t>
+            </a:r>
+            <a:endParaRPr lang="fr-CA" dirty="0">
               <a:latin typeface="Montserrat Light" panose="00000400000000000000" pitchFamily="2" charset="0"/>
             </a:endParaRPr>
           </a:p>
-          <a:p>
-            <a:r>
-              <a:rPr lang="en-US" dirty="0">
-                <a:latin typeface="Montserrat Light" panose="00000400000000000000" pitchFamily="2" charset="0"/>
-              </a:rPr>
-              <a:t>Chain(</a:t>
-            </a:r>
-          </a:p>
-          <a:p>
-            <a:r>
-              <a:rPr lang="en-US" dirty="0">
-                <a:latin typeface="Montserrat Light" panose="00000400000000000000" pitchFamily="2" charset="0"/>
-              </a:rPr>
-              <a:t>	</a:t>
-            </a:r>
-            <a:r>
-              <a:rPr lang="en-US" dirty="0" err="1">
-                <a:latin typeface="Montserrat Light" panose="00000400000000000000" pitchFamily="2" charset="0"/>
-              </a:rPr>
-              <a:t>BatchNorm</a:t>
-            </a:r>
-            <a:r>
-              <a:rPr lang="en-US" dirty="0">
-                <a:latin typeface="Montserrat Light" panose="00000400000000000000" pitchFamily="2" charset="0"/>
+        </p:txBody>
+      </p:sp>
+      <p:sp>
+        <p:nvSpPr>
+          <p:cNvPr id="2" name="TextBox 1">
+            <a:extLst>
+              <a:ext uri="{FF2B5EF4-FFF2-40B4-BE49-F238E27FC236}">
+                <a16:creationId xmlns:a16="http://schemas.microsoft.com/office/drawing/2014/main" id="{B1D90F84-F859-5674-2E92-45F224A36E2B}"/>
+              </a:ext>
+            </a:extLst>
+          </p:cNvPr>
+          <p:cNvSpPr txBox="1"/>
+          <p:nvPr/>
+        </p:nvSpPr>
+        <p:spPr>
+          <a:xfrm>
+            <a:off x="281615" y="1706524"/>
+            <a:ext cx="8284029" cy="3970318"/>
+          </a:xfrm>
+          <a:prstGeom prst="rect">
+            <a:avLst/>
+          </a:prstGeom>
+          <a:solidFill>
+            <a:srgbClr val="282C34"/>
+          </a:solidFill>
+        </p:spPr>
+        <p:txBody>
+          <a:bodyPr wrap="square">
+            <a:spAutoFit/>
+          </a:bodyPr>
+          <a:lstStyle/>
+          <a:p>
+            <a:endParaRPr lang="en-CA" sz="1400" b="0" dirty="0">
+              <a:solidFill>
+                <a:srgbClr val="ABB2BF"/>
+              </a:solidFill>
+              <a:effectLst/>
+              <a:highlight>
+                <a:srgbClr val="282C34"/>
+              </a:highlight>
+              <a:latin typeface="Consolas" panose="020B0609020204030204" pitchFamily="49" charset="0"/>
+            </a:endParaRPr>
+          </a:p>
+          <a:p>
+            <a:r>
+              <a:rPr lang="en-CA" sz="1400" b="0" dirty="0">
+                <a:solidFill>
+                  <a:srgbClr val="C678DD"/>
+                </a:solidFill>
+                <a:effectLst/>
+                <a:highlight>
+                  <a:srgbClr val="282C34"/>
+                </a:highlight>
+                <a:latin typeface="Consolas" panose="020B0609020204030204" pitchFamily="49" charset="0"/>
+              </a:rPr>
+              <a:t>using</a:t>
+            </a:r>
+            <a:r>
+              <a:rPr lang="en-CA" sz="1400" b="0" dirty="0">
+                <a:solidFill>
+                  <a:srgbClr val="ABB2BF"/>
+                </a:solidFill>
+                <a:effectLst/>
+                <a:highlight>
+                  <a:srgbClr val="282C34"/>
+                </a:highlight>
+                <a:latin typeface="Consolas" panose="020B0609020204030204" pitchFamily="49" charset="0"/>
+              </a:rPr>
+              <a:t> </a:t>
+            </a:r>
+            <a:r>
+              <a:rPr lang="en-CA" sz="1400" b="0" dirty="0" err="1">
+                <a:solidFill>
+                  <a:srgbClr val="ABB2BF"/>
+                </a:solidFill>
+                <a:effectLst/>
+                <a:highlight>
+                  <a:srgbClr val="282C34"/>
+                </a:highlight>
+                <a:latin typeface="Consolas" panose="020B0609020204030204" pitchFamily="49" charset="0"/>
+              </a:rPr>
+              <a:t>NeuroTreeModels</a:t>
+            </a:r>
+            <a:r>
+              <a:rPr lang="en-CA" sz="1400" b="0" dirty="0">
+                <a:solidFill>
+                  <a:srgbClr val="ABB2BF"/>
+                </a:solidFill>
+                <a:effectLst/>
+                <a:highlight>
+                  <a:srgbClr val="282C34"/>
+                </a:highlight>
+                <a:latin typeface="Consolas" panose="020B0609020204030204" pitchFamily="49" charset="0"/>
+              </a:rPr>
+              <a:t>, </a:t>
+            </a:r>
+            <a:r>
+              <a:rPr lang="en-CA" sz="1400" b="0" dirty="0" err="1">
+                <a:solidFill>
+                  <a:srgbClr val="ABB2BF"/>
+                </a:solidFill>
+                <a:effectLst/>
+                <a:highlight>
+                  <a:srgbClr val="282C34"/>
+                </a:highlight>
+                <a:latin typeface="Consolas" panose="020B0609020204030204" pitchFamily="49" charset="0"/>
+              </a:rPr>
+              <a:t>DataFrames</a:t>
+            </a:r>
+            <a:endParaRPr lang="en-CA" sz="1400" b="0" dirty="0">
+              <a:solidFill>
+                <a:srgbClr val="ABB2BF"/>
+              </a:solidFill>
+              <a:effectLst/>
+              <a:highlight>
+                <a:srgbClr val="282C34"/>
+              </a:highlight>
+              <a:latin typeface="Consolas" panose="020B0609020204030204" pitchFamily="49" charset="0"/>
+            </a:endParaRPr>
+          </a:p>
+          <a:p>
+            <a:br>
+              <a:rPr lang="en-CA" sz="1400" b="0" dirty="0">
+                <a:solidFill>
+                  <a:srgbClr val="ABB2BF"/>
+                </a:solidFill>
+                <a:effectLst/>
+                <a:highlight>
+                  <a:srgbClr val="282C34"/>
+                </a:highlight>
+                <a:latin typeface="Consolas" panose="020B0609020204030204" pitchFamily="49" charset="0"/>
+              </a:rPr>
+            </a:br>
+            <a:r>
+              <a:rPr lang="en-CA" sz="1400" b="0" dirty="0">
+                <a:solidFill>
+                  <a:srgbClr val="ABB2BF"/>
+                </a:solidFill>
+                <a:effectLst/>
+                <a:highlight>
+                  <a:srgbClr val="282C34"/>
+                </a:highlight>
+                <a:latin typeface="Consolas" panose="020B0609020204030204" pitchFamily="49" charset="0"/>
+              </a:rPr>
+              <a:t>config = </a:t>
+            </a:r>
+            <a:r>
+              <a:rPr lang="en-CA" sz="1400" b="0" dirty="0" err="1">
+                <a:solidFill>
+                  <a:srgbClr val="56B6C2"/>
+                </a:solidFill>
+                <a:effectLst/>
+                <a:highlight>
+                  <a:srgbClr val="282C34"/>
+                </a:highlight>
+                <a:latin typeface="Consolas" panose="020B0609020204030204" pitchFamily="49" charset="0"/>
+              </a:rPr>
+              <a:t>NeuroTreeRegressor</a:t>
+            </a:r>
+            <a:r>
+              <a:rPr lang="en-CA" sz="1400" b="0" dirty="0">
+                <a:solidFill>
+                  <a:srgbClr val="ABB2BF"/>
+                </a:solidFill>
+                <a:effectLst/>
+                <a:highlight>
+                  <a:srgbClr val="282C34"/>
+                </a:highlight>
+                <a:latin typeface="Consolas" panose="020B0609020204030204" pitchFamily="49" charset="0"/>
+              </a:rPr>
+              <a:t>(</a:t>
+            </a:r>
+          </a:p>
+          <a:p>
+            <a:r>
+              <a:rPr lang="en-CA" sz="1400" b="0" dirty="0">
+                <a:solidFill>
+                  <a:srgbClr val="ABB2BF"/>
+                </a:solidFill>
+                <a:effectLst/>
+                <a:highlight>
+                  <a:srgbClr val="282C34"/>
+                </a:highlight>
+                <a:latin typeface="Consolas" panose="020B0609020204030204" pitchFamily="49" charset="0"/>
+              </a:rPr>
+              <a:t>    loss = </a:t>
+            </a:r>
+            <a:r>
+              <a:rPr lang="en-CA" sz="1400" b="0" dirty="0">
+                <a:solidFill>
+                  <a:srgbClr val="56B6C2"/>
+                </a:solidFill>
+                <a:effectLst/>
+                <a:highlight>
+                  <a:srgbClr val="282C34"/>
+                </a:highlight>
+                <a:latin typeface="Consolas" panose="020B0609020204030204" pitchFamily="49" charset="0"/>
+              </a:rPr>
+              <a:t>:</a:t>
+            </a:r>
+            <a:r>
+              <a:rPr lang="en-CA" sz="1400" b="0" dirty="0" err="1">
+                <a:solidFill>
+                  <a:srgbClr val="56B6C2"/>
+                </a:solidFill>
+                <a:effectLst/>
+                <a:highlight>
+                  <a:srgbClr val="282C34"/>
+                </a:highlight>
+                <a:latin typeface="Consolas" panose="020B0609020204030204" pitchFamily="49" charset="0"/>
+              </a:rPr>
+              <a:t>mse</a:t>
+            </a:r>
+            <a:r>
+              <a:rPr lang="en-CA" sz="1400" b="0" dirty="0">
+                <a:solidFill>
+                  <a:srgbClr val="ABB2BF"/>
+                </a:solidFill>
+                <a:effectLst/>
+                <a:highlight>
+                  <a:srgbClr val="282C34"/>
+                </a:highlight>
+                <a:latin typeface="Consolas" panose="020B0609020204030204" pitchFamily="49" charset="0"/>
               </a:rPr>
               <a:t>,</a:t>
             </a:r>
           </a:p>
           <a:p>
             <a:r>
-              <a:rPr lang="en-US" dirty="0">
-                <a:latin typeface="Montserrat Light" panose="00000400000000000000" pitchFamily="2" charset="0"/>
-              </a:rPr>
-              <a:t>	</a:t>
-            </a:r>
-            <a:r>
-              <a:rPr lang="en-US" dirty="0" err="1">
-                <a:latin typeface="Montserrat Light" panose="00000400000000000000" pitchFamily="2" charset="0"/>
-              </a:rPr>
-              <a:t>NeuroTree</a:t>
-            </a:r>
-            <a:r>
-              <a:rPr lang="en-US" dirty="0">
-                <a:latin typeface="Montserrat Light" panose="00000400000000000000" pitchFamily="2" charset="0"/>
+              <a:rPr lang="en-CA" sz="1400" b="0" dirty="0">
+                <a:solidFill>
+                  <a:srgbClr val="ABB2BF"/>
+                </a:solidFill>
+                <a:effectLst/>
+                <a:highlight>
+                  <a:srgbClr val="282C34"/>
+                </a:highlight>
+                <a:latin typeface="Consolas" panose="020B0609020204030204" pitchFamily="49" charset="0"/>
+              </a:rPr>
+              <a:t>    </a:t>
+            </a:r>
+            <a:r>
+              <a:rPr lang="en-CA" sz="1400" b="0" dirty="0" err="1">
+                <a:solidFill>
+                  <a:srgbClr val="ABB2BF"/>
+                </a:solidFill>
+                <a:effectLst/>
+                <a:highlight>
+                  <a:srgbClr val="282C34"/>
+                </a:highlight>
+                <a:latin typeface="Consolas" panose="020B0609020204030204" pitchFamily="49" charset="0"/>
+              </a:rPr>
+              <a:t>nrounds</a:t>
+            </a:r>
+            <a:r>
+              <a:rPr lang="en-CA" sz="1400" b="0" dirty="0">
+                <a:solidFill>
+                  <a:srgbClr val="ABB2BF"/>
+                </a:solidFill>
+                <a:effectLst/>
+                <a:highlight>
+                  <a:srgbClr val="282C34"/>
+                </a:highlight>
+                <a:latin typeface="Consolas" panose="020B0609020204030204" pitchFamily="49" charset="0"/>
+              </a:rPr>
+              <a:t> = </a:t>
+            </a:r>
+            <a:r>
+              <a:rPr lang="en-CA" sz="1400" b="0" dirty="0">
+                <a:solidFill>
+                  <a:srgbClr val="D19A66"/>
+                </a:solidFill>
+                <a:effectLst/>
+                <a:highlight>
+                  <a:srgbClr val="282C34"/>
+                </a:highlight>
+                <a:latin typeface="Consolas" panose="020B0609020204030204" pitchFamily="49" charset="0"/>
+              </a:rPr>
+              <a:t>100</a:t>
+            </a:r>
+            <a:r>
+              <a:rPr lang="en-CA" sz="1400" b="0" dirty="0">
+                <a:solidFill>
+                  <a:srgbClr val="ABB2BF"/>
+                </a:solidFill>
+                <a:effectLst/>
+                <a:highlight>
+                  <a:srgbClr val="282C34"/>
+                </a:highlight>
+                <a:latin typeface="Consolas" panose="020B0609020204030204" pitchFamily="49" charset="0"/>
               </a:rPr>
               <a:t>,</a:t>
             </a:r>
           </a:p>
           <a:p>
             <a:r>
-              <a:rPr lang="en-US" dirty="0">
-                <a:latin typeface="Montserrat Light" panose="00000400000000000000" pitchFamily="2" charset="0"/>
-              </a:rPr>
-              <a:t>	Dense</a:t>
-            </a:r>
-          </a:p>
-          <a:p>
-            <a:r>
-              <a:rPr lang="en-US" dirty="0">
-                <a:latin typeface="Montserrat Light" panose="00000400000000000000" pitchFamily="2" charset="0"/>
+              <a:rPr lang="en-CA" sz="1400" b="0" dirty="0">
+                <a:solidFill>
+                  <a:srgbClr val="ABB2BF"/>
+                </a:solidFill>
+                <a:effectLst/>
+                <a:highlight>
+                  <a:srgbClr val="282C34"/>
+                </a:highlight>
+                <a:latin typeface="Consolas" panose="020B0609020204030204" pitchFamily="49" charset="0"/>
+              </a:rPr>
+              <a:t>    </a:t>
+            </a:r>
+            <a:r>
+              <a:rPr lang="en-CA" sz="1400" b="0" dirty="0" err="1">
+                <a:solidFill>
+                  <a:srgbClr val="ABB2BF"/>
+                </a:solidFill>
+                <a:effectLst/>
+                <a:highlight>
+                  <a:srgbClr val="282C34"/>
+                </a:highlight>
+                <a:latin typeface="Consolas" panose="020B0609020204030204" pitchFamily="49" charset="0"/>
+              </a:rPr>
+              <a:t>num_trees</a:t>
+            </a:r>
+            <a:r>
+              <a:rPr lang="en-CA" sz="1400" b="0" dirty="0">
+                <a:solidFill>
+                  <a:srgbClr val="ABB2BF"/>
+                </a:solidFill>
+                <a:effectLst/>
+                <a:highlight>
+                  <a:srgbClr val="282C34"/>
+                </a:highlight>
+                <a:latin typeface="Consolas" panose="020B0609020204030204" pitchFamily="49" charset="0"/>
+              </a:rPr>
+              <a:t> = </a:t>
+            </a:r>
+            <a:r>
+              <a:rPr lang="en-CA" sz="1400" b="0" dirty="0">
+                <a:solidFill>
+                  <a:srgbClr val="D19A66"/>
+                </a:solidFill>
+                <a:effectLst/>
+                <a:highlight>
+                  <a:srgbClr val="282C34"/>
+                </a:highlight>
+                <a:latin typeface="Consolas" panose="020B0609020204030204" pitchFamily="49" charset="0"/>
+              </a:rPr>
+              <a:t>16</a:t>
+            </a:r>
+            <a:r>
+              <a:rPr lang="en-CA" sz="1400" b="0" dirty="0">
+                <a:solidFill>
+                  <a:srgbClr val="ABB2BF"/>
+                </a:solidFill>
+                <a:effectLst/>
+                <a:highlight>
+                  <a:srgbClr val="282C34"/>
+                </a:highlight>
+                <a:latin typeface="Consolas" panose="020B0609020204030204" pitchFamily="49" charset="0"/>
+              </a:rPr>
+              <a:t>,</a:t>
+            </a:r>
+          </a:p>
+          <a:p>
+            <a:r>
+              <a:rPr lang="en-CA" sz="1400" b="0" dirty="0">
+                <a:solidFill>
+                  <a:srgbClr val="ABB2BF"/>
+                </a:solidFill>
+                <a:effectLst/>
+                <a:highlight>
+                  <a:srgbClr val="282C34"/>
+                </a:highlight>
+                <a:latin typeface="Consolas" panose="020B0609020204030204" pitchFamily="49" charset="0"/>
+              </a:rPr>
+              <a:t>    depth = </a:t>
+            </a:r>
+            <a:r>
+              <a:rPr lang="en-CA" sz="1400" b="0" dirty="0">
+                <a:solidFill>
+                  <a:srgbClr val="D19A66"/>
+                </a:solidFill>
+                <a:effectLst/>
+                <a:highlight>
+                  <a:srgbClr val="282C34"/>
+                </a:highlight>
+                <a:latin typeface="Consolas" panose="020B0609020204030204" pitchFamily="49" charset="0"/>
+              </a:rPr>
+              <a:t>5</a:t>
+            </a:r>
+            <a:r>
+              <a:rPr lang="en-CA" sz="1400" b="0" dirty="0">
+                <a:solidFill>
+                  <a:srgbClr val="ABB2BF"/>
+                </a:solidFill>
+                <a:effectLst/>
+                <a:highlight>
+                  <a:srgbClr val="282C34"/>
+                </a:highlight>
+                <a:latin typeface="Consolas" panose="020B0609020204030204" pitchFamily="49" charset="0"/>
+              </a:rPr>
+              <a:t>,</a:t>
+            </a:r>
+          </a:p>
+          <a:p>
+            <a:r>
+              <a:rPr lang="en-CA" sz="1400" b="0" dirty="0">
+                <a:solidFill>
+                  <a:srgbClr val="ABB2BF"/>
+                </a:solidFill>
+                <a:effectLst/>
+                <a:highlight>
+                  <a:srgbClr val="282C34"/>
+                </a:highlight>
+                <a:latin typeface="Consolas" panose="020B0609020204030204" pitchFamily="49" charset="0"/>
               </a:rPr>
               <a:t>)</a:t>
             </a:r>
           </a:p>
           <a:p>
-            <a:r>
-              <a:rPr lang="en-US" dirty="0">
-                <a:latin typeface="Montserrat Light" panose="00000400000000000000" pitchFamily="2" charset="0"/>
-              </a:rPr>
-              <a:t>Chain(</a:t>
-            </a:r>
-          </a:p>
-          <a:p>
-            <a:r>
-              <a:rPr lang="en-US" dirty="0">
-                <a:latin typeface="Montserrat Light" panose="00000400000000000000" pitchFamily="2" charset="0"/>
-              </a:rPr>
-              <a:t>	</a:t>
-            </a:r>
-            <a:r>
-              <a:rPr lang="en-US" dirty="0" err="1">
-                <a:latin typeface="Montserrat Light" panose="00000400000000000000" pitchFamily="2" charset="0"/>
-              </a:rPr>
-              <a:t>BatchNorm</a:t>
-            </a:r>
-            <a:r>
-              <a:rPr lang="en-US" dirty="0">
-                <a:latin typeface="Montserrat Light" panose="00000400000000000000" pitchFamily="2" charset="0"/>
-              </a:rPr>
-              <a:t>,</a:t>
-            </a:r>
-          </a:p>
-          <a:p>
-            <a:r>
-              <a:rPr lang="en-US" dirty="0">
-                <a:latin typeface="Montserrat Light" panose="00000400000000000000" pitchFamily="2" charset="0"/>
-              </a:rPr>
-              <a:t>	</a:t>
-            </a:r>
-            <a:r>
-              <a:rPr lang="en-US" dirty="0" err="1">
-                <a:latin typeface="Montserrat Light" panose="00000400000000000000" pitchFamily="2" charset="0"/>
-              </a:rPr>
-              <a:t>NeuroTree</a:t>
-            </a:r>
-            <a:r>
-              <a:rPr lang="en-US" dirty="0">
-                <a:latin typeface="Montserrat Light" panose="00000400000000000000" pitchFamily="2" charset="0"/>
-              </a:rPr>
-              <a:t>,</a:t>
-            </a:r>
-          </a:p>
-          <a:p>
-            <a:r>
-              <a:rPr lang="en-US" dirty="0">
-                <a:latin typeface="Montserrat Light" panose="00000400000000000000" pitchFamily="2" charset="0"/>
-              </a:rPr>
-              <a:t>	</a:t>
-            </a:r>
-            <a:r>
-              <a:rPr lang="en-US" dirty="0" err="1">
-                <a:latin typeface="Montserrat Light" panose="00000400000000000000" pitchFamily="2" charset="0"/>
-              </a:rPr>
-              <a:t>SkipConnexion</a:t>
-            </a:r>
-            <a:r>
-              <a:rPr lang="en-US" dirty="0">
-                <a:latin typeface="Montserrat Light" panose="00000400000000000000" pitchFamily="2" charset="0"/>
+            <a:br>
+              <a:rPr lang="en-CA" sz="1400" b="0" dirty="0">
+                <a:solidFill>
+                  <a:srgbClr val="ABB2BF"/>
+                </a:solidFill>
+                <a:effectLst/>
+                <a:highlight>
+                  <a:srgbClr val="282C34"/>
+                </a:highlight>
+                <a:latin typeface="Consolas" panose="020B0609020204030204" pitchFamily="49" charset="0"/>
+              </a:rPr>
+            </a:br>
+            <a:r>
+              <a:rPr lang="en-CA" sz="1400" b="0" dirty="0">
+                <a:solidFill>
+                  <a:srgbClr val="ABB2BF"/>
+                </a:solidFill>
+                <a:effectLst/>
+                <a:highlight>
+                  <a:srgbClr val="282C34"/>
+                </a:highlight>
+                <a:latin typeface="Consolas" panose="020B0609020204030204" pitchFamily="49" charset="0"/>
+              </a:rPr>
+              <a:t>nobs, </a:t>
+            </a:r>
+            <a:r>
+              <a:rPr lang="en-CA" sz="1400" b="0" dirty="0" err="1">
+                <a:solidFill>
+                  <a:srgbClr val="ABB2BF"/>
+                </a:solidFill>
+                <a:effectLst/>
+                <a:highlight>
+                  <a:srgbClr val="282C34"/>
+                </a:highlight>
+                <a:latin typeface="Consolas" panose="020B0609020204030204" pitchFamily="49" charset="0"/>
+              </a:rPr>
+              <a:t>nfeats</a:t>
+            </a:r>
+            <a:r>
+              <a:rPr lang="en-CA" sz="1400" b="0" dirty="0">
+                <a:solidFill>
+                  <a:srgbClr val="ABB2BF"/>
+                </a:solidFill>
+                <a:effectLst/>
+                <a:highlight>
+                  <a:srgbClr val="282C34"/>
+                </a:highlight>
+                <a:latin typeface="Consolas" panose="020B0609020204030204" pitchFamily="49" charset="0"/>
+              </a:rPr>
+              <a:t> = </a:t>
+            </a:r>
+            <a:r>
+              <a:rPr lang="en-CA" sz="1400" b="0" dirty="0">
+                <a:solidFill>
+                  <a:srgbClr val="D19A66"/>
+                </a:solidFill>
+                <a:effectLst/>
+                <a:highlight>
+                  <a:srgbClr val="282C34"/>
+                </a:highlight>
+                <a:latin typeface="Consolas" panose="020B0609020204030204" pitchFamily="49" charset="0"/>
+              </a:rPr>
+              <a:t>1_000</a:t>
+            </a:r>
+            <a:r>
+              <a:rPr lang="en-CA" sz="1400" b="0" dirty="0">
+                <a:solidFill>
+                  <a:srgbClr val="ABB2BF"/>
+                </a:solidFill>
+                <a:effectLst/>
+                <a:highlight>
+                  <a:srgbClr val="282C34"/>
+                </a:highlight>
+                <a:latin typeface="Consolas" panose="020B0609020204030204" pitchFamily="49" charset="0"/>
+              </a:rPr>
+              <a:t>, </a:t>
+            </a:r>
+            <a:r>
+              <a:rPr lang="en-CA" sz="1400" b="0" dirty="0">
+                <a:solidFill>
+                  <a:srgbClr val="D19A66"/>
+                </a:solidFill>
+                <a:effectLst/>
+                <a:highlight>
+                  <a:srgbClr val="282C34"/>
+                </a:highlight>
+                <a:latin typeface="Consolas" panose="020B0609020204030204" pitchFamily="49" charset="0"/>
+              </a:rPr>
+              <a:t>5</a:t>
+            </a:r>
+            <a:endParaRPr lang="en-CA" sz="1400" b="0" dirty="0">
+              <a:solidFill>
+                <a:srgbClr val="ABB2BF"/>
+              </a:solidFill>
+              <a:effectLst/>
+              <a:highlight>
+                <a:srgbClr val="282C34"/>
+              </a:highlight>
+              <a:latin typeface="Consolas" panose="020B0609020204030204" pitchFamily="49" charset="0"/>
+            </a:endParaRPr>
+          </a:p>
+          <a:p>
+            <a:r>
+              <a:rPr lang="en-CA" sz="1400" b="0" dirty="0" err="1">
+                <a:solidFill>
+                  <a:srgbClr val="ABB2BF"/>
+                </a:solidFill>
+                <a:effectLst/>
+                <a:highlight>
+                  <a:srgbClr val="282C34"/>
+                </a:highlight>
+                <a:latin typeface="Consolas" panose="020B0609020204030204" pitchFamily="49" charset="0"/>
+              </a:rPr>
+              <a:t>dtrain</a:t>
+            </a:r>
+            <a:r>
+              <a:rPr lang="en-CA" sz="1400" b="0" dirty="0">
+                <a:solidFill>
+                  <a:srgbClr val="ABB2BF"/>
+                </a:solidFill>
+                <a:effectLst/>
+                <a:highlight>
+                  <a:srgbClr val="282C34"/>
+                </a:highlight>
+                <a:latin typeface="Consolas" panose="020B0609020204030204" pitchFamily="49" charset="0"/>
+              </a:rPr>
+              <a:t> = </a:t>
+            </a:r>
+            <a:r>
+              <a:rPr lang="en-CA" sz="1400" b="0" dirty="0" err="1">
+                <a:solidFill>
+                  <a:srgbClr val="56B6C2"/>
+                </a:solidFill>
+                <a:effectLst/>
+                <a:highlight>
+                  <a:srgbClr val="282C34"/>
+                </a:highlight>
+                <a:latin typeface="Consolas" panose="020B0609020204030204" pitchFamily="49" charset="0"/>
+              </a:rPr>
+              <a:t>DataFrame</a:t>
+            </a:r>
+            <a:r>
+              <a:rPr lang="en-CA" sz="1400" b="0" dirty="0">
+                <a:solidFill>
+                  <a:srgbClr val="ABB2BF"/>
+                </a:solidFill>
+                <a:effectLst/>
+                <a:highlight>
+                  <a:srgbClr val="282C34"/>
+                </a:highlight>
+                <a:latin typeface="Consolas" panose="020B0609020204030204" pitchFamily="49" charset="0"/>
               </a:rPr>
               <a:t>(</a:t>
             </a:r>
             <a:r>
-              <a:rPr lang="en-US" dirty="0" err="1">
-                <a:latin typeface="Montserrat Light" panose="00000400000000000000" pitchFamily="2" charset="0"/>
-              </a:rPr>
-              <a:t>NeuroTree</a:t>
-            </a:r>
-            <a:r>
-              <a:rPr lang="en-US" dirty="0">
-                <a:latin typeface="Montserrat Light" panose="00000400000000000000" pitchFamily="2" charset="0"/>
-              </a:rPr>
-              <a:t>, +),</a:t>
-            </a:r>
-          </a:p>
-          <a:p>
-            <a:r>
-              <a:rPr lang="en-US" dirty="0">
-                <a:latin typeface="Montserrat Light" panose="00000400000000000000" pitchFamily="2" charset="0"/>
+              <a:rPr lang="en-CA" sz="1400" b="0" dirty="0" err="1">
+                <a:solidFill>
+                  <a:srgbClr val="56B6C2"/>
+                </a:solidFill>
+                <a:effectLst/>
+                <a:highlight>
+                  <a:srgbClr val="282C34"/>
+                </a:highlight>
+                <a:latin typeface="Consolas" panose="020B0609020204030204" pitchFamily="49" charset="0"/>
+              </a:rPr>
+              <a:t>randn</a:t>
+            </a:r>
+            <a:r>
+              <a:rPr lang="en-CA" sz="1400" b="0" dirty="0">
+                <a:solidFill>
+                  <a:srgbClr val="ABB2BF"/>
+                </a:solidFill>
+                <a:effectLst/>
+                <a:highlight>
+                  <a:srgbClr val="282C34"/>
+                </a:highlight>
+                <a:latin typeface="Consolas" panose="020B0609020204030204" pitchFamily="49" charset="0"/>
+              </a:rPr>
+              <a:t>(nobs, </a:t>
+            </a:r>
+            <a:r>
+              <a:rPr lang="en-CA" sz="1400" b="0" dirty="0" err="1">
+                <a:solidFill>
+                  <a:srgbClr val="ABB2BF"/>
+                </a:solidFill>
+                <a:effectLst/>
+                <a:highlight>
+                  <a:srgbClr val="282C34"/>
+                </a:highlight>
+                <a:latin typeface="Consolas" panose="020B0609020204030204" pitchFamily="49" charset="0"/>
+              </a:rPr>
+              <a:t>nfeats</a:t>
+            </a:r>
+            <a:r>
+              <a:rPr lang="en-CA" sz="1400" b="0" dirty="0">
+                <a:solidFill>
+                  <a:srgbClr val="ABB2BF"/>
+                </a:solidFill>
+                <a:effectLst/>
+                <a:highlight>
+                  <a:srgbClr val="282C34"/>
+                </a:highlight>
+                <a:latin typeface="Consolas" panose="020B0609020204030204" pitchFamily="49" charset="0"/>
+              </a:rPr>
+              <a:t>), </a:t>
+            </a:r>
+            <a:r>
+              <a:rPr lang="en-CA" sz="1400" b="0" dirty="0">
+                <a:solidFill>
+                  <a:srgbClr val="56B6C2"/>
+                </a:solidFill>
+                <a:effectLst/>
+                <a:highlight>
+                  <a:srgbClr val="282C34"/>
+                </a:highlight>
+                <a:latin typeface="Consolas" panose="020B0609020204030204" pitchFamily="49" charset="0"/>
+              </a:rPr>
+              <a:t>:auto</a:t>
+            </a:r>
+            <a:r>
+              <a:rPr lang="en-CA" sz="1400" b="0" dirty="0">
+                <a:solidFill>
+                  <a:srgbClr val="ABB2BF"/>
+                </a:solidFill>
+                <a:effectLst/>
+                <a:highlight>
+                  <a:srgbClr val="282C34"/>
+                </a:highlight>
+                <a:latin typeface="Consolas" panose="020B0609020204030204" pitchFamily="49" charset="0"/>
               </a:rPr>
               <a:t>)</a:t>
             </a:r>
           </a:p>
           <a:p>
-            <a:endParaRPr lang="en-CA" dirty="0">
-              <a:latin typeface="Montserrat Light" panose="00000400000000000000" pitchFamily="2" charset="0"/>
+            <a:r>
+              <a:rPr lang="en-CA" sz="1400" b="0" dirty="0" err="1">
+                <a:solidFill>
+                  <a:srgbClr val="ABB2BF"/>
+                </a:solidFill>
+                <a:effectLst/>
+                <a:highlight>
+                  <a:srgbClr val="282C34"/>
+                </a:highlight>
+                <a:latin typeface="Consolas" panose="020B0609020204030204" pitchFamily="49" charset="0"/>
+              </a:rPr>
+              <a:t>dtrain.y</a:t>
+            </a:r>
+            <a:r>
+              <a:rPr lang="en-CA" sz="1400" b="0" dirty="0">
+                <a:solidFill>
+                  <a:srgbClr val="ABB2BF"/>
+                </a:solidFill>
+                <a:effectLst/>
+                <a:highlight>
+                  <a:srgbClr val="282C34"/>
+                </a:highlight>
+                <a:latin typeface="Consolas" panose="020B0609020204030204" pitchFamily="49" charset="0"/>
+              </a:rPr>
+              <a:t> = </a:t>
+            </a:r>
+            <a:r>
+              <a:rPr lang="en-CA" sz="1400" b="0" dirty="0">
+                <a:solidFill>
+                  <a:srgbClr val="56B6C2"/>
+                </a:solidFill>
+                <a:effectLst/>
+                <a:highlight>
+                  <a:srgbClr val="282C34"/>
+                </a:highlight>
+                <a:latin typeface="Consolas" panose="020B0609020204030204" pitchFamily="49" charset="0"/>
+              </a:rPr>
+              <a:t>rand</a:t>
+            </a:r>
+            <a:r>
+              <a:rPr lang="en-CA" sz="1400" b="0" dirty="0">
+                <a:solidFill>
+                  <a:srgbClr val="ABB2BF"/>
+                </a:solidFill>
+                <a:effectLst/>
+                <a:highlight>
+                  <a:srgbClr val="282C34"/>
+                </a:highlight>
+                <a:latin typeface="Consolas" panose="020B0609020204030204" pitchFamily="49" charset="0"/>
+              </a:rPr>
+              <a:t>(nobs)</a:t>
+            </a:r>
+          </a:p>
+          <a:p>
+            <a:r>
+              <a:rPr lang="en-CA" sz="1400" b="0" dirty="0" err="1">
+                <a:solidFill>
+                  <a:srgbClr val="ABB2BF"/>
+                </a:solidFill>
+                <a:effectLst/>
+                <a:highlight>
+                  <a:srgbClr val="282C34"/>
+                </a:highlight>
+                <a:latin typeface="Consolas" panose="020B0609020204030204" pitchFamily="49" charset="0"/>
+              </a:rPr>
+              <a:t>feature_names</a:t>
+            </a:r>
+            <a:r>
+              <a:rPr lang="en-CA" sz="1400" b="0" dirty="0">
+                <a:solidFill>
+                  <a:srgbClr val="ABB2BF"/>
+                </a:solidFill>
+                <a:effectLst/>
+                <a:highlight>
+                  <a:srgbClr val="282C34"/>
+                </a:highlight>
+                <a:latin typeface="Consolas" panose="020B0609020204030204" pitchFamily="49" charset="0"/>
+              </a:rPr>
+              <a:t>, </a:t>
+            </a:r>
+            <a:r>
+              <a:rPr lang="en-CA" sz="1400" b="0" dirty="0" err="1">
+                <a:solidFill>
+                  <a:srgbClr val="ABB2BF"/>
+                </a:solidFill>
+                <a:effectLst/>
+                <a:highlight>
+                  <a:srgbClr val="282C34"/>
+                </a:highlight>
+                <a:latin typeface="Consolas" panose="020B0609020204030204" pitchFamily="49" charset="0"/>
+              </a:rPr>
+              <a:t>target_name</a:t>
+            </a:r>
+            <a:r>
+              <a:rPr lang="en-CA" sz="1400" b="0" dirty="0">
+                <a:solidFill>
+                  <a:srgbClr val="ABB2BF"/>
+                </a:solidFill>
+                <a:effectLst/>
+                <a:highlight>
+                  <a:srgbClr val="282C34"/>
+                </a:highlight>
+                <a:latin typeface="Consolas" panose="020B0609020204030204" pitchFamily="49" charset="0"/>
+              </a:rPr>
+              <a:t> = </a:t>
+            </a:r>
+            <a:r>
+              <a:rPr lang="en-CA" sz="1400" b="0" dirty="0">
+                <a:solidFill>
+                  <a:srgbClr val="56B6C2"/>
+                </a:solidFill>
+                <a:effectLst/>
+                <a:highlight>
+                  <a:srgbClr val="282C34"/>
+                </a:highlight>
+                <a:latin typeface="Consolas" panose="020B0609020204030204" pitchFamily="49" charset="0"/>
+              </a:rPr>
+              <a:t>names</a:t>
+            </a:r>
+            <a:r>
+              <a:rPr lang="en-CA" sz="1400" b="0" dirty="0">
+                <a:solidFill>
+                  <a:srgbClr val="ABB2BF"/>
+                </a:solidFill>
+                <a:effectLst/>
+                <a:highlight>
+                  <a:srgbClr val="282C34"/>
+                </a:highlight>
+                <a:latin typeface="Consolas" panose="020B0609020204030204" pitchFamily="49" charset="0"/>
+              </a:rPr>
+              <a:t>(</a:t>
+            </a:r>
+            <a:r>
+              <a:rPr lang="en-CA" sz="1400" b="0" dirty="0" err="1">
+                <a:solidFill>
+                  <a:srgbClr val="ABB2BF"/>
+                </a:solidFill>
+                <a:effectLst/>
+                <a:highlight>
+                  <a:srgbClr val="282C34"/>
+                </a:highlight>
+                <a:latin typeface="Consolas" panose="020B0609020204030204" pitchFamily="49" charset="0"/>
+              </a:rPr>
+              <a:t>dtrain</a:t>
+            </a:r>
+            <a:r>
+              <a:rPr lang="en-CA" sz="1400" b="0" dirty="0">
+                <a:solidFill>
+                  <a:srgbClr val="ABB2BF"/>
+                </a:solidFill>
+                <a:effectLst/>
+                <a:highlight>
+                  <a:srgbClr val="282C34"/>
+                </a:highlight>
+                <a:latin typeface="Consolas" panose="020B0609020204030204" pitchFamily="49" charset="0"/>
+              </a:rPr>
+              <a:t>, </a:t>
+            </a:r>
+            <a:r>
+              <a:rPr lang="en-CA" sz="1400" b="0" dirty="0" err="1">
+                <a:solidFill>
+                  <a:srgbClr val="E06C75"/>
+                </a:solidFill>
+                <a:effectLst/>
+                <a:highlight>
+                  <a:srgbClr val="282C34"/>
+                </a:highlight>
+                <a:latin typeface="Consolas" panose="020B0609020204030204" pitchFamily="49" charset="0"/>
+              </a:rPr>
+              <a:t>r"x</a:t>
+            </a:r>
+            <a:r>
+              <a:rPr lang="en-CA" sz="1400" b="0" dirty="0">
+                <a:solidFill>
+                  <a:srgbClr val="E06C75"/>
+                </a:solidFill>
+                <a:effectLst/>
+                <a:highlight>
+                  <a:srgbClr val="282C34"/>
+                </a:highlight>
+                <a:latin typeface="Consolas" panose="020B0609020204030204" pitchFamily="49" charset="0"/>
+              </a:rPr>
+              <a:t>"</a:t>
+            </a:r>
+            <a:r>
+              <a:rPr lang="en-CA" sz="1400" b="0" dirty="0">
+                <a:solidFill>
+                  <a:srgbClr val="ABB2BF"/>
+                </a:solidFill>
+                <a:effectLst/>
+                <a:highlight>
+                  <a:srgbClr val="282C34"/>
+                </a:highlight>
+                <a:latin typeface="Consolas" panose="020B0609020204030204" pitchFamily="49" charset="0"/>
+              </a:rPr>
+              <a:t>), </a:t>
+            </a:r>
+            <a:r>
+              <a:rPr lang="en-CA" sz="1400" b="0" dirty="0">
+                <a:solidFill>
+                  <a:srgbClr val="98C379"/>
+                </a:solidFill>
+                <a:effectLst/>
+                <a:highlight>
+                  <a:srgbClr val="282C34"/>
+                </a:highlight>
+                <a:latin typeface="Consolas" panose="020B0609020204030204" pitchFamily="49" charset="0"/>
+              </a:rPr>
+              <a:t>"y"</a:t>
+            </a:r>
+            <a:endParaRPr lang="en-CA" sz="1400" b="0" dirty="0">
+              <a:solidFill>
+                <a:srgbClr val="ABB2BF"/>
+              </a:solidFill>
+              <a:effectLst/>
+              <a:highlight>
+                <a:srgbClr val="282C34"/>
+              </a:highlight>
+              <a:latin typeface="Consolas" panose="020B0609020204030204" pitchFamily="49" charset="0"/>
             </a:endParaRPr>
           </a:p>
           <a:p>
-            <a:r>
-              <a:rPr lang="en-CA" dirty="0">
-                <a:latin typeface="Montserrat Light" panose="00000400000000000000" pitchFamily="2" charset="0"/>
-              </a:rPr>
-              <a:t>MLJ Integration</a:t>
-            </a:r>
+            <a:br>
+              <a:rPr lang="en-CA" sz="1400" b="0" dirty="0">
+                <a:solidFill>
+                  <a:srgbClr val="ABB2BF"/>
+                </a:solidFill>
+                <a:effectLst/>
+                <a:highlight>
+                  <a:srgbClr val="282C34"/>
+                </a:highlight>
+                <a:latin typeface="Consolas" panose="020B0609020204030204" pitchFamily="49" charset="0"/>
+              </a:rPr>
+            </a:br>
+            <a:r>
+              <a:rPr lang="en-CA" sz="1400" b="0" dirty="0">
+                <a:solidFill>
+                  <a:srgbClr val="ABB2BF"/>
+                </a:solidFill>
+                <a:effectLst/>
+                <a:highlight>
+                  <a:srgbClr val="282C34"/>
+                </a:highlight>
+                <a:latin typeface="Consolas" panose="020B0609020204030204" pitchFamily="49" charset="0"/>
+              </a:rPr>
+              <a:t>m = </a:t>
+            </a:r>
+            <a:r>
+              <a:rPr lang="en-CA" sz="1400" b="0" dirty="0" err="1">
+                <a:solidFill>
+                  <a:srgbClr val="ABB2BF"/>
+                </a:solidFill>
+                <a:effectLst/>
+                <a:highlight>
+                  <a:srgbClr val="282C34"/>
+                </a:highlight>
+                <a:latin typeface="Consolas" panose="020B0609020204030204" pitchFamily="49" charset="0"/>
+              </a:rPr>
+              <a:t>NeuroTreeModels.</a:t>
+            </a:r>
+            <a:r>
+              <a:rPr lang="en-CA" sz="1400" b="0" dirty="0" err="1">
+                <a:solidFill>
+                  <a:srgbClr val="56B6C2"/>
+                </a:solidFill>
+                <a:effectLst/>
+                <a:highlight>
+                  <a:srgbClr val="282C34"/>
+                </a:highlight>
+                <a:latin typeface="Consolas" panose="020B0609020204030204" pitchFamily="49" charset="0"/>
+              </a:rPr>
+              <a:t>fit</a:t>
+            </a:r>
+            <a:r>
+              <a:rPr lang="en-CA" sz="1400" b="0" dirty="0">
+                <a:solidFill>
+                  <a:srgbClr val="ABB2BF"/>
+                </a:solidFill>
+                <a:effectLst/>
+                <a:highlight>
+                  <a:srgbClr val="282C34"/>
+                </a:highlight>
+                <a:latin typeface="Consolas" panose="020B0609020204030204" pitchFamily="49" charset="0"/>
+              </a:rPr>
+              <a:t>(config, </a:t>
+            </a:r>
+            <a:r>
+              <a:rPr lang="en-CA" sz="1400" b="0" dirty="0" err="1">
+                <a:solidFill>
+                  <a:srgbClr val="ABB2BF"/>
+                </a:solidFill>
+                <a:effectLst/>
+                <a:highlight>
+                  <a:srgbClr val="282C34"/>
+                </a:highlight>
+                <a:latin typeface="Consolas" panose="020B0609020204030204" pitchFamily="49" charset="0"/>
+              </a:rPr>
+              <a:t>dtrain</a:t>
+            </a:r>
+            <a:r>
+              <a:rPr lang="en-CA" sz="1400" b="0" dirty="0">
+                <a:solidFill>
+                  <a:srgbClr val="ABB2BF"/>
+                </a:solidFill>
+                <a:effectLst/>
+                <a:highlight>
+                  <a:srgbClr val="282C34"/>
+                </a:highlight>
+                <a:latin typeface="Consolas" panose="020B0609020204030204" pitchFamily="49" charset="0"/>
+              </a:rPr>
+              <a:t>; </a:t>
+            </a:r>
+            <a:r>
+              <a:rPr lang="en-CA" sz="1400" b="0" dirty="0" err="1">
+                <a:solidFill>
+                  <a:srgbClr val="ABB2BF"/>
+                </a:solidFill>
+                <a:effectLst/>
+                <a:highlight>
+                  <a:srgbClr val="282C34"/>
+                </a:highlight>
+                <a:latin typeface="Consolas" panose="020B0609020204030204" pitchFamily="49" charset="0"/>
+              </a:rPr>
+              <a:t>feature_names</a:t>
+            </a:r>
+            <a:r>
+              <a:rPr lang="en-CA" sz="1400" b="0" dirty="0">
+                <a:solidFill>
+                  <a:srgbClr val="ABB2BF"/>
+                </a:solidFill>
+                <a:effectLst/>
+                <a:highlight>
+                  <a:srgbClr val="282C34"/>
+                </a:highlight>
+                <a:latin typeface="Consolas" panose="020B0609020204030204" pitchFamily="49" charset="0"/>
+              </a:rPr>
+              <a:t>, </a:t>
+            </a:r>
+            <a:r>
+              <a:rPr lang="en-CA" sz="1400" b="0" dirty="0" err="1">
+                <a:solidFill>
+                  <a:srgbClr val="ABB2BF"/>
+                </a:solidFill>
+                <a:effectLst/>
+                <a:highlight>
+                  <a:srgbClr val="282C34"/>
+                </a:highlight>
+                <a:latin typeface="Consolas" panose="020B0609020204030204" pitchFamily="49" charset="0"/>
+              </a:rPr>
+              <a:t>target_name</a:t>
+            </a:r>
+            <a:r>
+              <a:rPr lang="en-CA" sz="1400" b="0" dirty="0">
+                <a:solidFill>
+                  <a:srgbClr val="ABB2BF"/>
+                </a:solidFill>
+                <a:effectLst/>
+                <a:highlight>
+                  <a:srgbClr val="282C34"/>
+                </a:highlight>
+                <a:latin typeface="Consolas" panose="020B0609020204030204" pitchFamily="49" charset="0"/>
+              </a:rPr>
+              <a:t>)</a:t>
+            </a:r>
+          </a:p>
+          <a:p>
+            <a:r>
+              <a:rPr lang="en-CA" sz="1400" b="0" dirty="0">
+                <a:solidFill>
+                  <a:srgbClr val="ABB2BF"/>
+                </a:solidFill>
+                <a:effectLst/>
+                <a:highlight>
+                  <a:srgbClr val="282C34"/>
+                </a:highlight>
+                <a:latin typeface="Consolas" panose="020B0609020204030204" pitchFamily="49" charset="0"/>
+              </a:rPr>
+              <a:t>p = </a:t>
+            </a:r>
+            <a:r>
+              <a:rPr lang="en-CA" sz="1400" b="0" dirty="0">
+                <a:solidFill>
+                  <a:srgbClr val="56B6C2"/>
+                </a:solidFill>
+                <a:effectLst/>
+                <a:highlight>
+                  <a:srgbClr val="282C34"/>
+                </a:highlight>
+                <a:latin typeface="Consolas" panose="020B0609020204030204" pitchFamily="49" charset="0"/>
+              </a:rPr>
+              <a:t>m</a:t>
+            </a:r>
+            <a:r>
+              <a:rPr lang="en-CA" sz="1400" b="0" dirty="0">
+                <a:solidFill>
+                  <a:srgbClr val="ABB2BF"/>
+                </a:solidFill>
+                <a:effectLst/>
+                <a:highlight>
+                  <a:srgbClr val="282C34"/>
+                </a:highlight>
+                <a:latin typeface="Consolas" panose="020B0609020204030204" pitchFamily="49" charset="0"/>
+              </a:rPr>
+              <a:t>(</a:t>
+            </a:r>
+            <a:r>
+              <a:rPr lang="en-CA" sz="1400" b="0" dirty="0" err="1">
+                <a:solidFill>
+                  <a:srgbClr val="ABB2BF"/>
+                </a:solidFill>
+                <a:effectLst/>
+                <a:highlight>
+                  <a:srgbClr val="282C34"/>
+                </a:highlight>
+                <a:latin typeface="Consolas" panose="020B0609020204030204" pitchFamily="49" charset="0"/>
+              </a:rPr>
+              <a:t>dtrain</a:t>
+            </a:r>
+            <a:r>
+              <a:rPr lang="en-CA" sz="1400" b="0" dirty="0">
+                <a:solidFill>
+                  <a:srgbClr val="ABB2BF"/>
+                </a:solidFill>
+                <a:effectLst/>
+                <a:highlight>
+                  <a:srgbClr val="282C34"/>
+                </a:highlight>
+                <a:latin typeface="Consolas" panose="020B0609020204030204" pitchFamily="49" charset="0"/>
+              </a:rPr>
+              <a:t>)</a:t>
+            </a:r>
+          </a:p>
+          <a:p>
+            <a:endParaRPr lang="en-CA" sz="1400" b="0" dirty="0">
+              <a:solidFill>
+                <a:srgbClr val="ABB2BF"/>
+              </a:solidFill>
+              <a:effectLst/>
+              <a:highlight>
+                <a:srgbClr val="282C34"/>
+              </a:highlight>
+              <a:latin typeface="Consolas" panose="020B0609020204030204" pitchFamily="49" charset="0"/>
+            </a:endParaRPr>
           </a:p>
         </p:txBody>
       </p:sp>
     </p:spTree>
     <p:extLst>
       <p:ext uri="{BB962C8B-B14F-4D97-AF65-F5344CB8AC3E}">
-        <p14:creationId xmlns:p14="http://schemas.microsoft.com/office/powerpoint/2010/main" val="2312499368"/>
+        <p14:creationId xmlns:p14="http://schemas.microsoft.com/office/powerpoint/2010/main" val="925649821"/>
       </p:ext>
     </p:extLst>
   </p:cSld>
@@ -18713,19 +23279,67 @@
 
 <file path=ppt/tags/tag48.xml><?xml version="1.0" encoding="utf-8"?>
 <p:tagLst xmlns:a="http://schemas.openxmlformats.org/drawingml/2006/main" xmlns:r="http://schemas.openxmlformats.org/officeDocument/2006/relationships" xmlns:p="http://schemas.openxmlformats.org/presentationml/2006/main">
-  <p:tag name="NUM" val="1"/>
+  <p:tag name="NUM" val="2"/>
 </p:tagLst>
 </file>
 
 <file path=ppt/tags/tag49.xml><?xml version="1.0" encoding="utf-8"?>
 <p:tagLst xmlns:a="http://schemas.openxmlformats.org/drawingml/2006/main" xmlns:r="http://schemas.openxmlformats.org/officeDocument/2006/relationships" xmlns:p="http://schemas.openxmlformats.org/presentationml/2006/main">
-  <p:tag name="NUM" val="2"/>
+  <p:tag name="NUM" val="3"/>
 </p:tagLst>
 </file>
 
 <file path=ppt/tags/tag5.xml><?xml version="1.0" encoding="utf-8"?>
 <p:tagLst xmlns:a="http://schemas.openxmlformats.org/drawingml/2006/main" xmlns:r="http://schemas.openxmlformats.org/officeDocument/2006/relationships" xmlns:p="http://schemas.openxmlformats.org/presentationml/2006/main">
   <p:tag name="NUM" val="3"/>
+</p:tagLst>
+</file>
+
+<file path=ppt/tags/tag50.xml><?xml version="1.0" encoding="utf-8"?>
+<p:tagLst xmlns:a="http://schemas.openxmlformats.org/drawingml/2006/main" xmlns:r="http://schemas.openxmlformats.org/officeDocument/2006/relationships" xmlns:p="http://schemas.openxmlformats.org/presentationml/2006/main">
+  <p:tag name="NUM" val="4"/>
+</p:tagLst>
+</file>
+
+<file path=ppt/tags/tag51.xml><?xml version="1.0" encoding="utf-8"?>
+<p:tagLst xmlns:a="http://schemas.openxmlformats.org/drawingml/2006/main" xmlns:r="http://schemas.openxmlformats.org/officeDocument/2006/relationships" xmlns:p="http://schemas.openxmlformats.org/presentationml/2006/main">
+  <p:tag name="NUM" val="6"/>
+</p:tagLst>
+</file>
+
+<file path=ppt/tags/tag52.xml><?xml version="1.0" encoding="utf-8"?>
+<p:tagLst xmlns:a="http://schemas.openxmlformats.org/drawingml/2006/main" xmlns:r="http://schemas.openxmlformats.org/officeDocument/2006/relationships" xmlns:p="http://schemas.openxmlformats.org/presentationml/2006/main">
+  <p:tag name="NUM" val="2"/>
+</p:tagLst>
+</file>
+
+<file path=ppt/tags/tag53.xml><?xml version="1.0" encoding="utf-8"?>
+<p:tagLst xmlns:a="http://schemas.openxmlformats.org/drawingml/2006/main" xmlns:r="http://schemas.openxmlformats.org/officeDocument/2006/relationships" xmlns:p="http://schemas.openxmlformats.org/presentationml/2006/main">
+  <p:tag name="NUM" val="3"/>
+</p:tagLst>
+</file>
+
+<file path=ppt/tags/tag54.xml><?xml version="1.0" encoding="utf-8"?>
+<p:tagLst xmlns:a="http://schemas.openxmlformats.org/drawingml/2006/main" xmlns:r="http://schemas.openxmlformats.org/officeDocument/2006/relationships" xmlns:p="http://schemas.openxmlformats.org/presentationml/2006/main">
+  <p:tag name="NUM" val="4"/>
+</p:tagLst>
+</file>
+
+<file path=ppt/tags/tag55.xml><?xml version="1.0" encoding="utf-8"?>
+<p:tagLst xmlns:a="http://schemas.openxmlformats.org/drawingml/2006/main" xmlns:r="http://schemas.openxmlformats.org/officeDocument/2006/relationships" xmlns:p="http://schemas.openxmlformats.org/presentationml/2006/main">
+  <p:tag name="NUM" val="6"/>
+</p:tagLst>
+</file>
+
+<file path=ppt/tags/tag56.xml><?xml version="1.0" encoding="utf-8"?>
+<p:tagLst xmlns:a="http://schemas.openxmlformats.org/drawingml/2006/main" xmlns:r="http://schemas.openxmlformats.org/officeDocument/2006/relationships" xmlns:p="http://schemas.openxmlformats.org/presentationml/2006/main">
+  <p:tag name="NUM" val="1"/>
+</p:tagLst>
+</file>
+
+<file path=ppt/tags/tag57.xml><?xml version="1.0" encoding="utf-8"?>
+<p:tagLst xmlns:a="http://schemas.openxmlformats.org/drawingml/2006/main" xmlns:r="http://schemas.openxmlformats.org/officeDocument/2006/relationships" xmlns:p="http://schemas.openxmlformats.org/presentationml/2006/main">
+  <p:tag name="NUM" val="2"/>
 </p:tagLst>
 </file>
 

--- a/docs/juliacon/NeuroTrees-JuliaCon2024.pptx
+++ b/docs/juliacon/NeuroTrees-JuliaCon2024.pptx
@@ -5281,240 +5281,6 @@
           <a:chExt cx="0" cy="0"/>
         </a:xfrm>
       </p:grpSpPr>
-      <p:sp>
-        <p:nvSpPr>
-          <p:cNvPr id="9" name="Content Placeholder 2">
-            <a:extLst>
-              <a:ext uri="{FF2B5EF4-FFF2-40B4-BE49-F238E27FC236}">
-                <a16:creationId xmlns:a16="http://schemas.microsoft.com/office/drawing/2014/main" id="{631FA07A-03D4-AC42-3C4D-A52850F6BAB0}"/>
-              </a:ext>
-            </a:extLst>
-          </p:cNvPr>
-          <p:cNvSpPr txBox="1">
-            <a:spLocks/>
-          </p:cNvSpPr>
-          <p:nvPr>
-            <p:custDataLst>
-              <p:tags r:id="rId1"/>
-            </p:custDataLst>
-          </p:nvPr>
-        </p:nvSpPr>
-        <p:spPr>
-          <a:xfrm>
-            <a:off x="298066" y="2160815"/>
-            <a:ext cx="5447244" cy="2106385"/>
-          </a:xfrm>
-          <a:prstGeom prst="snip2DiagRect">
-            <a:avLst>
-              <a:gd name="adj1" fmla="val 0"/>
-              <a:gd name="adj2" fmla="val 50000"/>
-            </a:avLst>
-          </a:prstGeom>
-          <a:solidFill>
-            <a:schemeClr val="bg1"/>
-          </a:solidFill>
-        </p:spPr>
-        <p:txBody>
-          <a:bodyPr vert="horz" lIns="91440" tIns="45720" rIns="91440" bIns="45720" rtlCol="0" anchor="ctr">
-            <a:normAutofit fontScale="85000" lnSpcReduction="20000"/>
-          </a:bodyPr>
-          <a:lstStyle>
-            <a:lvl1pPr marL="228600" indent="-228600" algn="l" defTabSz="914400" rtl="0" eaLnBrk="1" latinLnBrk="0" hangingPunct="1">
-              <a:lnSpc>
-                <a:spcPct val="90000"/>
-              </a:lnSpc>
-              <a:spcBef>
-                <a:spcPts val="1000"/>
-              </a:spcBef>
-              <a:buFont typeface="Arial" panose="020B0604020202020204" pitchFamily="34" charset="0"/>
-              <a:buChar char="•"/>
-              <a:defRPr sz="2800" kern="1200">
-                <a:solidFill>
-                  <a:schemeClr val="tx1"/>
-                </a:solidFill>
-                <a:latin typeface="+mn-lt"/>
-                <a:ea typeface="+mn-ea"/>
-                <a:cs typeface="+mn-cs"/>
-              </a:defRPr>
-            </a:lvl1pPr>
-            <a:lvl2pPr marL="685800" indent="-228600" algn="l" defTabSz="914400" rtl="0" eaLnBrk="1" latinLnBrk="0" hangingPunct="1">
-              <a:lnSpc>
-                <a:spcPct val="90000"/>
-              </a:lnSpc>
-              <a:spcBef>
-                <a:spcPts val="500"/>
-              </a:spcBef>
-              <a:buFont typeface="Arial" panose="020B0604020202020204" pitchFamily="34" charset="0"/>
-              <a:buChar char="•"/>
-              <a:defRPr sz="2400" kern="1200">
-                <a:solidFill>
-                  <a:schemeClr val="tx1"/>
-                </a:solidFill>
-                <a:latin typeface="+mn-lt"/>
-                <a:ea typeface="+mn-ea"/>
-                <a:cs typeface="+mn-cs"/>
-              </a:defRPr>
-            </a:lvl2pPr>
-            <a:lvl3pPr marL="1143000" indent="-228600" algn="l" defTabSz="914400" rtl="0" eaLnBrk="1" latinLnBrk="0" hangingPunct="1">
-              <a:lnSpc>
-                <a:spcPct val="90000"/>
-              </a:lnSpc>
-              <a:spcBef>
-                <a:spcPts val="500"/>
-              </a:spcBef>
-              <a:buFont typeface="Arial" panose="020B0604020202020204" pitchFamily="34" charset="0"/>
-              <a:buChar char="•"/>
-              <a:defRPr sz="2000" kern="1200">
-                <a:solidFill>
-                  <a:schemeClr val="tx1"/>
-                </a:solidFill>
-                <a:latin typeface="+mn-lt"/>
-                <a:ea typeface="+mn-ea"/>
-                <a:cs typeface="+mn-cs"/>
-              </a:defRPr>
-            </a:lvl3pPr>
-            <a:lvl4pPr marL="1600200" indent="-228600" algn="l" defTabSz="914400" rtl="0" eaLnBrk="1" latinLnBrk="0" hangingPunct="1">
-              <a:lnSpc>
-                <a:spcPct val="90000"/>
-              </a:lnSpc>
-              <a:spcBef>
-                <a:spcPts val="500"/>
-              </a:spcBef>
-              <a:buFont typeface="Arial" panose="020B0604020202020204" pitchFamily="34" charset="0"/>
-              <a:buChar char="•"/>
-              <a:defRPr sz="1800" kern="1200">
-                <a:solidFill>
-                  <a:schemeClr val="tx1"/>
-                </a:solidFill>
-                <a:latin typeface="+mn-lt"/>
-                <a:ea typeface="+mn-ea"/>
-                <a:cs typeface="+mn-cs"/>
-              </a:defRPr>
-            </a:lvl4pPr>
-            <a:lvl5pPr marL="2057400" indent="-228600" algn="l" defTabSz="914400" rtl="0" eaLnBrk="1" latinLnBrk="0" hangingPunct="1">
-              <a:lnSpc>
-                <a:spcPct val="90000"/>
-              </a:lnSpc>
-              <a:spcBef>
-                <a:spcPts val="500"/>
-              </a:spcBef>
-              <a:buFont typeface="Arial" panose="020B0604020202020204" pitchFamily="34" charset="0"/>
-              <a:buChar char="•"/>
-              <a:defRPr sz="1800" kern="1200">
-                <a:solidFill>
-                  <a:schemeClr val="tx1"/>
-                </a:solidFill>
-                <a:latin typeface="+mn-lt"/>
-                <a:ea typeface="+mn-ea"/>
-                <a:cs typeface="+mn-cs"/>
-              </a:defRPr>
-            </a:lvl5pPr>
-            <a:lvl6pPr marL="2514600" indent="-228600" algn="l" defTabSz="914400" rtl="0" eaLnBrk="1" latinLnBrk="0" hangingPunct="1">
-              <a:lnSpc>
-                <a:spcPct val="90000"/>
-              </a:lnSpc>
-              <a:spcBef>
-                <a:spcPts val="500"/>
-              </a:spcBef>
-              <a:buFont typeface="Arial" panose="020B0604020202020204" pitchFamily="34" charset="0"/>
-              <a:buChar char="•"/>
-              <a:defRPr sz="1800" kern="1200">
-                <a:solidFill>
-                  <a:schemeClr val="tx1"/>
-                </a:solidFill>
-                <a:latin typeface="+mn-lt"/>
-                <a:ea typeface="+mn-ea"/>
-                <a:cs typeface="+mn-cs"/>
-              </a:defRPr>
-            </a:lvl6pPr>
-            <a:lvl7pPr marL="2971800" indent="-228600" algn="l" defTabSz="914400" rtl="0" eaLnBrk="1" latinLnBrk="0" hangingPunct="1">
-              <a:lnSpc>
-                <a:spcPct val="90000"/>
-              </a:lnSpc>
-              <a:spcBef>
-                <a:spcPts val="500"/>
-              </a:spcBef>
-              <a:buFont typeface="Arial" panose="020B0604020202020204" pitchFamily="34" charset="0"/>
-              <a:buChar char="•"/>
-              <a:defRPr sz="1800" kern="1200">
-                <a:solidFill>
-                  <a:schemeClr val="tx1"/>
-                </a:solidFill>
-                <a:latin typeface="+mn-lt"/>
-                <a:ea typeface="+mn-ea"/>
-                <a:cs typeface="+mn-cs"/>
-              </a:defRPr>
-            </a:lvl7pPr>
-            <a:lvl8pPr marL="3429000" indent="-228600" algn="l" defTabSz="914400" rtl="0" eaLnBrk="1" latinLnBrk="0" hangingPunct="1">
-              <a:lnSpc>
-                <a:spcPct val="90000"/>
-              </a:lnSpc>
-              <a:spcBef>
-                <a:spcPts val="500"/>
-              </a:spcBef>
-              <a:buFont typeface="Arial" panose="020B0604020202020204" pitchFamily="34" charset="0"/>
-              <a:buChar char="•"/>
-              <a:defRPr sz="1800" kern="1200">
-                <a:solidFill>
-                  <a:schemeClr val="tx1"/>
-                </a:solidFill>
-                <a:latin typeface="+mn-lt"/>
-                <a:ea typeface="+mn-ea"/>
-                <a:cs typeface="+mn-cs"/>
-              </a:defRPr>
-            </a:lvl8pPr>
-            <a:lvl9pPr marL="3886200" indent="-228600" algn="l" defTabSz="914400" rtl="0" eaLnBrk="1" latinLnBrk="0" hangingPunct="1">
-              <a:lnSpc>
-                <a:spcPct val="90000"/>
-              </a:lnSpc>
-              <a:spcBef>
-                <a:spcPts val="500"/>
-              </a:spcBef>
-              <a:buFont typeface="Arial" panose="020B0604020202020204" pitchFamily="34" charset="0"/>
-              <a:buChar char="•"/>
-              <a:defRPr sz="1800" kern="1200">
-                <a:solidFill>
-                  <a:schemeClr val="tx1"/>
-                </a:solidFill>
-                <a:latin typeface="+mn-lt"/>
-                <a:ea typeface="+mn-ea"/>
-                <a:cs typeface="+mn-cs"/>
-              </a:defRPr>
-            </a:lvl9pPr>
-          </a:lstStyle>
-          <a:p>
-            <a:pPr marL="0" indent="0">
-              <a:buNone/>
-            </a:pPr>
-            <a:r>
-              <a:rPr lang="en-CA" sz="3500" dirty="0" err="1">
-                <a:latin typeface="Montserrat" panose="00000500000000000000" pitchFamily="2" charset="0"/>
-              </a:rPr>
-              <a:t>NeuroTree</a:t>
-            </a:r>
-            <a:endParaRPr lang="en-CA" sz="3600" dirty="0">
-              <a:latin typeface="Montserrat" panose="00000500000000000000" pitchFamily="2" charset="0"/>
-            </a:endParaRPr>
-          </a:p>
-          <a:p>
-            <a:pPr marL="0" indent="0">
-              <a:buNone/>
-            </a:pPr>
-            <a:r>
-              <a:rPr lang="en-US" sz="2600" dirty="0">
-                <a:solidFill>
-                  <a:schemeClr val="tx1">
-                    <a:lumMod val="50000"/>
-                    <a:lumOff val="50000"/>
-                  </a:schemeClr>
-                </a:solidFill>
-                <a:latin typeface="Montserrat" panose="00000500000000000000" pitchFamily="2" charset="0"/>
-              </a:rPr>
-              <a:t>A differentiable tree operator for tabular data</a:t>
-            </a:r>
-          </a:p>
-        </p:txBody>
-      </p:sp>
       <p:pic>
         <p:nvPicPr>
           <p:cNvPr id="2" name="Picture 1">
@@ -5529,235 +5295,83 @@
           </p:cNvPicPr>
           <p:nvPr>
             <p:custDataLst>
-              <p:tags r:id="rId2"/>
+              <p:tags r:id="rId1"/>
             </p:custDataLst>
           </p:nvPr>
         </p:nvPicPr>
         <p:blipFill>
-          <a:blip r:embed="rId6"/>
+          <a:blip r:embed="rId4"/>
           <a:stretch>
             <a:fillRect/>
           </a:stretch>
         </p:blipFill>
         <p:spPr>
           <a:xfrm>
-            <a:off x="5745310" y="2590007"/>
-            <a:ext cx="2045904" cy="1248000"/>
+            <a:off x="5653471" y="2291440"/>
+            <a:ext cx="2321208" cy="1415935"/>
           </a:xfrm>
           <a:prstGeom prst="rect">
             <a:avLst/>
           </a:prstGeom>
         </p:spPr>
       </p:pic>
-      <p:sp>
-        <p:nvSpPr>
-          <p:cNvPr id="4" name="Content Placeholder 2">
+      <p:pic>
+        <p:nvPicPr>
+          <p:cNvPr id="5" name="Picture 4">
             <a:extLst>
               <a:ext uri="{FF2B5EF4-FFF2-40B4-BE49-F238E27FC236}">
-                <a16:creationId xmlns:a16="http://schemas.microsoft.com/office/drawing/2014/main" id="{99D3196E-6A8A-0370-AB61-10562F81B9B1}"/>
+                <a16:creationId xmlns:a16="http://schemas.microsoft.com/office/drawing/2014/main" id="{EED916DA-BA89-6CE5-81FE-1882BDC5E8AC}"/>
               </a:ext>
             </a:extLst>
           </p:cNvPr>
-          <p:cNvSpPr txBox="1">
-            <a:spLocks/>
-          </p:cNvSpPr>
-          <p:nvPr>
-            <p:custDataLst>
-              <p:tags r:id="rId3"/>
-            </p:custDataLst>
-          </p:nvPr>
-        </p:nvSpPr>
+          <p:cNvPicPr>
+            <a:picLocks noChangeAspect="1"/>
+          </p:cNvPicPr>
+          <p:nvPr/>
+        </p:nvPicPr>
+        <p:blipFill>
+          <a:blip r:embed="rId5"/>
+          <a:stretch>
+            <a:fillRect/>
+          </a:stretch>
+        </p:blipFill>
         <p:spPr>
           <a:xfrm>
-            <a:off x="298065" y="4267200"/>
-            <a:ext cx="5447245" cy="2106385"/>
+            <a:off x="5881117" y="4297976"/>
+            <a:ext cx="1865915" cy="1865915"/>
           </a:xfrm>
-          <a:prstGeom prst="snip2DiagRect">
-            <a:avLst>
-              <a:gd name="adj1" fmla="val 0"/>
-              <a:gd name="adj2" fmla="val 50000"/>
-            </a:avLst>
+          <a:prstGeom prst="rect">
+            <a:avLst/>
           </a:prstGeom>
-          <a:solidFill>
-            <a:schemeClr val="bg1"/>
-          </a:solidFill>
         </p:spPr>
-        <p:txBody>
-          <a:bodyPr vert="horz" lIns="91440" tIns="45720" rIns="91440" bIns="45720" rtlCol="0" anchor="ctr">
-            <a:normAutofit fontScale="92500"/>
+      </p:pic>
+      <p:sp>
+        <p:nvSpPr>
+          <p:cNvPr id="7" name="TextBox 6">
+            <a:extLst>
+              <a:ext uri="{FF2B5EF4-FFF2-40B4-BE49-F238E27FC236}">
+                <a16:creationId xmlns:a16="http://schemas.microsoft.com/office/drawing/2014/main" id="{D62B6F26-135D-0E59-3E3F-CA14695696B4}"/>
+              </a:ext>
+            </a:extLst>
+          </p:cNvPr>
+          <p:cNvSpPr txBox="1"/>
+          <p:nvPr/>
+        </p:nvSpPr>
+        <p:spPr>
+          <a:xfrm>
+            <a:off x="783933" y="4615381"/>
+            <a:ext cx="4869538" cy="615553"/>
+          </a:xfrm>
+          <a:prstGeom prst="rect">
+            <a:avLst/>
+          </a:prstGeom>
+          <a:noFill/>
+        </p:spPr>
+        <p:txBody>
+          <a:bodyPr wrap="square" rtlCol="0">
+            <a:spAutoFit/>
           </a:bodyPr>
-          <a:lstStyle>
-            <a:lvl1pPr marL="228600" indent="-228600" algn="l" defTabSz="914400" rtl="0" eaLnBrk="1" latinLnBrk="0" hangingPunct="1">
-              <a:lnSpc>
-                <a:spcPct val="90000"/>
-              </a:lnSpc>
-              <a:spcBef>
-                <a:spcPts val="1000"/>
-              </a:spcBef>
-              <a:buFont typeface="Arial" panose="020B0604020202020204" pitchFamily="34" charset="0"/>
-              <a:buChar char="•"/>
-              <a:defRPr sz="2800" kern="1200">
-                <a:solidFill>
-                  <a:schemeClr val="tx1"/>
-                </a:solidFill>
-                <a:latin typeface="+mn-lt"/>
-                <a:ea typeface="+mn-ea"/>
-                <a:cs typeface="+mn-cs"/>
-              </a:defRPr>
-            </a:lvl1pPr>
-            <a:lvl2pPr marL="685800" indent="-228600" algn="l" defTabSz="914400" rtl="0" eaLnBrk="1" latinLnBrk="0" hangingPunct="1">
-              <a:lnSpc>
-                <a:spcPct val="90000"/>
-              </a:lnSpc>
-              <a:spcBef>
-                <a:spcPts val="500"/>
-              </a:spcBef>
-              <a:buFont typeface="Arial" panose="020B0604020202020204" pitchFamily="34" charset="0"/>
-              <a:buChar char="•"/>
-              <a:defRPr sz="2400" kern="1200">
-                <a:solidFill>
-                  <a:schemeClr val="tx1"/>
-                </a:solidFill>
-                <a:latin typeface="+mn-lt"/>
-                <a:ea typeface="+mn-ea"/>
-                <a:cs typeface="+mn-cs"/>
-              </a:defRPr>
-            </a:lvl2pPr>
-            <a:lvl3pPr marL="1143000" indent="-228600" algn="l" defTabSz="914400" rtl="0" eaLnBrk="1" latinLnBrk="0" hangingPunct="1">
-              <a:lnSpc>
-                <a:spcPct val="90000"/>
-              </a:lnSpc>
-              <a:spcBef>
-                <a:spcPts val="500"/>
-              </a:spcBef>
-              <a:buFont typeface="Arial" panose="020B0604020202020204" pitchFamily="34" charset="0"/>
-              <a:buChar char="•"/>
-              <a:defRPr sz="2000" kern="1200">
-                <a:solidFill>
-                  <a:schemeClr val="tx1"/>
-                </a:solidFill>
-                <a:latin typeface="+mn-lt"/>
-                <a:ea typeface="+mn-ea"/>
-                <a:cs typeface="+mn-cs"/>
-              </a:defRPr>
-            </a:lvl3pPr>
-            <a:lvl4pPr marL="1600200" indent="-228600" algn="l" defTabSz="914400" rtl="0" eaLnBrk="1" latinLnBrk="0" hangingPunct="1">
-              <a:lnSpc>
-                <a:spcPct val="90000"/>
-              </a:lnSpc>
-              <a:spcBef>
-                <a:spcPts val="500"/>
-              </a:spcBef>
-              <a:buFont typeface="Arial" panose="020B0604020202020204" pitchFamily="34" charset="0"/>
-              <a:buChar char="•"/>
-              <a:defRPr sz="1800" kern="1200">
-                <a:solidFill>
-                  <a:schemeClr val="tx1"/>
-                </a:solidFill>
-                <a:latin typeface="+mn-lt"/>
-                <a:ea typeface="+mn-ea"/>
-                <a:cs typeface="+mn-cs"/>
-              </a:defRPr>
-            </a:lvl4pPr>
-            <a:lvl5pPr marL="2057400" indent="-228600" algn="l" defTabSz="914400" rtl="0" eaLnBrk="1" latinLnBrk="0" hangingPunct="1">
-              <a:lnSpc>
-                <a:spcPct val="90000"/>
-              </a:lnSpc>
-              <a:spcBef>
-                <a:spcPts val="500"/>
-              </a:spcBef>
-              <a:buFont typeface="Arial" panose="020B0604020202020204" pitchFamily="34" charset="0"/>
-              <a:buChar char="•"/>
-              <a:defRPr sz="1800" kern="1200">
-                <a:solidFill>
-                  <a:schemeClr val="tx1"/>
-                </a:solidFill>
-                <a:latin typeface="+mn-lt"/>
-                <a:ea typeface="+mn-ea"/>
-                <a:cs typeface="+mn-cs"/>
-              </a:defRPr>
-            </a:lvl5pPr>
-            <a:lvl6pPr marL="2514600" indent="-228600" algn="l" defTabSz="914400" rtl="0" eaLnBrk="1" latinLnBrk="0" hangingPunct="1">
-              <a:lnSpc>
-                <a:spcPct val="90000"/>
-              </a:lnSpc>
-              <a:spcBef>
-                <a:spcPts val="500"/>
-              </a:spcBef>
-              <a:buFont typeface="Arial" panose="020B0604020202020204" pitchFamily="34" charset="0"/>
-              <a:buChar char="•"/>
-              <a:defRPr sz="1800" kern="1200">
-                <a:solidFill>
-                  <a:schemeClr val="tx1"/>
-                </a:solidFill>
-                <a:latin typeface="+mn-lt"/>
-                <a:ea typeface="+mn-ea"/>
-                <a:cs typeface="+mn-cs"/>
-              </a:defRPr>
-            </a:lvl6pPr>
-            <a:lvl7pPr marL="2971800" indent="-228600" algn="l" defTabSz="914400" rtl="0" eaLnBrk="1" latinLnBrk="0" hangingPunct="1">
-              <a:lnSpc>
-                <a:spcPct val="90000"/>
-              </a:lnSpc>
-              <a:spcBef>
-                <a:spcPts val="500"/>
-              </a:spcBef>
-              <a:buFont typeface="Arial" panose="020B0604020202020204" pitchFamily="34" charset="0"/>
-              <a:buChar char="•"/>
-              <a:defRPr sz="1800" kern="1200">
-                <a:solidFill>
-                  <a:schemeClr val="tx1"/>
-                </a:solidFill>
-                <a:latin typeface="+mn-lt"/>
-                <a:ea typeface="+mn-ea"/>
-                <a:cs typeface="+mn-cs"/>
-              </a:defRPr>
-            </a:lvl7pPr>
-            <a:lvl8pPr marL="3429000" indent="-228600" algn="l" defTabSz="914400" rtl="0" eaLnBrk="1" latinLnBrk="0" hangingPunct="1">
-              <a:lnSpc>
-                <a:spcPct val="90000"/>
-              </a:lnSpc>
-              <a:spcBef>
-                <a:spcPts val="500"/>
-              </a:spcBef>
-              <a:buFont typeface="Arial" panose="020B0604020202020204" pitchFamily="34" charset="0"/>
-              <a:buChar char="•"/>
-              <a:defRPr sz="1800" kern="1200">
-                <a:solidFill>
-                  <a:schemeClr val="tx1"/>
-                </a:solidFill>
-                <a:latin typeface="+mn-lt"/>
-                <a:ea typeface="+mn-ea"/>
-                <a:cs typeface="+mn-cs"/>
-              </a:defRPr>
-            </a:lvl8pPr>
-            <a:lvl9pPr marL="3886200" indent="-228600" algn="l" defTabSz="914400" rtl="0" eaLnBrk="1" latinLnBrk="0" hangingPunct="1">
-              <a:lnSpc>
-                <a:spcPct val="90000"/>
-              </a:lnSpc>
-              <a:spcBef>
-                <a:spcPts val="500"/>
-              </a:spcBef>
-              <a:buFont typeface="Arial" panose="020B0604020202020204" pitchFamily="34" charset="0"/>
-              <a:buChar char="•"/>
-              <a:defRPr sz="1800" kern="1200">
-                <a:solidFill>
-                  <a:schemeClr val="tx1"/>
-                </a:solidFill>
-                <a:latin typeface="+mn-lt"/>
-                <a:ea typeface="+mn-ea"/>
-                <a:cs typeface="+mn-cs"/>
-              </a:defRPr>
-            </a:lvl9pPr>
-          </a:lstStyle>
-          <a:p>
-            <a:pPr marL="0" indent="0">
-              <a:buNone/>
-            </a:pPr>
-            <a:endParaRPr lang="en-US" sz="1400" dirty="0">
-              <a:latin typeface="Montserrat" panose="00000500000000000000" pitchFamily="2" charset="0"/>
-            </a:endParaRPr>
-          </a:p>
+          <a:lstStyle/>
           <a:p>
             <a:pPr marL="0" indent="0">
               <a:lnSpc>
@@ -5766,7 +5380,7 @@
               <a:buNone/>
             </a:pPr>
             <a:r>
-              <a:rPr lang="en-US" sz="1900" dirty="0">
+              <a:rPr lang="en-US" sz="2000" dirty="0">
                 <a:latin typeface="Montserrat" panose="00000500000000000000" pitchFamily="2" charset="0"/>
               </a:rPr>
               <a:t>Jérémie Desgagné-Bouchard, FCAS</a:t>
@@ -5781,13 +5395,76 @@
             </a:pPr>
             <a:r>
               <a:rPr lang="en-US" sz="1400" dirty="0">
+                <a:latin typeface="Montserrat SemiBold" panose="00000700000000000000" pitchFamily="2" charset="0"/>
+              </a:rPr>
+              <a:t>Head of Science - Evovest</a:t>
+            </a:r>
+            <a:endParaRPr lang="en-US" sz="2400" dirty="0">
+              <a:latin typeface="Montserrat SemiBold" panose="00000700000000000000" pitchFamily="2" charset="0"/>
+            </a:endParaRPr>
+          </a:p>
+        </p:txBody>
+      </p:sp>
+      <p:sp>
+        <p:nvSpPr>
+          <p:cNvPr id="8" name="TextBox 7">
+            <a:extLst>
+              <a:ext uri="{FF2B5EF4-FFF2-40B4-BE49-F238E27FC236}">
+                <a16:creationId xmlns:a16="http://schemas.microsoft.com/office/drawing/2014/main" id="{8BFF934A-23D2-B1E2-6D65-261D91F16216}"/>
+              </a:ext>
+            </a:extLst>
+          </p:cNvPr>
+          <p:cNvSpPr txBox="1"/>
+          <p:nvPr/>
+        </p:nvSpPr>
+        <p:spPr>
+          <a:xfrm>
+            <a:off x="783933" y="2229967"/>
+            <a:ext cx="4109196" cy="1538883"/>
+          </a:xfrm>
+          <a:prstGeom prst="rect">
+            <a:avLst/>
+          </a:prstGeom>
+          <a:noFill/>
+        </p:spPr>
+        <p:txBody>
+          <a:bodyPr wrap="square" rtlCol="0">
+            <a:spAutoFit/>
+          </a:bodyPr>
+          <a:lstStyle/>
+          <a:p>
+            <a:pPr marL="0" indent="0">
+              <a:buNone/>
+            </a:pPr>
+            <a:r>
+              <a:rPr lang="en-CA" sz="3600" dirty="0" err="1">
                 <a:latin typeface="Montserrat" panose="00000500000000000000" pitchFamily="2" charset="0"/>
               </a:rPr>
-              <a:t>Head of Science - Evovest</a:t>
-            </a:r>
-            <a:endParaRPr lang="en-US" sz="1900" dirty="0">
+              <a:t>NeuroTree</a:t>
+            </a:r>
+            <a:endParaRPr lang="en-CA" sz="3600" dirty="0">
               <a:latin typeface="Montserrat" panose="00000500000000000000" pitchFamily="2" charset="0"/>
             </a:endParaRPr>
+          </a:p>
+          <a:p>
+            <a:pPr marL="0" indent="0">
+              <a:buNone/>
+            </a:pPr>
+            <a:r>
+              <a:rPr lang="en-US" sz="2000" dirty="0">
+                <a:solidFill>
+                  <a:schemeClr val="tx1">
+                    <a:lumMod val="50000"/>
+                    <a:lumOff val="50000"/>
+                  </a:schemeClr>
+                </a:solidFill>
+                <a:latin typeface="Montserrat" panose="00000500000000000000" pitchFamily="2" charset="0"/>
+              </a:rPr>
+              <a:t>A differentiable tree operator for tabular data</a:t>
+            </a:r>
+          </a:p>
+          <a:p>
+            <a:endParaRPr lang="en-CA" dirty="0"/>
           </a:p>
         </p:txBody>
       </p:sp>
@@ -11528,7 +11205,7 @@
                 <a:latin typeface="Montserrat" panose="00000500000000000000" pitchFamily="2" charset="0"/>
                 <a:ea typeface="Yu Gothic UI Light" panose="020B0300000000000000" pitchFamily="34" charset="-128"/>
               </a:rPr>
-              <a:t>Trees basics</a:t>
+              <a:t>Trees Basics</a:t>
             </a:r>
           </a:p>
         </p:txBody>
@@ -24231,67 +23908,67 @@
 
 <file path=ppt/tags/tag1.xml><?xml version="1.0" encoding="utf-8"?>
 <p:tagLst xmlns:a="http://schemas.openxmlformats.org/drawingml/2006/main" xmlns:r="http://schemas.openxmlformats.org/officeDocument/2006/relationships" xmlns:p="http://schemas.openxmlformats.org/presentationml/2006/main">
-  <p:tag name="NUM" val="1"/>
+  <p:tag name="NUM" val="2"/>
 </p:tagLst>
 </file>
 
 <file path=ppt/tags/tag10.xml><?xml version="1.0" encoding="utf-8"?>
 <p:tagLst xmlns:a="http://schemas.openxmlformats.org/drawingml/2006/main" xmlns:r="http://schemas.openxmlformats.org/officeDocument/2006/relationships" xmlns:p="http://schemas.openxmlformats.org/presentationml/2006/main">
-  <p:tag name="NUM" val="4"/>
+  <p:tag name="NUM" val="2"/>
 </p:tagLst>
 </file>
 
 <file path=ppt/tags/tag11.xml><?xml version="1.0" encoding="utf-8"?>
 <p:tagLst xmlns:a="http://schemas.openxmlformats.org/drawingml/2006/main" xmlns:r="http://schemas.openxmlformats.org/officeDocument/2006/relationships" xmlns:p="http://schemas.openxmlformats.org/presentationml/2006/main">
-  <p:tag name="NUM" val="6"/>
+  <p:tag name="NUM" val="3"/>
 </p:tagLst>
 </file>
 
 <file path=ppt/tags/tag12.xml><?xml version="1.0" encoding="utf-8"?>
 <p:tagLst xmlns:a="http://schemas.openxmlformats.org/drawingml/2006/main" xmlns:r="http://schemas.openxmlformats.org/officeDocument/2006/relationships" xmlns:p="http://schemas.openxmlformats.org/presentationml/2006/main">
-  <p:tag name="NUM" val="2"/>
+  <p:tag name="NUM" val="4"/>
 </p:tagLst>
 </file>
 
 <file path=ppt/tags/tag13.xml><?xml version="1.0" encoding="utf-8"?>
 <p:tagLst xmlns:a="http://schemas.openxmlformats.org/drawingml/2006/main" xmlns:r="http://schemas.openxmlformats.org/officeDocument/2006/relationships" xmlns:p="http://schemas.openxmlformats.org/presentationml/2006/main">
-  <p:tag name="NUM" val="3"/>
+  <p:tag name="NUM" val="6"/>
 </p:tagLst>
 </file>
 
 <file path=ppt/tags/tag14.xml><?xml version="1.0" encoding="utf-8"?>
 <p:tagLst xmlns:a="http://schemas.openxmlformats.org/drawingml/2006/main" xmlns:r="http://schemas.openxmlformats.org/officeDocument/2006/relationships" xmlns:p="http://schemas.openxmlformats.org/presentationml/2006/main">
-  <p:tag name="NUM" val="4"/>
+  <p:tag name="NUM" val="2"/>
 </p:tagLst>
 </file>
 
 <file path=ppt/tags/tag15.xml><?xml version="1.0" encoding="utf-8"?>
 <p:tagLst xmlns:a="http://schemas.openxmlformats.org/drawingml/2006/main" xmlns:r="http://schemas.openxmlformats.org/officeDocument/2006/relationships" xmlns:p="http://schemas.openxmlformats.org/presentationml/2006/main">
-  <p:tag name="NUM" val="6"/>
+  <p:tag name="NUM" val="3"/>
 </p:tagLst>
 </file>
 
 <file path=ppt/tags/tag16.xml><?xml version="1.0" encoding="utf-8"?>
 <p:tagLst xmlns:a="http://schemas.openxmlformats.org/drawingml/2006/main" xmlns:r="http://schemas.openxmlformats.org/officeDocument/2006/relationships" xmlns:p="http://schemas.openxmlformats.org/presentationml/2006/main">
-  <p:tag name="NUM" val="2"/>
+  <p:tag name="NUM" val="4"/>
 </p:tagLst>
 </file>
 
 <file path=ppt/tags/tag17.xml><?xml version="1.0" encoding="utf-8"?>
 <p:tagLst xmlns:a="http://schemas.openxmlformats.org/drawingml/2006/main" xmlns:r="http://schemas.openxmlformats.org/officeDocument/2006/relationships" xmlns:p="http://schemas.openxmlformats.org/presentationml/2006/main">
-  <p:tag name="NUM" val="3"/>
+  <p:tag name="NUM" val="6"/>
 </p:tagLst>
 </file>
 
 <file path=ppt/tags/tag18.xml><?xml version="1.0" encoding="utf-8"?>
 <p:tagLst xmlns:a="http://schemas.openxmlformats.org/drawingml/2006/main" xmlns:r="http://schemas.openxmlformats.org/officeDocument/2006/relationships" xmlns:p="http://schemas.openxmlformats.org/presentationml/2006/main">
-  <p:tag name="NUM" val="4"/>
+  <p:tag name="NUM" val="2"/>
 </p:tagLst>
 </file>
 
 <file path=ppt/tags/tag19.xml><?xml version="1.0" encoding="utf-8"?>
 <p:tagLst xmlns:a="http://schemas.openxmlformats.org/drawingml/2006/main" xmlns:r="http://schemas.openxmlformats.org/officeDocument/2006/relationships" xmlns:p="http://schemas.openxmlformats.org/presentationml/2006/main">
-  <p:tag name="NUM" val="6"/>
+  <p:tag name="NUM" val="3"/>
 </p:tagLst>
 </file>
 
@@ -24303,245 +23980,233 @@
 
 <file path=ppt/tags/tag20.xml><?xml version="1.0" encoding="utf-8"?>
 <p:tagLst xmlns:a="http://schemas.openxmlformats.org/drawingml/2006/main" xmlns:r="http://schemas.openxmlformats.org/officeDocument/2006/relationships" xmlns:p="http://schemas.openxmlformats.org/presentationml/2006/main">
-  <p:tag name="NUM" val="2"/>
+  <p:tag name="NUM" val="4"/>
 </p:tagLst>
 </file>
 
 <file path=ppt/tags/tag21.xml><?xml version="1.0" encoding="utf-8"?>
 <p:tagLst xmlns:a="http://schemas.openxmlformats.org/drawingml/2006/main" xmlns:r="http://schemas.openxmlformats.org/officeDocument/2006/relationships" xmlns:p="http://schemas.openxmlformats.org/presentationml/2006/main">
-  <p:tag name="NUM" val="3"/>
+  <p:tag name="NUM" val="6"/>
 </p:tagLst>
 </file>
 
 <file path=ppt/tags/tag22.xml><?xml version="1.0" encoding="utf-8"?>
 <p:tagLst xmlns:a="http://schemas.openxmlformats.org/drawingml/2006/main" xmlns:r="http://schemas.openxmlformats.org/officeDocument/2006/relationships" xmlns:p="http://schemas.openxmlformats.org/presentationml/2006/main">
-  <p:tag name="NUM" val="4"/>
+  <p:tag name="NUM" val="2"/>
 </p:tagLst>
 </file>
 
 <file path=ppt/tags/tag23.xml><?xml version="1.0" encoding="utf-8"?>
 <p:tagLst xmlns:a="http://schemas.openxmlformats.org/drawingml/2006/main" xmlns:r="http://schemas.openxmlformats.org/officeDocument/2006/relationships" xmlns:p="http://schemas.openxmlformats.org/presentationml/2006/main">
-  <p:tag name="NUM" val="6"/>
+  <p:tag name="NUM" val="3"/>
 </p:tagLst>
 </file>
 
 <file path=ppt/tags/tag24.xml><?xml version="1.0" encoding="utf-8"?>
 <p:tagLst xmlns:a="http://schemas.openxmlformats.org/drawingml/2006/main" xmlns:r="http://schemas.openxmlformats.org/officeDocument/2006/relationships" xmlns:p="http://schemas.openxmlformats.org/presentationml/2006/main">
-  <p:tag name="NUM" val="2"/>
+  <p:tag name="NUM" val="4"/>
 </p:tagLst>
 </file>
 
 <file path=ppt/tags/tag25.xml><?xml version="1.0" encoding="utf-8"?>
 <p:tagLst xmlns:a="http://schemas.openxmlformats.org/drawingml/2006/main" xmlns:r="http://schemas.openxmlformats.org/officeDocument/2006/relationships" xmlns:p="http://schemas.openxmlformats.org/presentationml/2006/main">
-  <p:tag name="NUM" val="3"/>
+  <p:tag name="NUM" val="6"/>
 </p:tagLst>
 </file>
 
 <file path=ppt/tags/tag26.xml><?xml version="1.0" encoding="utf-8"?>
 <p:tagLst xmlns:a="http://schemas.openxmlformats.org/drawingml/2006/main" xmlns:r="http://schemas.openxmlformats.org/officeDocument/2006/relationships" xmlns:p="http://schemas.openxmlformats.org/presentationml/2006/main">
-  <p:tag name="NUM" val="4"/>
+  <p:tag name="NUM" val="2"/>
 </p:tagLst>
 </file>
 
 <file path=ppt/tags/tag27.xml><?xml version="1.0" encoding="utf-8"?>
 <p:tagLst xmlns:a="http://schemas.openxmlformats.org/drawingml/2006/main" xmlns:r="http://schemas.openxmlformats.org/officeDocument/2006/relationships" xmlns:p="http://schemas.openxmlformats.org/presentationml/2006/main">
-  <p:tag name="NUM" val="6"/>
+  <p:tag name="NUM" val="3"/>
 </p:tagLst>
 </file>
 
 <file path=ppt/tags/tag28.xml><?xml version="1.0" encoding="utf-8"?>
 <p:tagLst xmlns:a="http://schemas.openxmlformats.org/drawingml/2006/main" xmlns:r="http://schemas.openxmlformats.org/officeDocument/2006/relationships" xmlns:p="http://schemas.openxmlformats.org/presentationml/2006/main">
-  <p:tag name="NUM" val="2"/>
+  <p:tag name="NUM" val="4"/>
 </p:tagLst>
 </file>
 
 <file path=ppt/tags/tag29.xml><?xml version="1.0" encoding="utf-8"?>
 <p:tagLst xmlns:a="http://schemas.openxmlformats.org/drawingml/2006/main" xmlns:r="http://schemas.openxmlformats.org/officeDocument/2006/relationships" xmlns:p="http://schemas.openxmlformats.org/presentationml/2006/main">
-  <p:tag name="NUM" val="3"/>
+  <p:tag name="NUM" val="6"/>
 </p:tagLst>
 </file>
 
 <file path=ppt/tags/tag3.xml><?xml version="1.0" encoding="utf-8"?>
 <p:tagLst xmlns:a="http://schemas.openxmlformats.org/drawingml/2006/main" xmlns:r="http://schemas.openxmlformats.org/officeDocument/2006/relationships" xmlns:p="http://schemas.openxmlformats.org/presentationml/2006/main">
-  <p:tag name="NUM" val="1"/>
+  <p:tag name="NUM" val="3"/>
 </p:tagLst>
 </file>
 
 <file path=ppt/tags/tag30.xml><?xml version="1.0" encoding="utf-8"?>
 <p:tagLst xmlns:a="http://schemas.openxmlformats.org/drawingml/2006/main" xmlns:r="http://schemas.openxmlformats.org/officeDocument/2006/relationships" xmlns:p="http://schemas.openxmlformats.org/presentationml/2006/main">
-  <p:tag name="NUM" val="4"/>
+  <p:tag name="NUM" val="2"/>
 </p:tagLst>
 </file>
 
 <file path=ppt/tags/tag31.xml><?xml version="1.0" encoding="utf-8"?>
 <p:tagLst xmlns:a="http://schemas.openxmlformats.org/drawingml/2006/main" xmlns:r="http://schemas.openxmlformats.org/officeDocument/2006/relationships" xmlns:p="http://schemas.openxmlformats.org/presentationml/2006/main">
-  <p:tag name="NUM" val="6"/>
+  <p:tag name="NUM" val="3"/>
 </p:tagLst>
 </file>
 
 <file path=ppt/tags/tag32.xml><?xml version="1.0" encoding="utf-8"?>
 <p:tagLst xmlns:a="http://schemas.openxmlformats.org/drawingml/2006/main" xmlns:r="http://schemas.openxmlformats.org/officeDocument/2006/relationships" xmlns:p="http://schemas.openxmlformats.org/presentationml/2006/main">
-  <p:tag name="NUM" val="2"/>
+  <p:tag name="NUM" val="4"/>
 </p:tagLst>
 </file>
 
 <file path=ppt/tags/tag33.xml><?xml version="1.0" encoding="utf-8"?>
 <p:tagLst xmlns:a="http://schemas.openxmlformats.org/drawingml/2006/main" xmlns:r="http://schemas.openxmlformats.org/officeDocument/2006/relationships" xmlns:p="http://schemas.openxmlformats.org/presentationml/2006/main">
-  <p:tag name="NUM" val="3"/>
+  <p:tag name="NUM" val="6"/>
 </p:tagLst>
 </file>
 
 <file path=ppt/tags/tag34.xml><?xml version="1.0" encoding="utf-8"?>
 <p:tagLst xmlns:a="http://schemas.openxmlformats.org/drawingml/2006/main" xmlns:r="http://schemas.openxmlformats.org/officeDocument/2006/relationships" xmlns:p="http://schemas.openxmlformats.org/presentationml/2006/main">
-  <p:tag name="NUM" val="4"/>
+  <p:tag name="NUM" val="2"/>
 </p:tagLst>
 </file>
 
 <file path=ppt/tags/tag35.xml><?xml version="1.0" encoding="utf-8"?>
 <p:tagLst xmlns:a="http://schemas.openxmlformats.org/drawingml/2006/main" xmlns:r="http://schemas.openxmlformats.org/officeDocument/2006/relationships" xmlns:p="http://schemas.openxmlformats.org/presentationml/2006/main">
-  <p:tag name="NUM" val="6"/>
+  <p:tag name="NUM" val="3"/>
 </p:tagLst>
 </file>
 
 <file path=ppt/tags/tag36.xml><?xml version="1.0" encoding="utf-8"?>
 <p:tagLst xmlns:a="http://schemas.openxmlformats.org/drawingml/2006/main" xmlns:r="http://schemas.openxmlformats.org/officeDocument/2006/relationships" xmlns:p="http://schemas.openxmlformats.org/presentationml/2006/main">
-  <p:tag name="NUM" val="2"/>
+  <p:tag name="NUM" val="4"/>
 </p:tagLst>
 </file>
 
 <file path=ppt/tags/tag37.xml><?xml version="1.0" encoding="utf-8"?>
 <p:tagLst xmlns:a="http://schemas.openxmlformats.org/drawingml/2006/main" xmlns:r="http://schemas.openxmlformats.org/officeDocument/2006/relationships" xmlns:p="http://schemas.openxmlformats.org/presentationml/2006/main">
-  <p:tag name="NUM" val="3"/>
+  <p:tag name="NUM" val="6"/>
 </p:tagLst>
 </file>
 
 <file path=ppt/tags/tag38.xml><?xml version="1.0" encoding="utf-8"?>
 <p:tagLst xmlns:a="http://schemas.openxmlformats.org/drawingml/2006/main" xmlns:r="http://schemas.openxmlformats.org/officeDocument/2006/relationships" xmlns:p="http://schemas.openxmlformats.org/presentationml/2006/main">
-  <p:tag name="NUM" val="4"/>
+  <p:tag name="NUM" val="2"/>
 </p:tagLst>
 </file>
 
 <file path=ppt/tags/tag39.xml><?xml version="1.0" encoding="utf-8"?>
 <p:tagLst xmlns:a="http://schemas.openxmlformats.org/drawingml/2006/main" xmlns:r="http://schemas.openxmlformats.org/officeDocument/2006/relationships" xmlns:p="http://schemas.openxmlformats.org/presentationml/2006/main">
-  <p:tag name="NUM" val="6"/>
+  <p:tag name="NUM" val="3"/>
 </p:tagLst>
 </file>
 
 <file path=ppt/tags/tag4.xml><?xml version="1.0" encoding="utf-8"?>
 <p:tagLst xmlns:a="http://schemas.openxmlformats.org/drawingml/2006/main" xmlns:r="http://schemas.openxmlformats.org/officeDocument/2006/relationships" xmlns:p="http://schemas.openxmlformats.org/presentationml/2006/main">
-  <p:tag name="NUM" val="2"/>
+  <p:tag name="NUM" val="4"/>
 </p:tagLst>
 </file>
 
 <file path=ppt/tags/tag40.xml><?xml version="1.0" encoding="utf-8"?>
 <p:tagLst xmlns:a="http://schemas.openxmlformats.org/drawingml/2006/main" xmlns:r="http://schemas.openxmlformats.org/officeDocument/2006/relationships" xmlns:p="http://schemas.openxmlformats.org/presentationml/2006/main">
-  <p:tag name="NUM" val="2"/>
+  <p:tag name="NUM" val="4"/>
 </p:tagLst>
 </file>
 
 <file path=ppt/tags/tag41.xml><?xml version="1.0" encoding="utf-8"?>
 <p:tagLst xmlns:a="http://schemas.openxmlformats.org/drawingml/2006/main" xmlns:r="http://schemas.openxmlformats.org/officeDocument/2006/relationships" xmlns:p="http://schemas.openxmlformats.org/presentationml/2006/main">
-  <p:tag name="NUM" val="3"/>
+  <p:tag name="NUM" val="6"/>
 </p:tagLst>
 </file>
 
 <file path=ppt/tags/tag42.xml><?xml version="1.0" encoding="utf-8"?>
 <p:tagLst xmlns:a="http://schemas.openxmlformats.org/drawingml/2006/main" xmlns:r="http://schemas.openxmlformats.org/officeDocument/2006/relationships" xmlns:p="http://schemas.openxmlformats.org/presentationml/2006/main">
-  <p:tag name="NUM" val="4"/>
+  <p:tag name="NUM" val="2"/>
 </p:tagLst>
 </file>
 
 <file path=ppt/tags/tag43.xml><?xml version="1.0" encoding="utf-8"?>
 <p:tagLst xmlns:a="http://schemas.openxmlformats.org/drawingml/2006/main" xmlns:r="http://schemas.openxmlformats.org/officeDocument/2006/relationships" xmlns:p="http://schemas.openxmlformats.org/presentationml/2006/main">
-  <p:tag name="NUM" val="6"/>
+  <p:tag name="NUM" val="3"/>
 </p:tagLst>
 </file>
 
 <file path=ppt/tags/tag44.xml><?xml version="1.0" encoding="utf-8"?>
 <p:tagLst xmlns:a="http://schemas.openxmlformats.org/drawingml/2006/main" xmlns:r="http://schemas.openxmlformats.org/officeDocument/2006/relationships" xmlns:p="http://schemas.openxmlformats.org/presentationml/2006/main">
-  <p:tag name="NUM" val="2"/>
+  <p:tag name="NUM" val="4"/>
 </p:tagLst>
 </file>
 
 <file path=ppt/tags/tag45.xml><?xml version="1.0" encoding="utf-8"?>
 <p:tagLst xmlns:a="http://schemas.openxmlformats.org/drawingml/2006/main" xmlns:r="http://schemas.openxmlformats.org/officeDocument/2006/relationships" xmlns:p="http://schemas.openxmlformats.org/presentationml/2006/main">
-  <p:tag name="NUM" val="3"/>
+  <p:tag name="NUM" val="6"/>
 </p:tagLst>
 </file>
 
 <file path=ppt/tags/tag46.xml><?xml version="1.0" encoding="utf-8"?>
 <p:tagLst xmlns:a="http://schemas.openxmlformats.org/drawingml/2006/main" xmlns:r="http://schemas.openxmlformats.org/officeDocument/2006/relationships" xmlns:p="http://schemas.openxmlformats.org/presentationml/2006/main">
-  <p:tag name="NUM" val="4"/>
+  <p:tag name="NUM" val="2"/>
 </p:tagLst>
 </file>
 
 <file path=ppt/tags/tag47.xml><?xml version="1.0" encoding="utf-8"?>
 <p:tagLst xmlns:a="http://schemas.openxmlformats.org/drawingml/2006/main" xmlns:r="http://schemas.openxmlformats.org/officeDocument/2006/relationships" xmlns:p="http://schemas.openxmlformats.org/presentationml/2006/main">
-  <p:tag name="NUM" val="6"/>
+  <p:tag name="NUM" val="3"/>
 </p:tagLst>
 </file>
 
 <file path=ppt/tags/tag48.xml><?xml version="1.0" encoding="utf-8"?>
 <p:tagLst xmlns:a="http://schemas.openxmlformats.org/drawingml/2006/main" xmlns:r="http://schemas.openxmlformats.org/officeDocument/2006/relationships" xmlns:p="http://schemas.openxmlformats.org/presentationml/2006/main">
-  <p:tag name="NUM" val="2"/>
+  <p:tag name="NUM" val="4"/>
 </p:tagLst>
 </file>
 
 <file path=ppt/tags/tag49.xml><?xml version="1.0" encoding="utf-8"?>
 <p:tagLst xmlns:a="http://schemas.openxmlformats.org/drawingml/2006/main" xmlns:r="http://schemas.openxmlformats.org/officeDocument/2006/relationships" xmlns:p="http://schemas.openxmlformats.org/presentationml/2006/main">
-  <p:tag name="NUM" val="3"/>
+  <p:tag name="NUM" val="6"/>
 </p:tagLst>
 </file>
 
 <file path=ppt/tags/tag5.xml><?xml version="1.0" encoding="utf-8"?>
 <p:tagLst xmlns:a="http://schemas.openxmlformats.org/drawingml/2006/main" xmlns:r="http://schemas.openxmlformats.org/officeDocument/2006/relationships" xmlns:p="http://schemas.openxmlformats.org/presentationml/2006/main">
-  <p:tag name="NUM" val="3"/>
+  <p:tag name="NUM" val="6"/>
 </p:tagLst>
 </file>
 
 <file path=ppt/tags/tag50.xml><?xml version="1.0" encoding="utf-8"?>
 <p:tagLst xmlns:a="http://schemas.openxmlformats.org/drawingml/2006/main" xmlns:r="http://schemas.openxmlformats.org/officeDocument/2006/relationships" xmlns:p="http://schemas.openxmlformats.org/presentationml/2006/main">
-  <p:tag name="NUM" val="4"/>
+  <p:tag name="NUM" val="2"/>
 </p:tagLst>
 </file>
 
 <file path=ppt/tags/tag51.xml><?xml version="1.0" encoding="utf-8"?>
 <p:tagLst xmlns:a="http://schemas.openxmlformats.org/drawingml/2006/main" xmlns:r="http://schemas.openxmlformats.org/officeDocument/2006/relationships" xmlns:p="http://schemas.openxmlformats.org/presentationml/2006/main">
-  <p:tag name="NUM" val="6"/>
+  <p:tag name="NUM" val="3"/>
 </p:tagLst>
 </file>
 
 <file path=ppt/tags/tag52.xml><?xml version="1.0" encoding="utf-8"?>
 <p:tagLst xmlns:a="http://schemas.openxmlformats.org/drawingml/2006/main" xmlns:r="http://schemas.openxmlformats.org/officeDocument/2006/relationships" xmlns:p="http://schemas.openxmlformats.org/presentationml/2006/main">
-  <p:tag name="NUM" val="2"/>
+  <p:tag name="NUM" val="4"/>
 </p:tagLst>
 </file>
 
 <file path=ppt/tags/tag53.xml><?xml version="1.0" encoding="utf-8"?>
 <p:tagLst xmlns:a="http://schemas.openxmlformats.org/drawingml/2006/main" xmlns:r="http://schemas.openxmlformats.org/officeDocument/2006/relationships" xmlns:p="http://schemas.openxmlformats.org/presentationml/2006/main">
-  <p:tag name="NUM" val="3"/>
+  <p:tag name="NUM" val="6"/>
 </p:tagLst>
 </file>
 
 <file path=ppt/tags/tag54.xml><?xml version="1.0" encoding="utf-8"?>
 <p:tagLst xmlns:a="http://schemas.openxmlformats.org/drawingml/2006/main" xmlns:r="http://schemas.openxmlformats.org/officeDocument/2006/relationships" xmlns:p="http://schemas.openxmlformats.org/presentationml/2006/main">
-  <p:tag name="NUM" val="4"/>
+  <p:tag name="NUM" val="1"/>
 </p:tagLst>
 </file>
 
 <file path=ppt/tags/tag55.xml><?xml version="1.0" encoding="utf-8"?>
-<p:tagLst xmlns:a="http://schemas.openxmlformats.org/drawingml/2006/main" xmlns:r="http://schemas.openxmlformats.org/officeDocument/2006/relationships" xmlns:p="http://schemas.openxmlformats.org/presentationml/2006/main">
-  <p:tag name="NUM" val="6"/>
-</p:tagLst>
-</file>
-
-<file path=ppt/tags/tag56.xml><?xml version="1.0" encoding="utf-8"?>
-<p:tagLst xmlns:a="http://schemas.openxmlformats.org/drawingml/2006/main" xmlns:r="http://schemas.openxmlformats.org/officeDocument/2006/relationships" xmlns:p="http://schemas.openxmlformats.org/presentationml/2006/main">
-  <p:tag name="NUM" val="1"/>
-</p:tagLst>
-</file>
-
-<file path=ppt/tags/tag57.xml><?xml version="1.0" encoding="utf-8"?>
 <p:tagLst xmlns:a="http://schemas.openxmlformats.org/drawingml/2006/main" xmlns:r="http://schemas.openxmlformats.org/officeDocument/2006/relationships" xmlns:p="http://schemas.openxmlformats.org/presentationml/2006/main">
   <p:tag name="NUM" val="2"/>
 </p:tagLst>
@@ -24549,25 +24214,25 @@
 
 <file path=ppt/tags/tag6.xml><?xml version="1.0" encoding="utf-8"?>
 <p:tagLst xmlns:a="http://schemas.openxmlformats.org/drawingml/2006/main" xmlns:r="http://schemas.openxmlformats.org/officeDocument/2006/relationships" xmlns:p="http://schemas.openxmlformats.org/presentationml/2006/main">
-  <p:tag name="NUM" val="4"/>
+  <p:tag name="NUM" val="2"/>
 </p:tagLst>
 </file>
 
 <file path=ppt/tags/tag7.xml><?xml version="1.0" encoding="utf-8"?>
 <p:tagLst xmlns:a="http://schemas.openxmlformats.org/drawingml/2006/main" xmlns:r="http://schemas.openxmlformats.org/officeDocument/2006/relationships" xmlns:p="http://schemas.openxmlformats.org/presentationml/2006/main">
-  <p:tag name="NUM" val="6"/>
+  <p:tag name="NUM" val="3"/>
 </p:tagLst>
 </file>
 
 <file path=ppt/tags/tag8.xml><?xml version="1.0" encoding="utf-8"?>
 <p:tagLst xmlns:a="http://schemas.openxmlformats.org/drawingml/2006/main" xmlns:r="http://schemas.openxmlformats.org/officeDocument/2006/relationships" xmlns:p="http://schemas.openxmlformats.org/presentationml/2006/main">
-  <p:tag name="NUM" val="2"/>
+  <p:tag name="NUM" val="4"/>
 </p:tagLst>
 </file>
 
 <file path=ppt/tags/tag9.xml><?xml version="1.0" encoding="utf-8"?>
 <p:tagLst xmlns:a="http://schemas.openxmlformats.org/drawingml/2006/main" xmlns:r="http://schemas.openxmlformats.org/officeDocument/2006/relationships" xmlns:p="http://schemas.openxmlformats.org/presentationml/2006/main">
-  <p:tag name="NUM" val="3"/>
+  <p:tag name="NUM" val="6"/>
 </p:tagLst>
 </file>
 
